--- a/Epitope_Prediction_TiezhengYuan.pptx
+++ b/Epitope_Prediction_TiezhengYuan.pptx
@@ -5,7 +5,7 @@
     <p:sldMasterId id="2147483648" r:id="rId1"/>
   </p:sldMasterIdLst>
   <p:notesMasterIdLst>
-    <p:notesMasterId r:id="rId28"/>
+    <p:notesMasterId r:id="rId38"/>
   </p:notesMasterIdLst>
   <p:sldIdLst>
     <p:sldId id="256" r:id="rId2"/>
@@ -14,26 +14,36 @@
     <p:sldId id="257" r:id="rId5"/>
     <p:sldId id="262" r:id="rId6"/>
     <p:sldId id="266" r:id="rId7"/>
-    <p:sldId id="267" r:id="rId8"/>
-    <p:sldId id="268" r:id="rId9"/>
-    <p:sldId id="270" r:id="rId10"/>
-    <p:sldId id="271" r:id="rId11"/>
-    <p:sldId id="272" r:id="rId12"/>
-    <p:sldId id="273" r:id="rId13"/>
-    <p:sldId id="274" r:id="rId14"/>
-    <p:sldId id="275" r:id="rId15"/>
-    <p:sldId id="277" r:id="rId16"/>
-    <p:sldId id="278" r:id="rId17"/>
-    <p:sldId id="279" r:id="rId18"/>
-    <p:sldId id="280" r:id="rId19"/>
-    <p:sldId id="276" r:id="rId20"/>
-    <p:sldId id="265" r:id="rId21"/>
-    <p:sldId id="281" r:id="rId22"/>
-    <p:sldId id="282" r:id="rId23"/>
-    <p:sldId id="283" r:id="rId24"/>
-    <p:sldId id="269" r:id="rId25"/>
-    <p:sldId id="263" r:id="rId26"/>
-    <p:sldId id="284" r:id="rId27"/>
+    <p:sldId id="287" r:id="rId8"/>
+    <p:sldId id="267" r:id="rId9"/>
+    <p:sldId id="268" r:id="rId10"/>
+    <p:sldId id="270" r:id="rId11"/>
+    <p:sldId id="271" r:id="rId12"/>
+    <p:sldId id="272" r:id="rId13"/>
+    <p:sldId id="273" r:id="rId14"/>
+    <p:sldId id="274" r:id="rId15"/>
+    <p:sldId id="275" r:id="rId16"/>
+    <p:sldId id="288" r:id="rId17"/>
+    <p:sldId id="277" r:id="rId18"/>
+    <p:sldId id="278" r:id="rId19"/>
+    <p:sldId id="279" r:id="rId20"/>
+    <p:sldId id="280" r:id="rId21"/>
+    <p:sldId id="286" r:id="rId22"/>
+    <p:sldId id="276" r:id="rId23"/>
+    <p:sldId id="289" r:id="rId24"/>
+    <p:sldId id="285" r:id="rId25"/>
+    <p:sldId id="291" r:id="rId26"/>
+    <p:sldId id="292" r:id="rId27"/>
+    <p:sldId id="293" r:id="rId28"/>
+    <p:sldId id="294" r:id="rId29"/>
+    <p:sldId id="290" r:id="rId30"/>
+    <p:sldId id="265" r:id="rId31"/>
+    <p:sldId id="281" r:id="rId32"/>
+    <p:sldId id="282" r:id="rId33"/>
+    <p:sldId id="283" r:id="rId34"/>
+    <p:sldId id="269" r:id="rId35"/>
+    <p:sldId id="263" r:id="rId36"/>
+    <p:sldId id="284" r:id="rId37"/>
   </p:sldIdLst>
   <p:sldSz cx="12192000" cy="6858000"/>
   <p:notesSz cx="6858000" cy="9144000"/>
@@ -588,6 +598,395 @@
 </p:notes>
 </file>
 
+<file path=ppt/notesSlides/notesSlide10.xml><?xml version="1.0" encoding="utf-8"?>
+<p:notes xmlns:a="http://schemas.openxmlformats.org/drawingml/2006/main" xmlns:r="http://schemas.openxmlformats.org/officeDocument/2006/relationships" xmlns:p="http://schemas.openxmlformats.org/presentationml/2006/main">
+  <p:cSld>
+    <p:spTree>
+      <p:nvGrpSpPr>
+        <p:cNvPr id="1" name=""/>
+        <p:cNvGrpSpPr/>
+        <p:nvPr/>
+      </p:nvGrpSpPr>
+      <p:grpSpPr>
+        <a:xfrm>
+          <a:off x="0" y="0"/>
+          <a:ext cx="0" cy="0"/>
+          <a:chOff x="0" y="0"/>
+          <a:chExt cx="0" cy="0"/>
+        </a:xfrm>
+      </p:grpSpPr>
+      <p:sp>
+        <p:nvSpPr>
+          <p:cNvPr id="2" name="Slide Image Placeholder 1"/>
+          <p:cNvSpPr>
+            <a:spLocks noGrp="1" noRot="1" noChangeAspect="1"/>
+          </p:cNvSpPr>
+          <p:nvPr>
+            <p:ph type="sldImg"/>
+          </p:nvPr>
+        </p:nvSpPr>
+        <p:spPr/>
+      </p:sp>
+      <p:sp>
+        <p:nvSpPr>
+          <p:cNvPr id="3" name="Notes Placeholder 2"/>
+          <p:cNvSpPr>
+            <a:spLocks noGrp="1"/>
+          </p:cNvSpPr>
+          <p:nvPr>
+            <p:ph type="body" idx="1"/>
+          </p:nvPr>
+        </p:nvSpPr>
+        <p:spPr/>
+        <p:txBody>
+          <a:bodyPr/>
+          <a:lstStyle/>
+          <a:p>
+            <a:endParaRPr lang="en-US" dirty="0"/>
+          </a:p>
+        </p:txBody>
+      </p:sp>
+      <p:sp>
+        <p:nvSpPr>
+          <p:cNvPr id="4" name="Slide Number Placeholder 3"/>
+          <p:cNvSpPr>
+            <a:spLocks noGrp="1"/>
+          </p:cNvSpPr>
+          <p:nvPr>
+            <p:ph type="sldNum" sz="quarter" idx="5"/>
+          </p:nvPr>
+        </p:nvSpPr>
+        <p:spPr/>
+        <p:txBody>
+          <a:bodyPr/>
+          <a:lstStyle/>
+          <a:p>
+            <a:fld id="{3B914BCA-DBD4-462E-A6F5-E00E4027473D}" type="slidenum">
+              <a:rPr lang="en-US" smtClean="0"/>
+              <a:t>31</a:t>
+            </a:fld>
+            <a:endParaRPr lang="en-US"/>
+          </a:p>
+        </p:txBody>
+      </p:sp>
+    </p:spTree>
+    <p:extLst>
+      <p:ext uri="{BB962C8B-B14F-4D97-AF65-F5344CB8AC3E}">
+        <p14:creationId xmlns:p14="http://schemas.microsoft.com/office/powerpoint/2010/main" val="2727968096"/>
+      </p:ext>
+    </p:extLst>
+  </p:cSld>
+  <p:clrMapOvr>
+    <a:masterClrMapping/>
+  </p:clrMapOvr>
+</p:notes>
+</file>
+
+<file path=ppt/notesSlides/notesSlide11.xml><?xml version="1.0" encoding="utf-8"?>
+<p:notes xmlns:a="http://schemas.openxmlformats.org/drawingml/2006/main" xmlns:r="http://schemas.openxmlformats.org/officeDocument/2006/relationships" xmlns:p="http://schemas.openxmlformats.org/presentationml/2006/main">
+  <p:cSld>
+    <p:spTree>
+      <p:nvGrpSpPr>
+        <p:cNvPr id="1" name=""/>
+        <p:cNvGrpSpPr/>
+        <p:nvPr/>
+      </p:nvGrpSpPr>
+      <p:grpSpPr>
+        <a:xfrm>
+          <a:off x="0" y="0"/>
+          <a:ext cx="0" cy="0"/>
+          <a:chOff x="0" y="0"/>
+          <a:chExt cx="0" cy="0"/>
+        </a:xfrm>
+      </p:grpSpPr>
+      <p:sp>
+        <p:nvSpPr>
+          <p:cNvPr id="2" name="Slide Image Placeholder 1"/>
+          <p:cNvSpPr>
+            <a:spLocks noGrp="1" noRot="1" noChangeAspect="1"/>
+          </p:cNvSpPr>
+          <p:nvPr>
+            <p:ph type="sldImg"/>
+          </p:nvPr>
+        </p:nvSpPr>
+        <p:spPr/>
+      </p:sp>
+      <p:sp>
+        <p:nvSpPr>
+          <p:cNvPr id="3" name="Notes Placeholder 2"/>
+          <p:cNvSpPr>
+            <a:spLocks noGrp="1"/>
+          </p:cNvSpPr>
+          <p:nvPr>
+            <p:ph type="body" idx="1"/>
+          </p:nvPr>
+        </p:nvSpPr>
+        <p:spPr/>
+        <p:txBody>
+          <a:bodyPr/>
+          <a:lstStyle/>
+          <a:p>
+            <a:pPr marL="0" marR="0" lvl="0" indent="0" algn="l" defTabSz="914400" rtl="0" eaLnBrk="1" fontAlgn="auto" latinLnBrk="0" hangingPunct="1">
+              <a:lnSpc>
+                <a:spcPct val="100000"/>
+              </a:lnSpc>
+              <a:spcBef>
+                <a:spcPts val="0"/>
+              </a:spcBef>
+              <a:spcAft>
+                <a:spcPts val="0"/>
+              </a:spcAft>
+              <a:buClrTx/>
+              <a:buSzTx/>
+              <a:buFontTx/>
+              <a:buNone/>
+              <a:tabLst/>
+              <a:defRPr/>
+            </a:pPr>
+            <a:r>
+              <a:rPr lang="en-US" dirty="0"/>
+              <a:t>In this case study, I did virtual epitope mapping using that model. K-</a:t>
+            </a:r>
+            <a:r>
+              <a:rPr lang="en-US" dirty="0" err="1"/>
+              <a:t>mer</a:t>
+            </a:r>
+            <a:r>
+              <a:rPr lang="en-US" dirty="0"/>
+              <a:t> =20 means the epitope  window is 20 AA. Scan the entire protein sequence from N-terminus. The dots stand for prediction on that AA. The orange color lines represents the regions annotated as epitopes region. HER1 is transmembrane protein, which are extracellular, transmembrane, and intracellular regions. Showed in the plot, the cysteine-rich region and transmembrane regions are not predicted as epitopes, consistence with previous bench work study. </a:t>
+            </a:r>
+            <a:r>
+              <a:rPr lang="en-US" b="1" dirty="0"/>
+              <a:t>Domain III</a:t>
+            </a:r>
+            <a:r>
+              <a:rPr lang="en-US" dirty="0"/>
+              <a:t> contains competitively binding sites used by lots of monoclonal antibody drugs which are labeled by vertical bars.</a:t>
+            </a:r>
+          </a:p>
+          <a:p>
+            <a:endParaRPr lang="en-US" dirty="0"/>
+          </a:p>
+        </p:txBody>
+      </p:sp>
+      <p:sp>
+        <p:nvSpPr>
+          <p:cNvPr id="4" name="Slide Number Placeholder 3"/>
+          <p:cNvSpPr>
+            <a:spLocks noGrp="1"/>
+          </p:cNvSpPr>
+          <p:nvPr>
+            <p:ph type="sldNum" sz="quarter" idx="5"/>
+          </p:nvPr>
+        </p:nvSpPr>
+        <p:spPr/>
+        <p:txBody>
+          <a:bodyPr/>
+          <a:lstStyle/>
+          <a:p>
+            <a:fld id="{3B914BCA-DBD4-462E-A6F5-E00E4027473D}" type="slidenum">
+              <a:rPr lang="en-US" smtClean="0"/>
+              <a:t>32</a:t>
+            </a:fld>
+            <a:endParaRPr lang="en-US"/>
+          </a:p>
+        </p:txBody>
+      </p:sp>
+    </p:spTree>
+    <p:extLst>
+      <p:ext uri="{BB962C8B-B14F-4D97-AF65-F5344CB8AC3E}">
+        <p14:creationId xmlns:p14="http://schemas.microsoft.com/office/powerpoint/2010/main" val="924141762"/>
+      </p:ext>
+    </p:extLst>
+  </p:cSld>
+  <p:clrMapOvr>
+    <a:masterClrMapping/>
+  </p:clrMapOvr>
+</p:notes>
+</file>
+
+<file path=ppt/notesSlides/notesSlide12.xml><?xml version="1.0" encoding="utf-8"?>
+<p:notes xmlns:a="http://schemas.openxmlformats.org/drawingml/2006/main" xmlns:r="http://schemas.openxmlformats.org/officeDocument/2006/relationships" xmlns:p="http://schemas.openxmlformats.org/presentationml/2006/main">
+  <p:cSld>
+    <p:spTree>
+      <p:nvGrpSpPr>
+        <p:cNvPr id="1" name=""/>
+        <p:cNvGrpSpPr/>
+        <p:nvPr/>
+      </p:nvGrpSpPr>
+      <p:grpSpPr>
+        <a:xfrm>
+          <a:off x="0" y="0"/>
+          <a:ext cx="0" cy="0"/>
+          <a:chOff x="0" y="0"/>
+          <a:chExt cx="0" cy="0"/>
+        </a:xfrm>
+      </p:grpSpPr>
+      <p:sp>
+        <p:nvSpPr>
+          <p:cNvPr id="2" name="Slide Image Placeholder 1"/>
+          <p:cNvSpPr>
+            <a:spLocks noGrp="1" noRot="1" noChangeAspect="1"/>
+          </p:cNvSpPr>
+          <p:nvPr>
+            <p:ph type="sldImg"/>
+          </p:nvPr>
+        </p:nvSpPr>
+        <p:spPr/>
+      </p:sp>
+      <p:sp>
+        <p:nvSpPr>
+          <p:cNvPr id="3" name="Notes Placeholder 2"/>
+          <p:cNvSpPr>
+            <a:spLocks noGrp="1"/>
+          </p:cNvSpPr>
+          <p:nvPr>
+            <p:ph type="body" idx="1"/>
+          </p:nvPr>
+        </p:nvSpPr>
+        <p:spPr/>
+        <p:txBody>
+          <a:bodyPr/>
+          <a:lstStyle/>
+          <a:p>
+            <a:r>
+              <a:rPr lang="en-US" dirty="0"/>
+              <a:t>Antibody production and medicine is a very long and complex process. The screening could be phage, or mice system.</a:t>
+            </a:r>
+          </a:p>
+        </p:txBody>
+      </p:sp>
+      <p:sp>
+        <p:nvSpPr>
+          <p:cNvPr id="4" name="Slide Number Placeholder 3"/>
+          <p:cNvSpPr>
+            <a:spLocks noGrp="1"/>
+          </p:cNvSpPr>
+          <p:nvPr>
+            <p:ph type="sldNum" sz="quarter" idx="5"/>
+          </p:nvPr>
+        </p:nvSpPr>
+        <p:spPr/>
+        <p:txBody>
+          <a:bodyPr/>
+          <a:lstStyle/>
+          <a:p>
+            <a:fld id="{3B914BCA-DBD4-462E-A6F5-E00E4027473D}" type="slidenum">
+              <a:rPr lang="en-US" smtClean="0"/>
+              <a:t>35</a:t>
+            </a:fld>
+            <a:endParaRPr lang="en-US"/>
+          </a:p>
+        </p:txBody>
+      </p:sp>
+    </p:spTree>
+    <p:extLst>
+      <p:ext uri="{BB962C8B-B14F-4D97-AF65-F5344CB8AC3E}">
+        <p14:creationId xmlns:p14="http://schemas.microsoft.com/office/powerpoint/2010/main" val="1756694147"/>
+      </p:ext>
+    </p:extLst>
+  </p:cSld>
+  <p:clrMapOvr>
+    <a:masterClrMapping/>
+  </p:clrMapOvr>
+</p:notes>
+</file>
+
+<file path=ppt/notesSlides/notesSlide13.xml><?xml version="1.0" encoding="utf-8"?>
+<p:notes xmlns:a="http://schemas.openxmlformats.org/drawingml/2006/main" xmlns:r="http://schemas.openxmlformats.org/officeDocument/2006/relationships" xmlns:p="http://schemas.openxmlformats.org/presentationml/2006/main">
+  <p:cSld>
+    <p:spTree>
+      <p:nvGrpSpPr>
+        <p:cNvPr id="1" name=""/>
+        <p:cNvGrpSpPr/>
+        <p:nvPr/>
+      </p:nvGrpSpPr>
+      <p:grpSpPr>
+        <a:xfrm>
+          <a:off x="0" y="0"/>
+          <a:ext cx="0" cy="0"/>
+          <a:chOff x="0" y="0"/>
+          <a:chExt cx="0" cy="0"/>
+        </a:xfrm>
+      </p:grpSpPr>
+      <p:sp>
+        <p:nvSpPr>
+          <p:cNvPr id="2" name="Slide Image Placeholder 1"/>
+          <p:cNvSpPr>
+            <a:spLocks noGrp="1" noRot="1" noChangeAspect="1"/>
+          </p:cNvSpPr>
+          <p:nvPr>
+            <p:ph type="sldImg"/>
+          </p:nvPr>
+        </p:nvSpPr>
+        <p:spPr/>
+      </p:sp>
+      <p:sp>
+        <p:nvSpPr>
+          <p:cNvPr id="3" name="Notes Placeholder 2"/>
+          <p:cNvSpPr>
+            <a:spLocks noGrp="1"/>
+          </p:cNvSpPr>
+          <p:nvPr>
+            <p:ph type="body" idx="1"/>
+          </p:nvPr>
+        </p:nvSpPr>
+        <p:spPr/>
+        <p:txBody>
+          <a:bodyPr/>
+          <a:lstStyle/>
+          <a:p>
+            <a:r>
+              <a:rPr lang="en-US" dirty="0"/>
+              <a:t>HER2 () is involved in normal cell growth. But overexpression in cancer cells including </a:t>
+            </a:r>
+            <a:r>
+              <a:rPr lang="en-US" dirty="0" err="1"/>
+              <a:t>breact</a:t>
+            </a:r>
+            <a:r>
+              <a:rPr lang="en-US" dirty="0"/>
+              <a:t> ovarian, bladder, pancreatic , stomach and esophageal cancers.</a:t>
+            </a:r>
+          </a:p>
+        </p:txBody>
+      </p:sp>
+      <p:sp>
+        <p:nvSpPr>
+          <p:cNvPr id="4" name="Slide Number Placeholder 3"/>
+          <p:cNvSpPr>
+            <a:spLocks noGrp="1"/>
+          </p:cNvSpPr>
+          <p:nvPr>
+            <p:ph type="sldNum" sz="quarter" idx="5"/>
+          </p:nvPr>
+        </p:nvSpPr>
+        <p:spPr/>
+        <p:txBody>
+          <a:bodyPr/>
+          <a:lstStyle/>
+          <a:p>
+            <a:fld id="{3B914BCA-DBD4-462E-A6F5-E00E4027473D}" type="slidenum">
+              <a:rPr lang="en-US" smtClean="0"/>
+              <a:t>36</a:t>
+            </a:fld>
+            <a:endParaRPr lang="en-US"/>
+          </a:p>
+        </p:txBody>
+      </p:sp>
+    </p:spTree>
+    <p:extLst>
+      <p:ext uri="{BB962C8B-B14F-4D97-AF65-F5344CB8AC3E}">
+        <p14:creationId xmlns:p14="http://schemas.microsoft.com/office/powerpoint/2010/main" val="2130257393"/>
+      </p:ext>
+    </p:extLst>
+  </p:cSld>
+  <p:clrMapOvr>
+    <a:masterClrMapping/>
+  </p:clrMapOvr>
+</p:notes>
+</file>
+
 <file path=ppt/notesSlides/notesSlide2.xml><?xml version="1.0" encoding="utf-8"?>
 <p:notes xmlns:a="http://schemas.openxmlformats.org/drawingml/2006/main" xmlns:r="http://schemas.openxmlformats.org/officeDocument/2006/relationships" xmlns:p="http://schemas.openxmlformats.org/presentationml/2006/main">
   <p:cSld>
@@ -656,7 +1055,7 @@
           <a:p>
             <a:fld id="{3B914BCA-DBD4-462E-A6F5-E00E4027473D}" type="slidenum">
               <a:rPr lang="en-US" smtClean="0"/>
-              <a:t>7</a:t>
+              <a:t>8</a:t>
             </a:fld>
             <a:endParaRPr lang="en-US"/>
           </a:p>
@@ -743,7 +1142,7 @@
           <a:p>
             <a:fld id="{3B914BCA-DBD4-462E-A6F5-E00E4027473D}" type="slidenum">
               <a:rPr lang="en-US" smtClean="0"/>
-              <a:t>8</a:t>
+              <a:t>9</a:t>
             </a:fld>
             <a:endParaRPr lang="en-US"/>
           </a:p>
@@ -827,7 +1226,7 @@
           <a:p>
             <a:fld id="{3B914BCA-DBD4-462E-A6F5-E00E4027473D}" type="slidenum">
               <a:rPr lang="en-US" smtClean="0"/>
-              <a:t>9</a:t>
+              <a:t>10</a:t>
             </a:fld>
             <a:endParaRPr lang="en-US"/>
           </a:p>
@@ -914,7 +1313,7 @@
           <a:p>
             <a:fld id="{3B914BCA-DBD4-462E-A6F5-E00E4027473D}" type="slidenum">
               <a:rPr lang="en-US" smtClean="0"/>
-              <a:t>15</a:t>
+              <a:t>17</a:t>
             </a:fld>
             <a:endParaRPr lang="en-US"/>
           </a:p>
@@ -977,7 +1376,82 @@
           <a:bodyPr/>
           <a:lstStyle/>
           <a:p>
-            <a:endParaRPr lang="en-US" dirty="0"/>
+            <a:r>
+              <a:rPr lang="en-US" dirty="0"/>
+              <a:t>Expand 25 features to 420 features: mean, median, variance of 5 </a:t>
+            </a:r>
+            <a:r>
+              <a:rPr lang="en-US" dirty="0" err="1"/>
+              <a:t>phy-che</a:t>
+            </a:r>
+            <a:r>
+              <a:rPr lang="en-US" dirty="0"/>
+              <a:t> properties. Frequencies of 1-AA, 2-AA, existences of </a:t>
+            </a:r>
+            <a:r>
+              <a:rPr lang="en-US" dirty="0" err="1"/>
+              <a:t>of</a:t>
+            </a:r>
+            <a:r>
+              <a:rPr lang="en-US" dirty="0"/>
+              <a:t> 1-AA, and 2-AA (binary). The RF can help us to evaluate importance of features. Showed as the upper plot, mean value of hydrophobicity, frequency of </a:t>
+            </a:r>
+            <a:r>
+              <a:rPr lang="en-US" dirty="0" err="1"/>
+              <a:t>cys</a:t>
+            </a:r>
+            <a:r>
+              <a:rPr lang="en-US" dirty="0"/>
+              <a:t>, </a:t>
+            </a:r>
+            <a:r>
+              <a:rPr lang="en-US" dirty="0" err="1"/>
+              <a:t>tyr,val</a:t>
+            </a:r>
+            <a:r>
+              <a:rPr lang="en-US" dirty="0"/>
+              <a:t> </a:t>
+            </a:r>
+            <a:r>
+              <a:rPr lang="en-US" dirty="0" err="1"/>
+              <a:t>etc</a:t>
+            </a:r>
+            <a:r>
+              <a:rPr lang="en-US" dirty="0"/>
+              <a:t>, existence of </a:t>
+            </a:r>
+            <a:r>
+              <a:rPr lang="en-US" dirty="0" err="1"/>
+              <a:t>cys</a:t>
+            </a:r>
+            <a:r>
+              <a:rPr lang="en-US" dirty="0"/>
+              <a:t>, </a:t>
+            </a:r>
+            <a:r>
+              <a:rPr lang="en-US" dirty="0" err="1"/>
+              <a:t>tyr</a:t>
+            </a:r>
+            <a:r>
+              <a:rPr lang="en-US" dirty="0"/>
+              <a:t>, </a:t>
+            </a:r>
+            <a:r>
+              <a:rPr lang="en-US" dirty="0" err="1"/>
+              <a:t>val</a:t>
+            </a:r>
+            <a:r>
+              <a:rPr lang="en-US" dirty="0"/>
+              <a:t> Ile, or </a:t>
+            </a:r>
+            <a:r>
+              <a:rPr lang="en-US" dirty="0" err="1"/>
+              <a:t>Phe</a:t>
+            </a:r>
+            <a:r>
+              <a:rPr lang="en-US" dirty="0"/>
+              <a:t>, </a:t>
+            </a:r>
           </a:p>
         </p:txBody>
       </p:sp>
@@ -998,7 +1472,7 @@
           <a:p>
             <a:fld id="{3B914BCA-DBD4-462E-A6F5-E00E4027473D}" type="slidenum">
               <a:rPr lang="en-US" smtClean="0"/>
-              <a:t>21</a:t>
+              <a:t>24</a:t>
             </a:fld>
             <a:endParaRPr lang="en-US"/>
           </a:p>
@@ -1007,7 +1481,7 @@
     </p:spTree>
     <p:extLst>
       <p:ext uri="{BB962C8B-B14F-4D97-AF65-F5344CB8AC3E}">
-        <p14:creationId xmlns:p14="http://schemas.microsoft.com/office/powerpoint/2010/main" val="2727968096"/>
+        <p14:creationId xmlns:p14="http://schemas.microsoft.com/office/powerpoint/2010/main" val="1184254956"/>
       </p:ext>
     </p:extLst>
   </p:cSld>
@@ -1061,46 +1535,26 @@
           <a:bodyPr/>
           <a:lstStyle/>
           <a:p>
-            <a:pPr marL="0" marR="0" lvl="0" indent="0" algn="l" defTabSz="914400" rtl="0" eaLnBrk="1" fontAlgn="auto" latinLnBrk="0" hangingPunct="1">
-              <a:lnSpc>
-                <a:spcPct val="100000"/>
-              </a:lnSpc>
-              <a:spcBef>
-                <a:spcPts val="0"/>
-              </a:spcBef>
-              <a:spcAft>
-                <a:spcPts val="0"/>
-              </a:spcAft>
-              <a:buClrTx/>
-              <a:buSzTx/>
-              <a:buFontTx/>
-              <a:buNone/>
-              <a:tabLst/>
-              <a:defRPr/>
-            </a:pPr>
-            <a:r>
-              <a:rPr lang="en-US" dirty="0"/>
-              <a:t>In this case study, I did virtual epitope mapping using that model. K-</a:t>
+            <a:r>
+              <a:rPr lang="en-US" dirty="0"/>
+              <a:t>All of AA are hydrophobic amino acid.  Leu is strongest Hydro. </a:t>
             </a:r>
             <a:r>
               <a:rPr lang="en-US" dirty="0" err="1"/>
-              <a:t>mer</a:t>
-            </a:r>
-            <a:r>
-              <a:rPr lang="en-US" dirty="0"/>
-              <a:t> =20 means the epitope  window is 20 AA. Scan the entire protein sequence from N-terminus. The dots stand for prediction on that AA. The orange color lines represents the regions annotated as epitopes region. HER1 is transmembrane protein, which are extracellular, transmembrane, and intracellular regions. Showed in the plot, the cysteine-rich region and transmembrane regions are not predicted as epitopes, consistence with previous bench work study. </a:t>
-            </a:r>
-            <a:r>
-              <a:rPr lang="en-US" b="1" dirty="0"/>
-              <a:t>Domain III</a:t>
-            </a:r>
-            <a:r>
-              <a:rPr lang="en-US" dirty="0"/>
-              <a:t> contains competitively binding sites used by lots of monoclonal antibody drugs which are labeled by vertical bars.</a:t>
-            </a:r>
-          </a:p>
-          <a:p>
-            <a:endParaRPr lang="en-US" dirty="0"/>
+              <a:t>Cys</a:t>
+            </a:r>
+            <a:r>
+              <a:rPr lang="en-US" dirty="0"/>
+              <a:t> is less hydro, of which is close to the neutral AA.  AUC of identification of epitopes containing </a:t>
+            </a:r>
+            <a:r>
+              <a:rPr lang="en-US" dirty="0" err="1"/>
+              <a:t>Cys</a:t>
+            </a:r>
+            <a:r>
+              <a:rPr lang="en-US" dirty="0"/>
+              <a:t> or without Leu are larger than others.</a:t>
+            </a:r>
           </a:p>
         </p:txBody>
       </p:sp>
@@ -1121,7 +1575,7 @@
           <a:p>
             <a:fld id="{3B914BCA-DBD4-462E-A6F5-E00E4027473D}" type="slidenum">
               <a:rPr lang="en-US" smtClean="0"/>
-              <a:t>22</a:t>
+              <a:t>25</a:t>
             </a:fld>
             <a:endParaRPr lang="en-US"/>
           </a:p>
@@ -1130,7 +1584,7 @@
     </p:spTree>
     <p:extLst>
       <p:ext uri="{BB962C8B-B14F-4D97-AF65-F5344CB8AC3E}">
-        <p14:creationId xmlns:p14="http://schemas.microsoft.com/office/powerpoint/2010/main" val="924141762"/>
+        <p14:creationId xmlns:p14="http://schemas.microsoft.com/office/powerpoint/2010/main" val="3452257832"/>
       </p:ext>
     </p:extLst>
   </p:cSld>
@@ -1186,7 +1640,23 @@
           <a:p>
             <a:r>
               <a:rPr lang="en-US" dirty="0"/>
-              <a:t>Antibody production and medicine is a very long and complex process. The screening could be phage, or mice system.</a:t>
+              <a:t>Up to 62% epitopes contains at least one leu and don’t include </a:t>
+            </a:r>
+            <a:r>
+              <a:rPr lang="en-US" dirty="0" err="1"/>
+              <a:t>Cys</a:t>
+            </a:r>
+            <a:r>
+              <a:rPr lang="en-US" dirty="0"/>
+              <a:t>. That indicates </a:t>
+            </a:r>
+            <a:r>
+              <a:rPr lang="en-US" dirty="0" err="1"/>
+              <a:t>Cys</a:t>
+            </a:r>
+            <a:r>
+              <a:rPr lang="en-US" dirty="0"/>
+              <a:t> and Leu are contrary parts in lots of epitopes. Val and Leu is compatible to each other in 41% epitopes.</a:t>
             </a:r>
           </a:p>
         </p:txBody>
@@ -1208,7 +1678,7 @@
           <a:p>
             <a:fld id="{3B914BCA-DBD4-462E-A6F5-E00E4027473D}" type="slidenum">
               <a:rPr lang="en-US" smtClean="0"/>
-              <a:t>25</a:t>
+              <a:t>26</a:t>
             </a:fld>
             <a:endParaRPr lang="en-US"/>
           </a:p>
@@ -1217,7 +1687,7 @@
     </p:spTree>
     <p:extLst>
       <p:ext uri="{BB962C8B-B14F-4D97-AF65-F5344CB8AC3E}">
-        <p14:creationId xmlns:p14="http://schemas.microsoft.com/office/powerpoint/2010/main" val="1756694147"/>
+        <p14:creationId xmlns:p14="http://schemas.microsoft.com/office/powerpoint/2010/main" val="3234828439"/>
       </p:ext>
     </p:extLst>
   </p:cSld>
@@ -1271,18 +1741,7 @@
           <a:bodyPr/>
           <a:lstStyle/>
           <a:p>
-            <a:r>
-              <a:rPr lang="en-US" dirty="0"/>
-              <a:t>HER2 () is involved in normal cell growth. But overexpression in cancer cells including </a:t>
-            </a:r>
-            <a:r>
-              <a:rPr lang="en-US" dirty="0" err="1"/>
-              <a:t>breact</a:t>
-            </a:r>
-            <a:r>
-              <a:rPr lang="en-US" dirty="0"/>
-              <a:t> ovarian, bladder, pancreatic , stomach and esophageal cancers.</a:t>
-            </a:r>
+            <a:endParaRPr lang="en-US" dirty="0"/>
           </a:p>
         </p:txBody>
       </p:sp>
@@ -1303,7 +1762,7 @@
           <a:p>
             <a:fld id="{3B914BCA-DBD4-462E-A6F5-E00E4027473D}" type="slidenum">
               <a:rPr lang="en-US" smtClean="0"/>
-              <a:t>26</a:t>
+              <a:t>28</a:t>
             </a:fld>
             <a:endParaRPr lang="en-US"/>
           </a:p>
@@ -1312,7 +1771,7 @@
     </p:spTree>
     <p:extLst>
       <p:ext uri="{BB962C8B-B14F-4D97-AF65-F5344CB8AC3E}">
-        <p14:creationId xmlns:p14="http://schemas.microsoft.com/office/powerpoint/2010/main" val="2130257393"/>
+        <p14:creationId xmlns:p14="http://schemas.microsoft.com/office/powerpoint/2010/main" val="2828277421"/>
       </p:ext>
     </p:extLst>
   </p:cSld>
@@ -4566,7 +5025,7 @@
           <a:p>
             <a:r>
               <a:rPr lang="en-US" sz="4500" b="1" dirty="0"/>
-              <a:t>Linear Epitope Prediction</a:t>
+              <a:t>Linear Epitope Prediction: Features Selection and Model Optimization</a:t>
             </a:r>
           </a:p>
         </p:txBody>
@@ -4619,6 +5078,124 @@
 </file>
 
 <file path=ppt/slides/slide10.xml><?xml version="1.0" encoding="utf-8"?>
+<p:sld xmlns:a="http://schemas.openxmlformats.org/drawingml/2006/main" xmlns:r="http://schemas.openxmlformats.org/officeDocument/2006/relationships" xmlns:p="http://schemas.openxmlformats.org/presentationml/2006/main">
+  <p:cSld>
+    <p:spTree>
+      <p:nvGrpSpPr>
+        <p:cNvPr id="1" name=""/>
+        <p:cNvGrpSpPr/>
+        <p:nvPr/>
+      </p:nvGrpSpPr>
+      <p:grpSpPr>
+        <a:xfrm>
+          <a:off x="0" y="0"/>
+          <a:ext cx="0" cy="0"/>
+          <a:chOff x="0" y="0"/>
+          <a:chExt cx="0" cy="0"/>
+        </a:xfrm>
+      </p:grpSpPr>
+      <p:sp>
+        <p:nvSpPr>
+          <p:cNvPr id="2" name="Title 1">
+            <a:extLst>
+              <a:ext uri="{FF2B5EF4-FFF2-40B4-BE49-F238E27FC236}">
+                <a16:creationId xmlns:a16="http://schemas.microsoft.com/office/drawing/2014/main" id="{9E3BA452-9F30-C3EC-6329-FC8FEFB91A66}"/>
+              </a:ext>
+            </a:extLst>
+          </p:cNvPr>
+          <p:cNvSpPr>
+            <a:spLocks noGrp="1"/>
+          </p:cNvSpPr>
+          <p:nvPr>
+            <p:ph type="title"/>
+          </p:nvPr>
+        </p:nvSpPr>
+        <p:spPr>
+          <a:xfrm>
+            <a:off x="731196" y="254479"/>
+            <a:ext cx="10515600" cy="743828"/>
+          </a:xfrm>
+        </p:spPr>
+        <p:txBody>
+          <a:bodyPr>
+            <a:normAutofit fontScale="90000"/>
+          </a:bodyPr>
+          <a:lstStyle/>
+          <a:p>
+            <a:pPr algn="ctr"/>
+            <a:r>
+              <a:rPr lang="en-US" sz="3500" dirty="0"/>
+              <a:t>Composition Preferences of Neighboring Amino Acids</a:t>
+            </a:r>
+            <a:br>
+              <a:rPr lang="en-US" sz="3500" dirty="0"/>
+            </a:br>
+            <a:r>
+              <a:rPr lang="en-US" sz="3500" dirty="0"/>
+              <a:t>in epitopes against non-epitopes.</a:t>
+            </a:r>
+          </a:p>
+        </p:txBody>
+      </p:sp>
+      <p:pic>
+        <p:nvPicPr>
+          <p:cNvPr id="5122" name="Picture 2">
+            <a:extLst>
+              <a:ext uri="{FF2B5EF4-FFF2-40B4-BE49-F238E27FC236}">
+                <a16:creationId xmlns:a16="http://schemas.microsoft.com/office/drawing/2014/main" id="{A7903B7B-6A96-A282-8F3C-0FD2E16441EA}"/>
+              </a:ext>
+            </a:extLst>
+          </p:cNvPr>
+          <p:cNvPicPr>
+            <a:picLocks noChangeAspect="1" noChangeArrowheads="1"/>
+          </p:cNvPicPr>
+          <p:nvPr/>
+        </p:nvPicPr>
+        <p:blipFill rotWithShape="1">
+          <a:blip r:embed="rId3">
+            <a:extLst>
+              <a:ext uri="{28A0092B-C50C-407E-A947-70E740481C1C}">
+                <a14:useLocalDpi xmlns:a14="http://schemas.microsoft.com/office/drawing/2010/main" val="0"/>
+              </a:ext>
+            </a:extLst>
+          </a:blip>
+          <a:srcRect t="7650"/>
+          <a:stretch/>
+        </p:blipFill>
+        <p:spPr bwMode="auto">
+          <a:xfrm>
+            <a:off x="1272591" y="1780162"/>
+            <a:ext cx="9382125" cy="4451445"/>
+          </a:xfrm>
+          <a:prstGeom prst="rect">
+            <a:avLst/>
+          </a:prstGeom>
+          <a:noFill/>
+          <a:extLst>
+            <a:ext uri="{909E8E84-426E-40DD-AFC4-6F175D3DCCD1}">
+              <a14:hiddenFill xmlns:a14="http://schemas.microsoft.com/office/drawing/2010/main">
+                <a:solidFill>
+                  <a:srgbClr val="FFFFFF"/>
+                </a:solidFill>
+              </a14:hiddenFill>
+            </a:ext>
+          </a:extLst>
+        </p:spPr>
+      </p:pic>
+    </p:spTree>
+    <p:extLst>
+      <p:ext uri="{BB962C8B-B14F-4D97-AF65-F5344CB8AC3E}">
+        <p14:creationId xmlns:p14="http://schemas.microsoft.com/office/powerpoint/2010/main" val="3163899199"/>
+      </p:ext>
+    </p:extLst>
+  </p:cSld>
+  <p:clrMapOvr>
+    <a:masterClrMapping/>
+  </p:clrMapOvr>
+</p:sld>
+</file>
+
+<file path=ppt/slides/slide11.xml><?xml version="1.0" encoding="utf-8"?>
 <p:sld xmlns:a="http://schemas.openxmlformats.org/drawingml/2006/main" xmlns:r="http://schemas.openxmlformats.org/officeDocument/2006/relationships" xmlns:p="http://schemas.openxmlformats.org/presentationml/2006/main">
   <p:cSld>
     <p:spTree>
@@ -4774,7 +5351,7 @@
 </p:sld>
 </file>
 
-<file path=ppt/slides/slide11.xml><?xml version="1.0" encoding="utf-8"?>
+<file path=ppt/slides/slide12.xml><?xml version="1.0" encoding="utf-8"?>
 <p:sld xmlns:a="http://schemas.openxmlformats.org/drawingml/2006/main" xmlns:r="http://schemas.openxmlformats.org/officeDocument/2006/relationships" xmlns:p="http://schemas.openxmlformats.org/presentationml/2006/main">
   <p:cSld>
     <p:spTree>
@@ -4809,17 +5386,19 @@
         </p:nvSpPr>
         <p:spPr>
           <a:xfrm>
-            <a:off x="2739189" y="165226"/>
-            <a:ext cx="8967538" cy="741780"/>
+            <a:off x="101026" y="266474"/>
+            <a:ext cx="4830897" cy="741780"/>
           </a:xfrm>
         </p:spPr>
         <p:txBody>
-          <a:bodyPr/>
+          <a:bodyPr>
+            <a:normAutofit/>
+          </a:bodyPr>
           <a:lstStyle/>
           <a:p>
             <a:pPr algn="ctr"/>
             <a:r>
-              <a:rPr lang="en-US" dirty="0"/>
+              <a:rPr lang="en-US" sz="3500" dirty="0"/>
               <a:t>Artificial Neural Network</a:t>
             </a:r>
           </a:p>
@@ -4839,8 +5418,8 @@
         </p:nvSpPr>
         <p:spPr>
           <a:xfrm>
-            <a:off x="4114799" y="1237749"/>
-            <a:ext cx="7050505" cy="741780"/>
+            <a:off x="5943597" y="637364"/>
+            <a:ext cx="5370784" cy="741780"/>
           </a:xfrm>
           <a:prstGeom prst="rect">
             <a:avLst/>
@@ -4880,16 +5459,7 @@
             </a:pPr>
             <a:r>
               <a:rPr lang="en-US" dirty="0"/>
-              <a:t>[hydrophobicity, polarity, polarizability, VDWV, frequencies of AA]</a:t>
-            </a:r>
-          </a:p>
-          <a:p>
-            <a:pPr marL="0" indent="0" algn="ctr">
-              <a:buNone/>
-            </a:pPr>
-            <a:r>
-              <a:rPr lang="en-US" dirty="0"/>
-              <a:t>Features: 25</a:t>
+              <a:t>hydrophobicity, polarity, polarizability, VDWV, and frequencies of AA</a:t>
             </a:r>
           </a:p>
         </p:txBody>
@@ -4908,8 +5478,8 @@
         </p:nvSpPr>
         <p:spPr>
           <a:xfrm>
-            <a:off x="4114799" y="2400801"/>
-            <a:ext cx="7050505" cy="741780"/>
+            <a:off x="5943600" y="1726319"/>
+            <a:ext cx="5387240" cy="741780"/>
           </a:xfrm>
           <a:prstGeom prst="rect">
             <a:avLst/>
@@ -4949,17 +5519,17 @@
             </a:pPr>
             <a:r>
               <a:rPr lang="en-US" dirty="0"/>
-              <a:t>parameters: 128 x 25 + 128 = 3328</a:t>
-            </a:r>
-          </a:p>
-        </p:txBody>
-      </p:sp>
-      <p:sp>
-        <p:nvSpPr>
-          <p:cNvPr id="8" name="Rectangle 7">
-            <a:extLst>
-              <a:ext uri="{FF2B5EF4-FFF2-40B4-BE49-F238E27FC236}">
-                <a16:creationId xmlns:a16="http://schemas.microsoft.com/office/drawing/2014/main" id="{A5EE77DF-A57C-EC4D-0444-2AD090C0C356}"/>
+              <a:t>parameters: 2048 * 25 + 2048 = 53,248</a:t>
+            </a:r>
+          </a:p>
+        </p:txBody>
+      </p:sp>
+      <p:sp>
+        <p:nvSpPr>
+          <p:cNvPr id="9" name="Rectangle 8">
+            <a:extLst>
+              <a:ext uri="{FF2B5EF4-FFF2-40B4-BE49-F238E27FC236}">
+                <a16:creationId xmlns:a16="http://schemas.microsoft.com/office/drawing/2014/main" id="{78C587E3-46ED-145B-8DF2-5C8EEF34E893}"/>
               </a:ext>
             </a:extLst>
           </p:cNvPr>
@@ -4968,8 +5538,8 @@
         </p:nvSpPr>
         <p:spPr>
           <a:xfrm>
-            <a:off x="4114797" y="3695406"/>
-            <a:ext cx="7050505" cy="741780"/>
+            <a:off x="5943599" y="3978070"/>
+            <a:ext cx="5387241" cy="741780"/>
           </a:xfrm>
           <a:prstGeom prst="rect">
             <a:avLst/>
@@ -5000,7 +5570,7 @@
             </a:pPr>
             <a:r>
               <a:rPr lang="en-US" dirty="0"/>
-              <a:t>Linear Layer + Dropout Layer</a:t>
+              <a:t>Linear Layer</a:t>
             </a:r>
           </a:p>
           <a:p>
@@ -5009,17 +5579,17 @@
             </a:pPr>
             <a:r>
               <a:rPr lang="en-US" dirty="0"/>
-              <a:t>Parameters: 48 x 128 + 48 = 6192</a:t>
-            </a:r>
-          </a:p>
-        </p:txBody>
-      </p:sp>
-      <p:sp>
-        <p:nvSpPr>
-          <p:cNvPr id="9" name="Rectangle 8">
-            <a:extLst>
-              <a:ext uri="{FF2B5EF4-FFF2-40B4-BE49-F238E27FC236}">
-                <a16:creationId xmlns:a16="http://schemas.microsoft.com/office/drawing/2014/main" id="{78C587E3-46ED-145B-8DF2-5C8EEF34E893}"/>
+              <a:t>Parameters: 96 * 512 + 96 = 49,248</a:t>
+            </a:r>
+          </a:p>
+        </p:txBody>
+      </p:sp>
+      <p:sp>
+        <p:nvSpPr>
+          <p:cNvPr id="20" name="Rectangle 19">
+            <a:extLst>
+              <a:ext uri="{FF2B5EF4-FFF2-40B4-BE49-F238E27FC236}">
+                <a16:creationId xmlns:a16="http://schemas.microsoft.com/office/drawing/2014/main" id="{248DCEC2-C2B1-300A-C031-5A4E83D93EAD}"/>
               </a:ext>
             </a:extLst>
           </p:cNvPr>
@@ -5028,8 +5598,8 @@
         </p:nvSpPr>
         <p:spPr>
           <a:xfrm>
-            <a:off x="4114798" y="4990012"/>
-            <a:ext cx="7050505" cy="741780"/>
+            <a:off x="5943597" y="6052594"/>
+            <a:ext cx="5387243" cy="481098"/>
           </a:xfrm>
           <a:prstGeom prst="rect">
             <a:avLst/>
@@ -5060,302 +5630,93 @@
             </a:pPr>
             <a:r>
               <a:rPr lang="en-US" dirty="0"/>
-              <a:t>Linear Layer</a:t>
-            </a:r>
-          </a:p>
-          <a:p>
-            <a:pPr marL="0" indent="0" algn="ctr">
-              <a:buNone/>
-            </a:pPr>
-            <a:r>
-              <a:rPr lang="en-US" dirty="0"/>
-              <a:t>Parameters: 1 x 48 + 1 = 49</a:t>
-            </a:r>
-          </a:p>
-        </p:txBody>
-      </p:sp>
-      <p:cxnSp>
-        <p:nvCxnSpPr>
-          <p:cNvPr id="11" name="Straight Arrow Connector 10">
-            <a:extLst>
-              <a:ext uri="{FF2B5EF4-FFF2-40B4-BE49-F238E27FC236}">
-                <a16:creationId xmlns:a16="http://schemas.microsoft.com/office/drawing/2014/main" id="{D2A3CDD3-9E19-E4EE-1DDA-E9B16D286F50}"/>
-              </a:ext>
-            </a:extLst>
-          </p:cNvPr>
-          <p:cNvCxnSpPr>
-            <a:stCxn id="4" idx="2"/>
-            <a:endCxn id="7" idx="0"/>
-          </p:cNvCxnSpPr>
-          <p:nvPr/>
-        </p:nvCxnSpPr>
+              <a:t>Binary identity: 1 – epitope, 0 – non-epitope</a:t>
+            </a:r>
+          </a:p>
+        </p:txBody>
+      </p:sp>
+      <p:sp>
+        <p:nvSpPr>
+          <p:cNvPr id="27" name="Content Placeholder 2">
+            <a:extLst>
+              <a:ext uri="{FF2B5EF4-FFF2-40B4-BE49-F238E27FC236}">
+                <a16:creationId xmlns:a16="http://schemas.microsoft.com/office/drawing/2014/main" id="{1A5649E6-7428-6C3F-4A7A-831D4E2073B2}"/>
+              </a:ext>
+            </a:extLst>
+          </p:cNvPr>
+          <p:cNvSpPr>
+            <a:spLocks noGrp="1"/>
+          </p:cNvSpPr>
+          <p:nvPr>
+            <p:ph idx="1"/>
+          </p:nvPr>
+        </p:nvSpPr>
         <p:spPr>
           <a:xfrm>
-            <a:off x="7640052" y="1979529"/>
-            <a:ext cx="0" cy="421272"/>
+            <a:off x="561392" y="4285661"/>
+            <a:ext cx="2743198" cy="2007482"/>
           </a:xfrm>
-          <a:prstGeom prst="straightConnector1">
-            <a:avLst/>
-          </a:prstGeom>
-          <a:ln>
-            <a:tailEnd type="triangle"/>
-          </a:ln>
         </p:spPr>
-        <p:style>
-          <a:lnRef idx="1">
-            <a:schemeClr val="accent1"/>
-          </a:lnRef>
-          <a:fillRef idx="0">
-            <a:schemeClr val="accent1"/>
-          </a:fillRef>
-          <a:effectRef idx="0">
-            <a:schemeClr val="accent1"/>
-          </a:effectRef>
-          <a:fontRef idx="minor">
-            <a:schemeClr val="tx1"/>
-          </a:fontRef>
-        </p:style>
-      </p:cxnSp>
-      <p:cxnSp>
-        <p:nvCxnSpPr>
-          <p:cNvPr id="13" name="Straight Arrow Connector 12">
-            <a:extLst>
-              <a:ext uri="{FF2B5EF4-FFF2-40B4-BE49-F238E27FC236}">
-                <a16:creationId xmlns:a16="http://schemas.microsoft.com/office/drawing/2014/main" id="{189D7ED4-3214-A0C0-3121-A11AE915AC03}"/>
-              </a:ext>
-            </a:extLst>
-          </p:cNvPr>
-          <p:cNvCxnSpPr>
-            <a:stCxn id="7" idx="2"/>
-            <a:endCxn id="8" idx="0"/>
-          </p:cNvCxnSpPr>
+        <p:txBody>
+          <a:bodyPr>
+            <a:normAutofit lnSpcReduction="10000"/>
+          </a:bodyPr>
+          <a:lstStyle/>
+          <a:p>
+            <a:r>
+              <a:rPr lang="en-US" b="1" dirty="0"/>
+              <a:t>Datasets</a:t>
+            </a:r>
+            <a:br>
+              <a:rPr lang="en-US" b="1" dirty="0"/>
+            </a:br>
+            <a:r>
+              <a:rPr lang="en-US" dirty="0"/>
+              <a:t>Train: 1.9M</a:t>
+            </a:r>
+            <a:br>
+              <a:rPr lang="en-US" dirty="0"/>
+            </a:br>
+            <a:r>
+              <a:rPr lang="en-US" dirty="0"/>
+              <a:t>Validate: 0.8M</a:t>
+            </a:r>
+            <a:br>
+              <a:rPr lang="en-US" dirty="0"/>
+            </a:br>
+            <a:r>
+              <a:rPr lang="en-US" dirty="0"/>
+              <a:t>Test: 0.7M</a:t>
+            </a:r>
+          </a:p>
+          <a:p>
+            <a:r>
+              <a:rPr lang="en-US" b="1" dirty="0"/>
+              <a:t>Features</a:t>
+            </a:r>
+            <a:r>
+              <a:rPr lang="en-US" dirty="0"/>
+              <a:t>: 25</a:t>
+            </a:r>
+          </a:p>
+        </p:txBody>
+      </p:sp>
+      <p:sp>
+        <p:nvSpPr>
+          <p:cNvPr id="24" name="Rectangle 23">
+            <a:extLst>
+              <a:ext uri="{FF2B5EF4-FFF2-40B4-BE49-F238E27FC236}">
+                <a16:creationId xmlns:a16="http://schemas.microsoft.com/office/drawing/2014/main" id="{A84B8261-1C8F-83BA-17FB-C29C35091925}"/>
+              </a:ext>
+            </a:extLst>
+          </p:cNvPr>
+          <p:cNvSpPr/>
           <p:nvPr/>
-        </p:nvCxnSpPr>
-        <p:spPr>
-          <a:xfrm flipH="1">
-            <a:off x="7640050" y="3142581"/>
-            <a:ext cx="2" cy="552825"/>
-          </a:xfrm>
-          <a:prstGeom prst="straightConnector1">
-            <a:avLst/>
-          </a:prstGeom>
-          <a:ln>
-            <a:tailEnd type="triangle"/>
-          </a:ln>
-        </p:spPr>
-        <p:style>
-          <a:lnRef idx="1">
-            <a:schemeClr val="accent1"/>
-          </a:lnRef>
-          <a:fillRef idx="0">
-            <a:schemeClr val="accent1"/>
-          </a:fillRef>
-          <a:effectRef idx="0">
-            <a:schemeClr val="accent1"/>
-          </a:effectRef>
-          <a:fontRef idx="minor">
-            <a:schemeClr val="tx1"/>
-          </a:fontRef>
-        </p:style>
-      </p:cxnSp>
-      <p:cxnSp>
-        <p:nvCxnSpPr>
-          <p:cNvPr id="15" name="Straight Arrow Connector 14">
-            <a:extLst>
-              <a:ext uri="{FF2B5EF4-FFF2-40B4-BE49-F238E27FC236}">
-                <a16:creationId xmlns:a16="http://schemas.microsoft.com/office/drawing/2014/main" id="{D4DC07EF-8546-CCE3-B9B6-BC56616CC891}"/>
-              </a:ext>
-            </a:extLst>
-          </p:cNvPr>
-          <p:cNvCxnSpPr>
-            <a:stCxn id="8" idx="2"/>
-            <a:endCxn id="9" idx="0"/>
-          </p:cNvCxnSpPr>
-          <p:nvPr/>
-        </p:nvCxnSpPr>
+        </p:nvSpPr>
         <p:spPr>
           <a:xfrm>
-            <a:off x="7640050" y="4437186"/>
-            <a:ext cx="1" cy="552826"/>
-          </a:xfrm>
-          <a:prstGeom prst="straightConnector1">
-            <a:avLst/>
-          </a:prstGeom>
-          <a:ln>
-            <a:tailEnd type="triangle"/>
-          </a:ln>
-        </p:spPr>
-        <p:style>
-          <a:lnRef idx="1">
-            <a:schemeClr val="accent1"/>
-          </a:lnRef>
-          <a:fillRef idx="0">
-            <a:schemeClr val="accent1"/>
-          </a:fillRef>
-          <a:effectRef idx="0">
-            <a:schemeClr val="accent1"/>
-          </a:effectRef>
-          <a:fontRef idx="minor">
-            <a:schemeClr val="tx1"/>
-          </a:fontRef>
-        </p:style>
-      </p:cxnSp>
-      <p:sp>
-        <p:nvSpPr>
-          <p:cNvPr id="16" name="TextBox 15">
-            <a:extLst>
-              <a:ext uri="{FF2B5EF4-FFF2-40B4-BE49-F238E27FC236}">
-                <a16:creationId xmlns:a16="http://schemas.microsoft.com/office/drawing/2014/main" id="{705291E2-938F-DC32-0B39-ADBE260C13FF}"/>
-              </a:ext>
-            </a:extLst>
-          </p:cNvPr>
-          <p:cNvSpPr txBox="1"/>
-          <p:nvPr/>
-        </p:nvSpPr>
-        <p:spPr>
-          <a:xfrm>
-            <a:off x="7640049" y="1981087"/>
-            <a:ext cx="740908" cy="369332"/>
-          </a:xfrm>
-          <a:prstGeom prst="rect">
-            <a:avLst/>
-          </a:prstGeom>
-          <a:noFill/>
-        </p:spPr>
-        <p:txBody>
-          <a:bodyPr wrap="none" rtlCol="0">
-            <a:spAutoFit/>
-          </a:bodyPr>
-          <a:lstStyle/>
-          <a:p>
-            <a:r>
-              <a:rPr lang="en-US" dirty="0"/>
-              <a:t>1 x 25</a:t>
-            </a:r>
-          </a:p>
-        </p:txBody>
-      </p:sp>
-      <p:sp>
-        <p:nvSpPr>
-          <p:cNvPr id="17" name="TextBox 16">
-            <a:extLst>
-              <a:ext uri="{FF2B5EF4-FFF2-40B4-BE49-F238E27FC236}">
-                <a16:creationId xmlns:a16="http://schemas.microsoft.com/office/drawing/2014/main" id="{0B725A32-475B-2198-7688-91103E22A278}"/>
-              </a:ext>
-            </a:extLst>
-          </p:cNvPr>
-          <p:cNvSpPr txBox="1"/>
-          <p:nvPr/>
-        </p:nvSpPr>
-        <p:spPr>
-          <a:xfrm>
-            <a:off x="7719214" y="3166812"/>
-            <a:ext cx="857927" cy="369332"/>
-          </a:xfrm>
-          <a:prstGeom prst="rect">
-            <a:avLst/>
-          </a:prstGeom>
-          <a:noFill/>
-        </p:spPr>
-        <p:txBody>
-          <a:bodyPr wrap="none" rtlCol="0">
-            <a:spAutoFit/>
-          </a:bodyPr>
-          <a:lstStyle/>
-          <a:p>
-            <a:r>
-              <a:rPr lang="en-US" dirty="0"/>
-              <a:t>1 x 128</a:t>
-            </a:r>
-          </a:p>
-        </p:txBody>
-      </p:sp>
-      <p:sp>
-        <p:nvSpPr>
-          <p:cNvPr id="18" name="TextBox 17">
-            <a:extLst>
-              <a:ext uri="{FF2B5EF4-FFF2-40B4-BE49-F238E27FC236}">
-                <a16:creationId xmlns:a16="http://schemas.microsoft.com/office/drawing/2014/main" id="{1630FDDB-E401-A64B-0857-F0DEB259E8A6}"/>
-              </a:ext>
-            </a:extLst>
-          </p:cNvPr>
-          <p:cNvSpPr txBox="1"/>
-          <p:nvPr/>
-        </p:nvSpPr>
-        <p:spPr>
-          <a:xfrm>
-            <a:off x="7640049" y="4437671"/>
-            <a:ext cx="740908" cy="369332"/>
-          </a:xfrm>
-          <a:prstGeom prst="rect">
-            <a:avLst/>
-          </a:prstGeom>
-          <a:noFill/>
-        </p:spPr>
-        <p:txBody>
-          <a:bodyPr wrap="none" rtlCol="0">
-            <a:spAutoFit/>
-          </a:bodyPr>
-          <a:lstStyle/>
-          <a:p>
-            <a:r>
-              <a:rPr lang="en-US" dirty="0"/>
-              <a:t>1 x 48</a:t>
-            </a:r>
-          </a:p>
-        </p:txBody>
-      </p:sp>
-      <p:sp>
-        <p:nvSpPr>
-          <p:cNvPr id="19" name="TextBox 18">
-            <a:extLst>
-              <a:ext uri="{FF2B5EF4-FFF2-40B4-BE49-F238E27FC236}">
-                <a16:creationId xmlns:a16="http://schemas.microsoft.com/office/drawing/2014/main" id="{9EA70EF4-E1B5-E4EA-9CDE-5BD1B74F2D49}"/>
-              </a:ext>
-            </a:extLst>
-          </p:cNvPr>
-          <p:cNvSpPr txBox="1"/>
-          <p:nvPr/>
-        </p:nvSpPr>
-        <p:spPr>
-          <a:xfrm>
-            <a:off x="7691140" y="5783731"/>
-            <a:ext cx="623889" cy="369332"/>
-          </a:xfrm>
-          <a:prstGeom prst="rect">
-            <a:avLst/>
-          </a:prstGeom>
-          <a:noFill/>
-        </p:spPr>
-        <p:txBody>
-          <a:bodyPr wrap="none" rtlCol="0">
-            <a:spAutoFit/>
-          </a:bodyPr>
-          <a:lstStyle/>
-          <a:p>
-            <a:r>
-              <a:rPr lang="en-US" dirty="0"/>
-              <a:t>1 x 1</a:t>
-            </a:r>
-          </a:p>
-        </p:txBody>
-      </p:sp>
-      <p:sp>
-        <p:nvSpPr>
-          <p:cNvPr id="20" name="Rectangle 19">
-            <a:extLst>
-              <a:ext uri="{FF2B5EF4-FFF2-40B4-BE49-F238E27FC236}">
-                <a16:creationId xmlns:a16="http://schemas.microsoft.com/office/drawing/2014/main" id="{248DCEC2-C2B1-300A-C031-5A4E83D93EAD}"/>
-              </a:ext>
-            </a:extLst>
-          </p:cNvPr>
-          <p:cNvSpPr/>
-          <p:nvPr/>
-        </p:nvSpPr>
-        <p:spPr>
-          <a:xfrm>
-            <a:off x="4114798" y="6153064"/>
-            <a:ext cx="7050504" cy="481098"/>
+            <a:off x="5943600" y="2810122"/>
+            <a:ext cx="5387241" cy="741780"/>
           </a:xfrm>
           <a:prstGeom prst="rect">
             <a:avLst/>
@@ -5386,120 +5747,295 @@
             </a:pPr>
             <a:r>
               <a:rPr lang="en-US" dirty="0"/>
-              <a:t>Binary identity: 1 – epitope, 0 – none epitope</a:t>
-            </a:r>
-          </a:p>
-        </p:txBody>
-      </p:sp>
-      <p:cxnSp>
-        <p:nvCxnSpPr>
-          <p:cNvPr id="23" name="Straight Arrow Connector 22">
-            <a:extLst>
-              <a:ext uri="{FF2B5EF4-FFF2-40B4-BE49-F238E27FC236}">
-                <a16:creationId xmlns:a16="http://schemas.microsoft.com/office/drawing/2014/main" id="{78B956F2-E90C-C569-1242-0EBC63D55C83}"/>
-              </a:ext>
-            </a:extLst>
-          </p:cNvPr>
-          <p:cNvCxnSpPr>
-            <a:cxnSpLocks/>
-            <a:stCxn id="9" idx="2"/>
-            <a:endCxn id="20" idx="0"/>
-          </p:cNvCxnSpPr>
+              <a:t>Linear Layer + Dropout Layer</a:t>
+            </a:r>
+          </a:p>
+          <a:p>
+            <a:pPr marL="0" indent="0" algn="ctr">
+              <a:buNone/>
+            </a:pPr>
+            <a:r>
+              <a:rPr lang="en-US" dirty="0"/>
+              <a:t>Parameters: 512 * 2048 + 512 = 1,049,088</a:t>
+            </a:r>
+          </a:p>
+        </p:txBody>
+      </p:sp>
+      <p:sp>
+        <p:nvSpPr>
+          <p:cNvPr id="28" name="Rectangle 27">
+            <a:extLst>
+              <a:ext uri="{FF2B5EF4-FFF2-40B4-BE49-F238E27FC236}">
+                <a16:creationId xmlns:a16="http://schemas.microsoft.com/office/drawing/2014/main" id="{991F33A0-3C37-9EC3-A971-8CB7B0F89C8A}"/>
+              </a:ext>
+            </a:extLst>
+          </p:cNvPr>
+          <p:cNvSpPr/>
           <p:nvPr/>
-        </p:nvCxnSpPr>
+        </p:nvSpPr>
         <p:spPr>
-          <a:xfrm flipH="1">
-            <a:off x="7640050" y="5731792"/>
-            <a:ext cx="1" cy="421272"/>
+          <a:xfrm>
+            <a:off x="5943599" y="5067025"/>
+            <a:ext cx="5387242" cy="741780"/>
           </a:xfrm>
-          <a:prstGeom prst="straightConnector1">
+          <a:prstGeom prst="rect">
             <a:avLst/>
           </a:prstGeom>
-          <a:ln>
-            <a:tailEnd type="triangle"/>
-          </a:ln>
         </p:spPr>
         <p:style>
-          <a:lnRef idx="1">
-            <a:schemeClr val="accent1"/>
+          <a:lnRef idx="2">
+            <a:schemeClr val="accent3">
+              <a:shade val="15000"/>
+            </a:schemeClr>
           </a:lnRef>
-          <a:fillRef idx="0">
+          <a:fillRef idx="1">
+            <a:schemeClr val="accent3"/>
+          </a:fillRef>
+          <a:effectRef idx="0">
+            <a:schemeClr val="accent3"/>
+          </a:effectRef>
+          <a:fontRef idx="minor">
+            <a:schemeClr val="lt1"/>
+          </a:fontRef>
+        </p:style>
+        <p:txBody>
+          <a:bodyPr rtlCol="0" anchor="ctr"/>
+          <a:lstStyle/>
+          <a:p>
+            <a:pPr marL="0" indent="0" algn="ctr">
+              <a:buNone/>
+            </a:pPr>
+            <a:r>
+              <a:rPr lang="en-US" dirty="0"/>
+              <a:t>Linear Layer</a:t>
+            </a:r>
+          </a:p>
+          <a:p>
+            <a:pPr marL="0" indent="0" algn="ctr">
+              <a:buNone/>
+            </a:pPr>
+            <a:r>
+              <a:rPr lang="en-US" dirty="0"/>
+              <a:t>Parameters: 1 * 96 + 1 = 97</a:t>
+            </a:r>
+          </a:p>
+        </p:txBody>
+      </p:sp>
+      <p:sp>
+        <p:nvSpPr>
+          <p:cNvPr id="29" name="Arrow: Down 28">
+            <a:extLst>
+              <a:ext uri="{FF2B5EF4-FFF2-40B4-BE49-F238E27FC236}">
+                <a16:creationId xmlns:a16="http://schemas.microsoft.com/office/drawing/2014/main" id="{58F78A43-A1DE-C251-64DD-EC7675067863}"/>
+              </a:ext>
+            </a:extLst>
+          </p:cNvPr>
+          <p:cNvSpPr/>
+          <p:nvPr/>
+        </p:nvSpPr>
+        <p:spPr>
+          <a:xfrm>
+            <a:off x="11385467" y="542341"/>
+            <a:ext cx="376989" cy="6168567"/>
+          </a:xfrm>
+          <a:prstGeom prst="downArrow">
+            <a:avLst/>
+          </a:prstGeom>
+        </p:spPr>
+        <p:style>
+          <a:lnRef idx="2">
+            <a:schemeClr val="accent1">
+              <a:shade val="15000"/>
+            </a:schemeClr>
+          </a:lnRef>
+          <a:fillRef idx="1">
             <a:schemeClr val="accent1"/>
           </a:fillRef>
           <a:effectRef idx="0">
             <a:schemeClr val="accent1"/>
           </a:effectRef>
           <a:fontRef idx="minor">
-            <a:schemeClr val="tx1"/>
+            <a:schemeClr val="lt1"/>
           </a:fontRef>
         </p:style>
-      </p:cxnSp>
-      <p:sp>
-        <p:nvSpPr>
-          <p:cNvPr id="27" name="Content Placeholder 2">
-            <a:extLst>
-              <a:ext uri="{FF2B5EF4-FFF2-40B4-BE49-F238E27FC236}">
-                <a16:creationId xmlns:a16="http://schemas.microsoft.com/office/drawing/2014/main" id="{1A5649E6-7428-6C3F-4A7A-831D4E2073B2}"/>
-              </a:ext>
-            </a:extLst>
-          </p:cNvPr>
-          <p:cNvSpPr>
-            <a:spLocks noGrp="1"/>
-          </p:cNvSpPr>
-          <p:nvPr>
-            <p:ph idx="1"/>
-          </p:nvPr>
-        </p:nvSpPr>
-        <p:spPr>
-          <a:xfrm>
-            <a:off x="493298" y="2622884"/>
-            <a:ext cx="2743198" cy="2007482"/>
-          </a:xfrm>
-        </p:spPr>
-        <p:txBody>
-          <a:bodyPr>
-            <a:normAutofit lnSpcReduction="10000"/>
-          </a:bodyPr>
-          <a:lstStyle/>
-          <a:p>
-            <a:r>
-              <a:rPr lang="en-US" b="1" dirty="0"/>
-              <a:t>Datasets</a:t>
-            </a:r>
-            <a:br>
-              <a:rPr lang="en-US" b="1" dirty="0"/>
-            </a:br>
-            <a:r>
-              <a:rPr lang="en-US" dirty="0"/>
-              <a:t>Train: 6.2M</a:t>
-            </a:r>
-            <a:br>
-              <a:rPr lang="en-US" dirty="0"/>
-            </a:br>
-            <a:r>
-              <a:rPr lang="en-US" dirty="0"/>
-              <a:t>Validate: 2.7M</a:t>
-            </a:r>
-            <a:br>
-              <a:rPr lang="en-US" dirty="0"/>
-            </a:br>
-            <a:r>
-              <a:rPr lang="en-US" dirty="0"/>
-              <a:t>Test: 2.2M</a:t>
-            </a:r>
-          </a:p>
-          <a:p>
-            <a:r>
-              <a:rPr lang="en-US" b="1" dirty="0"/>
-              <a:t>Features</a:t>
-            </a:r>
-            <a:r>
-              <a:rPr lang="en-US" dirty="0"/>
-              <a:t>: 25</a:t>
-            </a:r>
-          </a:p>
-        </p:txBody>
-      </p:sp>
+        <p:txBody>
+          <a:bodyPr rtlCol="0" anchor="ctr"/>
+          <a:lstStyle/>
+          <a:p>
+            <a:pPr algn="ctr"/>
+            <a:endParaRPr lang="en-US"/>
+          </a:p>
+        </p:txBody>
+      </p:sp>
+      <p:graphicFrame>
+        <p:nvGraphicFramePr>
+          <p:cNvPr id="30" name="Table 29">
+            <a:extLst>
+              <a:ext uri="{FF2B5EF4-FFF2-40B4-BE49-F238E27FC236}">
+                <a16:creationId xmlns:a16="http://schemas.microsoft.com/office/drawing/2014/main" id="{0BD29BED-41B9-5D6C-5525-5E7BC916CAC7}"/>
+              </a:ext>
+            </a:extLst>
+          </p:cNvPr>
+          <p:cNvGraphicFramePr>
+            <a:graphicFrameLocks noGrp="1"/>
+          </p:cNvGraphicFramePr>
+          <p:nvPr>
+            <p:extLst>
+              <p:ext uri="{D42A27DB-BD31-4B8C-83A1-F6EECF244321}">
+                <p14:modId xmlns:p14="http://schemas.microsoft.com/office/powerpoint/2010/main" val="880411155"/>
+              </p:ext>
+            </p:extLst>
+          </p:nvPr>
+        </p:nvGraphicFramePr>
+        <p:xfrm>
+          <a:off x="429544" y="1902157"/>
+          <a:ext cx="4171640" cy="2075913"/>
+        </p:xfrm>
+        <a:graphic>
+          <a:graphicData uri="http://schemas.openxmlformats.org/drawingml/2006/table">
+            <a:tbl>
+              <a:tblPr firstRow="1" bandRow="1">
+                <a:tableStyleId>{5C22544A-7EE6-4342-B048-85BDC9FD1C3A}</a:tableStyleId>
+              </a:tblPr>
+              <a:tblGrid>
+                <a:gridCol w="2085820">
+                  <a:extLst>
+                    <a:ext uri="{9D8B030D-6E8A-4147-A177-3AD203B41FA5}">
+                      <a16:colId xmlns:a16="http://schemas.microsoft.com/office/drawing/2014/main" val="3210765895"/>
+                    </a:ext>
+                  </a:extLst>
+                </a:gridCol>
+                <a:gridCol w="2085820">
+                  <a:extLst>
+                    <a:ext uri="{9D8B030D-6E8A-4147-A177-3AD203B41FA5}">
+                      <a16:colId xmlns:a16="http://schemas.microsoft.com/office/drawing/2014/main" val="567912042"/>
+                    </a:ext>
+                  </a:extLst>
+                </a:gridCol>
+              </a:tblGrid>
+              <a:tr h="521433">
+                <a:tc>
+                  <a:txBody>
+                    <a:bodyPr/>
+                    <a:lstStyle/>
+                    <a:p>
+                      <a:r>
+                        <a:rPr lang="en-US" dirty="0"/>
+                        <a:t>Label</a:t>
+                      </a:r>
+                    </a:p>
+                  </a:txBody>
+                  <a:tcPr/>
+                </a:tc>
+                <a:tc>
+                  <a:txBody>
+                    <a:bodyPr/>
+                    <a:lstStyle/>
+                    <a:p>
+                      <a:r>
+                        <a:rPr lang="en-US" dirty="0"/>
+                        <a:t>Size</a:t>
+                      </a:r>
+                    </a:p>
+                  </a:txBody>
+                  <a:tcPr/>
+                </a:tc>
+                <a:extLst>
+                  <a:ext uri="{0D108BD9-81ED-4DB2-BD59-A6C34878D82A}">
+                    <a16:rowId xmlns:a16="http://schemas.microsoft.com/office/drawing/2014/main" val="3704484777"/>
+                  </a:ext>
+                </a:extLst>
+              </a:tr>
+              <a:tr h="492807">
+                <a:tc>
+                  <a:txBody>
+                    <a:bodyPr/>
+                    <a:lstStyle/>
+                    <a:p>
+                      <a:r>
+                        <a:rPr lang="en-US" dirty="0"/>
+                        <a:t>Epitopes (positive labels)</a:t>
+                      </a:r>
+                    </a:p>
+                  </a:txBody>
+                  <a:tcPr/>
+                </a:tc>
+                <a:tc>
+                  <a:txBody>
+                    <a:bodyPr/>
+                    <a:lstStyle/>
+                    <a:p>
+                      <a:r>
+                        <a:rPr lang="en-US" dirty="0"/>
+                        <a:t>Filtered epitopes: ~ 1.9M</a:t>
+                      </a:r>
+                    </a:p>
+                    <a:p>
+                      <a:endParaRPr lang="en-US" dirty="0"/>
+                    </a:p>
+                  </a:txBody>
+                  <a:tcPr/>
+                </a:tc>
+                <a:extLst>
+                  <a:ext uri="{0D108BD9-81ED-4DB2-BD59-A6C34878D82A}">
+                    <a16:rowId xmlns:a16="http://schemas.microsoft.com/office/drawing/2014/main" val="1500649421"/>
+                  </a:ext>
+                </a:extLst>
+              </a:tr>
+              <a:tr h="521433">
+                <a:tc>
+                  <a:txBody>
+                    <a:bodyPr/>
+                    <a:lstStyle/>
+                    <a:p>
+                      <a:pPr marL="0" marR="0" lvl="0" indent="0" algn="l" defTabSz="914400" rtl="0" eaLnBrk="1" fontAlgn="auto" latinLnBrk="0" hangingPunct="1">
+                        <a:lnSpc>
+                          <a:spcPct val="100000"/>
+                        </a:lnSpc>
+                        <a:spcBef>
+                          <a:spcPts val="0"/>
+                        </a:spcBef>
+                        <a:spcAft>
+                          <a:spcPts val="0"/>
+                        </a:spcAft>
+                        <a:buClrTx/>
+                        <a:buSzTx/>
+                        <a:buFontTx/>
+                        <a:buNone/>
+                        <a:tabLst/>
+                        <a:defRPr/>
+                      </a:pPr>
+                      <a:r>
+                        <a:rPr lang="en-US" dirty="0"/>
+                        <a:t>Non-epitopes (negative labels)</a:t>
+                      </a:r>
+                    </a:p>
+                  </a:txBody>
+                  <a:tcPr/>
+                </a:tc>
+                <a:tc>
+                  <a:txBody>
+                    <a:bodyPr/>
+                    <a:lstStyle/>
+                    <a:p>
+                      <a:r>
+                        <a:rPr lang="en-US" dirty="0"/>
+                        <a:t>Non-epitopes: ~ 3.2M</a:t>
+                      </a:r>
+                    </a:p>
+                  </a:txBody>
+                  <a:tcPr/>
+                </a:tc>
+                <a:extLst>
+                  <a:ext uri="{0D108BD9-81ED-4DB2-BD59-A6C34878D82A}">
+                    <a16:rowId xmlns:a16="http://schemas.microsoft.com/office/drawing/2014/main" val="1548390"/>
+                  </a:ext>
+                </a:extLst>
+              </a:tr>
+            </a:tbl>
+          </a:graphicData>
+        </a:graphic>
+      </p:graphicFrame>
     </p:spTree>
     <p:extLst>
       <p:ext uri="{BB962C8B-B14F-4D97-AF65-F5344CB8AC3E}">
@@ -5513,7 +6049,7 @@
 </p:sld>
 </file>
 
-<file path=ppt/slides/slide12.xml><?xml version="1.0" encoding="utf-8"?>
+<file path=ppt/slides/slide13.xml><?xml version="1.0" encoding="utf-8"?>
 <p:sld xmlns:a="http://schemas.openxmlformats.org/drawingml/2006/main" xmlns:r="http://schemas.openxmlformats.org/officeDocument/2006/relationships" xmlns:p="http://schemas.openxmlformats.org/presentationml/2006/main">
   <p:cSld>
     <p:spTree>
@@ -5561,10 +6097,10 @@
       </p:sp>
       <p:pic>
         <p:nvPicPr>
-          <p:cNvPr id="7170" name="Picture 2">
-            <a:extLst>
-              <a:ext uri="{FF2B5EF4-FFF2-40B4-BE49-F238E27FC236}">
-                <a16:creationId xmlns:a16="http://schemas.microsoft.com/office/drawing/2014/main" id="{1768F933-40B3-A980-D8F9-D2F57B25DA83}"/>
+          <p:cNvPr id="4100" name="Picture 4">
+            <a:extLst>
+              <a:ext uri="{FF2B5EF4-FFF2-40B4-BE49-F238E27FC236}">
+                <a16:creationId xmlns:a16="http://schemas.microsoft.com/office/drawing/2014/main" id="{3B80BF6A-B69B-5058-3FFA-EE345F4E971B}"/>
               </a:ext>
             </a:extLst>
           </p:cNvPr>
@@ -5588,7 +6124,7 @@
         </p:blipFill>
         <p:spPr bwMode="auto">
           <a:xfrm>
-            <a:off x="433387" y="2464719"/>
+            <a:off x="433388" y="1995488"/>
             <a:ext cx="11325225" cy="2867025"/>
           </a:xfrm>
           <a:prstGeom prst="rect">
@@ -5619,7 +6155,7 @@
 </p:sld>
 </file>
 
-<file path=ppt/slides/slide13.xml><?xml version="1.0" encoding="utf-8"?>
+<file path=ppt/slides/slide14.xml><?xml version="1.0" encoding="utf-8"?>
 <p:sld xmlns:a="http://schemas.openxmlformats.org/drawingml/2006/main" xmlns:r="http://schemas.openxmlformats.org/officeDocument/2006/relationships" xmlns:p="http://schemas.openxmlformats.org/presentationml/2006/main">
   <p:cSld>
     <p:spTree>
@@ -5652,25 +6188,39 @@
             <p:ph type="title"/>
           </p:nvPr>
         </p:nvSpPr>
-        <p:spPr/>
-        <p:txBody>
-          <a:bodyPr/>
+        <p:spPr>
+          <a:xfrm>
+            <a:off x="633919" y="1162794"/>
+            <a:ext cx="3309533" cy="996746"/>
+          </a:xfrm>
+        </p:spPr>
+        <p:txBody>
+          <a:bodyPr>
+            <a:normAutofit fontScale="90000"/>
+          </a:bodyPr>
           <a:lstStyle/>
           <a:p>
             <a:pPr algn="ctr"/>
             <a:r>
-              <a:rPr lang="en-US" dirty="0"/>
-              <a:t>Test the ANN model using testing dataset</a:t>
+              <a:rPr lang="en-US" sz="3000" dirty="0"/>
+              <a:t>Test the ANN model</a:t>
+            </a:r>
+            <a:br>
+              <a:rPr lang="en-US" sz="3000" dirty="0"/>
+            </a:br>
+            <a:r>
+              <a:rPr lang="en-US" sz="3000" dirty="0"/>
+              <a:t>using testing dataset</a:t>
             </a:r>
           </a:p>
         </p:txBody>
       </p:sp>
       <p:pic>
         <p:nvPicPr>
-          <p:cNvPr id="8196" name="Picture 4">
-            <a:extLst>
-              <a:ext uri="{FF2B5EF4-FFF2-40B4-BE49-F238E27FC236}">
-                <a16:creationId xmlns:a16="http://schemas.microsoft.com/office/drawing/2014/main" id="{95A2210B-59AA-2684-9EA4-5BC2030174FB}"/>
+          <p:cNvPr id="5126" name="Picture 6">
+            <a:extLst>
+              <a:ext uri="{FF2B5EF4-FFF2-40B4-BE49-F238E27FC236}">
+                <a16:creationId xmlns:a16="http://schemas.microsoft.com/office/drawing/2014/main" id="{AE202F03-4E8E-A93E-BC5D-C39C21F5389D}"/>
               </a:ext>
             </a:extLst>
           </p:cNvPr>
@@ -5694,8 +6244,55 @@
         </p:blipFill>
         <p:spPr bwMode="auto">
           <a:xfrm>
-            <a:off x="2343150" y="2440657"/>
-            <a:ext cx="7505700" cy="2867025"/>
+            <a:off x="1888787" y="3743124"/>
+            <a:ext cx="7515225" cy="2867025"/>
+          </a:xfrm>
+          <a:prstGeom prst="rect">
+            <a:avLst/>
+          </a:prstGeom>
+          <a:noFill/>
+          <a:extLst>
+            <a:ext uri="{909E8E84-426E-40DD-AFC4-6F175D3DCCD1}">
+              <a14:hiddenFill xmlns:a14="http://schemas.microsoft.com/office/drawing/2010/main">
+                <a:solidFill>
+                  <a:srgbClr val="FFFFFF"/>
+                </a:solidFill>
+              </a14:hiddenFill>
+            </a:ext>
+          </a:extLst>
+        </p:spPr>
+      </p:pic>
+      <p:pic>
+        <p:nvPicPr>
+          <p:cNvPr id="5128" name="Picture 8">
+            <a:extLst>
+              <a:ext uri="{FF2B5EF4-FFF2-40B4-BE49-F238E27FC236}">
+                <a16:creationId xmlns:a16="http://schemas.microsoft.com/office/drawing/2014/main" id="{80CF5DCE-DF2F-9B0A-E759-AE13CCA3690F}"/>
+              </a:ext>
+            </a:extLst>
+          </p:cNvPr>
+          <p:cNvPicPr>
+            <a:picLocks noChangeAspect="1" noChangeArrowheads="1"/>
+          </p:cNvPicPr>
+          <p:nvPr/>
+        </p:nvPicPr>
+        <p:blipFill>
+          <a:blip r:embed="rId3">
+            <a:extLst>
+              <a:ext uri="{28A0092B-C50C-407E-A947-70E740481C1C}">
+                <a14:useLocalDpi xmlns:a14="http://schemas.microsoft.com/office/drawing/2010/main" val="0"/>
+              </a:ext>
+            </a:extLst>
+          </a:blip>
+          <a:srcRect/>
+          <a:stretch>
+            <a:fillRect/>
+          </a:stretch>
+        </p:blipFill>
+        <p:spPr bwMode="auto">
+          <a:xfrm>
+            <a:off x="4777599" y="348169"/>
+            <a:ext cx="3629025" cy="3009900"/>
           </a:xfrm>
           <a:prstGeom prst="rect">
             <a:avLst/>
@@ -5725,7 +6322,7 @@
 </p:sld>
 </file>
 
-<file path=ppt/slides/slide14.xml><?xml version="1.0" encoding="utf-8"?>
+<file path=ppt/slides/slide15.xml><?xml version="1.0" encoding="utf-8"?>
 <p:sld xmlns:a="http://schemas.openxmlformats.org/drawingml/2006/main" xmlns:r="http://schemas.openxmlformats.org/officeDocument/2006/relationships" xmlns:p="http://schemas.openxmlformats.org/presentationml/2006/main">
   <p:cSld>
     <p:spTree>
@@ -5878,7 +6475,109 @@
 </p:sld>
 </file>
 
-<file path=ppt/slides/slide15.xml><?xml version="1.0" encoding="utf-8"?>
+<file path=ppt/slides/slide16.xml><?xml version="1.0" encoding="utf-8"?>
+<p:sld xmlns:a="http://schemas.openxmlformats.org/drawingml/2006/main" xmlns:r="http://schemas.openxmlformats.org/officeDocument/2006/relationships" xmlns:p="http://schemas.openxmlformats.org/presentationml/2006/main">
+  <p:cSld>
+    <p:spTree>
+      <p:nvGrpSpPr>
+        <p:cNvPr id="1" name="">
+          <a:extLst>
+            <a:ext uri="{FF2B5EF4-FFF2-40B4-BE49-F238E27FC236}">
+              <a16:creationId xmlns:a16="http://schemas.microsoft.com/office/drawing/2014/main" id="{AAF5C8D8-D0D0-2157-FBAA-CCC351A86EE7}"/>
+            </a:ext>
+          </a:extLst>
+        </p:cNvPr>
+        <p:cNvGrpSpPr/>
+        <p:nvPr/>
+      </p:nvGrpSpPr>
+      <p:grpSpPr>
+        <a:xfrm>
+          <a:off x="0" y="0"/>
+          <a:ext cx="0" cy="0"/>
+          <a:chOff x="0" y="0"/>
+          <a:chExt cx="0" cy="0"/>
+        </a:xfrm>
+      </p:grpSpPr>
+      <p:sp>
+        <p:nvSpPr>
+          <p:cNvPr id="2" name="Title 1">
+            <a:extLst>
+              <a:ext uri="{FF2B5EF4-FFF2-40B4-BE49-F238E27FC236}">
+                <a16:creationId xmlns:a16="http://schemas.microsoft.com/office/drawing/2014/main" id="{BF1177E2-6F44-B0B7-EC18-CA29D57D87AD}"/>
+              </a:ext>
+            </a:extLst>
+          </p:cNvPr>
+          <p:cNvSpPr>
+            <a:spLocks noGrp="1"/>
+          </p:cNvSpPr>
+          <p:nvPr>
+            <p:ph type="title"/>
+          </p:nvPr>
+        </p:nvSpPr>
+        <p:spPr>
+          <a:xfrm>
+            <a:off x="740923" y="1425440"/>
+            <a:ext cx="10515600" cy="1325563"/>
+          </a:xfrm>
+        </p:spPr>
+        <p:txBody>
+          <a:bodyPr>
+            <a:normAutofit/>
+          </a:bodyPr>
+          <a:lstStyle/>
+          <a:p>
+            <a:pPr algn="ctr"/>
+            <a:r>
+              <a:rPr lang="en-US" sz="3000" dirty="0"/>
+              <a:t>RNN Predictor: Amino Acids Sequence</a:t>
+            </a:r>
+          </a:p>
+        </p:txBody>
+      </p:sp>
+      <p:sp>
+        <p:nvSpPr>
+          <p:cNvPr id="3" name="Content Placeholder 2">
+            <a:extLst>
+              <a:ext uri="{FF2B5EF4-FFF2-40B4-BE49-F238E27FC236}">
+                <a16:creationId xmlns:a16="http://schemas.microsoft.com/office/drawing/2014/main" id="{521FA0DE-1C27-C8F5-6EBD-E0E9CDAC604A}"/>
+              </a:ext>
+            </a:extLst>
+          </p:cNvPr>
+          <p:cNvSpPr>
+            <a:spLocks noGrp="1"/>
+          </p:cNvSpPr>
+          <p:nvPr>
+            <p:ph idx="1"/>
+          </p:nvPr>
+        </p:nvSpPr>
+        <p:spPr>
+          <a:xfrm>
+            <a:off x="838200" y="4474723"/>
+            <a:ext cx="10515600" cy="1702240"/>
+          </a:xfrm>
+        </p:spPr>
+        <p:txBody>
+          <a:bodyPr/>
+          <a:lstStyle/>
+          <a:p>
+            <a:endParaRPr lang="en-US" dirty="0"/>
+          </a:p>
+        </p:txBody>
+      </p:sp>
+    </p:spTree>
+    <p:extLst>
+      <p:ext uri="{BB962C8B-B14F-4D97-AF65-F5344CB8AC3E}">
+        <p14:creationId xmlns:p14="http://schemas.microsoft.com/office/powerpoint/2010/main" val="2966580743"/>
+      </p:ext>
+    </p:extLst>
+  </p:cSld>
+  <p:clrMapOvr>
+    <a:masterClrMapping/>
+  </p:clrMapOvr>
+</p:sld>
+</file>
+
+<file path=ppt/slides/slide17.xml><?xml version="1.0" encoding="utf-8"?>
 <p:sld xmlns:a="http://schemas.openxmlformats.org/drawingml/2006/main" xmlns:r="http://schemas.openxmlformats.org/officeDocument/2006/relationships" xmlns:p="http://schemas.openxmlformats.org/presentationml/2006/main">
   <p:cSld>
     <p:spTree>
@@ -7730,7 +8429,7 @@
 </p:sld>
 </file>
 
-<file path=ppt/slides/slide16.xml><?xml version="1.0" encoding="utf-8"?>
+<file path=ppt/slides/slide18.xml><?xml version="1.0" encoding="utf-8"?>
 <p:sld xmlns:a="http://schemas.openxmlformats.org/drawingml/2006/main" xmlns:r="http://schemas.openxmlformats.org/officeDocument/2006/relationships" xmlns:p="http://schemas.openxmlformats.org/presentationml/2006/main">
   <p:cSld>
     <p:spTree>
@@ -8082,8 +8781,8 @@
         </p:nvSpPr>
         <p:spPr>
           <a:xfrm>
-            <a:off x="6878048" y="5908050"/>
-            <a:ext cx="4259179" cy="625642"/>
+            <a:off x="6878048" y="5908049"/>
+            <a:ext cx="4259179" cy="872263"/>
           </a:xfrm>
           <a:prstGeom prst="rect">
             <a:avLst/>
@@ -8119,7 +8818,14 @@
             <a:pPr algn="ctr"/>
             <a:r>
               <a:rPr lang="en-US" dirty="0"/>
-              <a:t>Labels: 1 - epitope, 0 – none epitope </a:t>
+              <a:t>Labels: 1 - epitope, </a:t>
+            </a:r>
+          </a:p>
+          <a:p>
+            <a:pPr algn="ctr"/>
+            <a:r>
+              <a:rPr lang="en-US" dirty="0"/>
+              <a:t>0 – non-epitope , random sequence</a:t>
             </a:r>
           </a:p>
         </p:txBody>
@@ -8228,60 +8934,234 @@
       </p:sp>
       <p:sp>
         <p:nvSpPr>
-          <p:cNvPr id="9" name="Content Placeholder 2">
-            <a:extLst>
-              <a:ext uri="{FF2B5EF4-FFF2-40B4-BE49-F238E27FC236}">
-                <a16:creationId xmlns:a16="http://schemas.microsoft.com/office/drawing/2014/main" id="{3C9FBEC4-CDF5-B3AD-ED6B-C95BF8D4894D}"/>
-              </a:ext>
-            </a:extLst>
-          </p:cNvPr>
-          <p:cNvSpPr>
-            <a:spLocks noGrp="1"/>
-          </p:cNvSpPr>
-          <p:nvPr>
-            <p:ph idx="1"/>
-          </p:nvPr>
+          <p:cNvPr id="17" name="TextBox 16">
+            <a:extLst>
+              <a:ext uri="{FF2B5EF4-FFF2-40B4-BE49-F238E27FC236}">
+                <a16:creationId xmlns:a16="http://schemas.microsoft.com/office/drawing/2014/main" id="{FA5EDEA6-B777-B10C-18E1-FC55DF70F991}"/>
+              </a:ext>
+            </a:extLst>
+          </p:cNvPr>
+          <p:cNvSpPr txBox="1"/>
+          <p:nvPr/>
         </p:nvSpPr>
         <p:spPr>
           <a:xfrm>
-            <a:off x="493298" y="2622884"/>
-            <a:ext cx="2743198" cy="2007482"/>
+            <a:off x="1257299" y="4602523"/>
+            <a:ext cx="2692130" cy="1384995"/>
           </a:xfrm>
+          <a:prstGeom prst="rect">
+            <a:avLst/>
+          </a:prstGeom>
+          <a:noFill/>
         </p:spPr>
         <p:txBody>
-          <a:bodyPr>
-            <a:normAutofit/>
+          <a:bodyPr wrap="square">
+            <a:spAutoFit/>
           </a:bodyPr>
           <a:lstStyle/>
           <a:p>
             <a:r>
-              <a:rPr lang="en-US" b="1" dirty="0"/>
-              <a:t>Datasets</a:t>
+              <a:rPr lang="en-US" sz="3000" b="1" dirty="0"/>
+              <a:t>Datasets:</a:t>
+            </a:r>
+          </a:p>
+          <a:p>
+            <a:r>
+              <a:rPr lang="en-US" dirty="0"/>
+              <a:t>Train: 4.1M</a:t>
             </a:r>
             <a:br>
-              <a:rPr lang="en-US" b="1" dirty="0"/>
+              <a:rPr lang="en-US" dirty="0"/>
             </a:br>
             <a:r>
               <a:rPr lang="en-US" dirty="0"/>
-              <a:t>Train: 6.2M</a:t>
+              <a:t>Validate: 1.4M</a:t>
             </a:r>
             <a:br>
               <a:rPr lang="en-US" dirty="0"/>
             </a:br>
             <a:r>
               <a:rPr lang="en-US" dirty="0"/>
-              <a:t>Validate: 2.7M</a:t>
-            </a:r>
-            <a:br>
-              <a:rPr lang="en-US" dirty="0"/>
-            </a:br>
-            <a:r>
-              <a:rPr lang="en-US" dirty="0"/>
-              <a:t>Test: 2.2M</a:t>
-            </a:r>
-          </a:p>
-        </p:txBody>
-      </p:sp>
+              <a:t>Test: 1.4M</a:t>
+            </a:r>
+          </a:p>
+        </p:txBody>
+      </p:sp>
+      <p:graphicFrame>
+        <p:nvGraphicFramePr>
+          <p:cNvPr id="18" name="Table 17">
+            <a:extLst>
+              <a:ext uri="{FF2B5EF4-FFF2-40B4-BE49-F238E27FC236}">
+                <a16:creationId xmlns:a16="http://schemas.microsoft.com/office/drawing/2014/main" id="{2FAEDD37-7553-B993-1956-D0787FE0B2AD}"/>
+              </a:ext>
+            </a:extLst>
+          </p:cNvPr>
+          <p:cNvGraphicFramePr>
+            <a:graphicFrameLocks noGrp="1"/>
+          </p:cNvGraphicFramePr>
+          <p:nvPr>
+            <p:extLst>
+              <p:ext uri="{D42A27DB-BD31-4B8C-83A1-F6EECF244321}">
+                <p14:modId xmlns:p14="http://schemas.microsoft.com/office/powerpoint/2010/main" val="3174103886"/>
+              </p:ext>
+            </p:extLst>
+          </p:nvPr>
+        </p:nvGraphicFramePr>
+        <p:xfrm>
+          <a:off x="381674" y="2084847"/>
+          <a:ext cx="5540244" cy="1994602"/>
+        </p:xfrm>
+        <a:graphic>
+          <a:graphicData uri="http://schemas.openxmlformats.org/drawingml/2006/table">
+            <a:tbl>
+              <a:tblPr firstRow="1" bandRow="1">
+                <a:tableStyleId>{5C22544A-7EE6-4342-B048-85BDC9FD1C3A}</a:tableStyleId>
+              </a:tblPr>
+              <a:tblGrid>
+                <a:gridCol w="2770122">
+                  <a:extLst>
+                    <a:ext uri="{9D8B030D-6E8A-4147-A177-3AD203B41FA5}">
+                      <a16:colId xmlns:a16="http://schemas.microsoft.com/office/drawing/2014/main" val="3210765895"/>
+                    </a:ext>
+                  </a:extLst>
+                </a:gridCol>
+                <a:gridCol w="2770122">
+                  <a:extLst>
+                    <a:ext uri="{9D8B030D-6E8A-4147-A177-3AD203B41FA5}">
+                      <a16:colId xmlns:a16="http://schemas.microsoft.com/office/drawing/2014/main" val="567912042"/>
+                    </a:ext>
+                  </a:extLst>
+                </a:gridCol>
+              </a:tblGrid>
+              <a:tr h="677261">
+                <a:tc>
+                  <a:txBody>
+                    <a:bodyPr/>
+                    <a:lstStyle/>
+                    <a:p>
+                      <a:r>
+                        <a:rPr lang="en-US" dirty="0"/>
+                        <a:t>Label</a:t>
+                      </a:r>
+                    </a:p>
+                  </a:txBody>
+                  <a:tcPr/>
+                </a:tc>
+                <a:tc>
+                  <a:txBody>
+                    <a:bodyPr/>
+                    <a:lstStyle/>
+                    <a:p>
+                      <a:r>
+                        <a:rPr lang="en-US" dirty="0"/>
+                        <a:t>Size</a:t>
+                      </a:r>
+                    </a:p>
+                  </a:txBody>
+                  <a:tcPr/>
+                </a:tc>
+                <a:extLst>
+                  <a:ext uri="{0D108BD9-81ED-4DB2-BD59-A6C34878D82A}">
+                    <a16:rowId xmlns:a16="http://schemas.microsoft.com/office/drawing/2014/main" val="3704484777"/>
+                  </a:ext>
+                </a:extLst>
+              </a:tr>
+              <a:tr h="547127">
+                <a:tc>
+                  <a:txBody>
+                    <a:bodyPr/>
+                    <a:lstStyle/>
+                    <a:p>
+                      <a:r>
+                        <a:rPr lang="en-US" dirty="0"/>
+                        <a:t>Epitopes (positive labels)</a:t>
+                      </a:r>
+                    </a:p>
+                  </a:txBody>
+                  <a:tcPr/>
+                </a:tc>
+                <a:tc>
+                  <a:txBody>
+                    <a:bodyPr/>
+                    <a:lstStyle/>
+                    <a:p>
+                      <a:r>
+                        <a:rPr lang="en-US" dirty="0"/>
+                        <a:t>Filtered epitopes: ~ 1.9M</a:t>
+                      </a:r>
+                    </a:p>
+                    <a:p>
+                      <a:endParaRPr lang="en-US" dirty="0"/>
+                    </a:p>
+                  </a:txBody>
+                  <a:tcPr/>
+                </a:tc>
+                <a:extLst>
+                  <a:ext uri="{0D108BD9-81ED-4DB2-BD59-A6C34878D82A}">
+                    <a16:rowId xmlns:a16="http://schemas.microsoft.com/office/drawing/2014/main" val="1500649421"/>
+                  </a:ext>
+                </a:extLst>
+              </a:tr>
+              <a:tr h="677261">
+                <a:tc>
+                  <a:txBody>
+                    <a:bodyPr/>
+                    <a:lstStyle/>
+                    <a:p>
+                      <a:pPr marL="0" marR="0" lvl="0" indent="0" algn="l" defTabSz="914400" rtl="0" eaLnBrk="1" fontAlgn="auto" latinLnBrk="0" hangingPunct="1">
+                        <a:lnSpc>
+                          <a:spcPct val="100000"/>
+                        </a:lnSpc>
+                        <a:spcBef>
+                          <a:spcPts val="0"/>
+                        </a:spcBef>
+                        <a:spcAft>
+                          <a:spcPts val="0"/>
+                        </a:spcAft>
+                        <a:buClrTx/>
+                        <a:buSzTx/>
+                        <a:buFontTx/>
+                        <a:buNone/>
+                        <a:tabLst/>
+                        <a:defRPr/>
+                      </a:pPr>
+                      <a:r>
+                        <a:rPr lang="en-US" dirty="0"/>
+                        <a:t>Non-epitopes (negative labels)</a:t>
+                      </a:r>
+                    </a:p>
+                  </a:txBody>
+                  <a:tcPr/>
+                </a:tc>
+                <a:tc>
+                  <a:txBody>
+                    <a:bodyPr/>
+                    <a:lstStyle/>
+                    <a:p>
+                      <a:r>
+                        <a:rPr lang="en-US" dirty="0"/>
+                        <a:t>Non-epitopes: ~ 3.2M</a:t>
+                      </a:r>
+                    </a:p>
+                    <a:p>
+                      <a:r>
+                        <a:rPr lang="en-US" dirty="0"/>
+                        <a:t>Random ligands: ~ 1.9M</a:t>
+                      </a:r>
+                    </a:p>
+                  </a:txBody>
+                  <a:tcPr/>
+                </a:tc>
+                <a:extLst>
+                  <a:ext uri="{0D108BD9-81ED-4DB2-BD59-A6C34878D82A}">
+                    <a16:rowId xmlns:a16="http://schemas.microsoft.com/office/drawing/2014/main" val="1548390"/>
+                  </a:ext>
+                </a:extLst>
+              </a:tr>
+            </a:tbl>
+          </a:graphicData>
+        </a:graphic>
+      </p:graphicFrame>
     </p:spTree>
     <p:extLst>
       <p:ext uri="{BB962C8B-B14F-4D97-AF65-F5344CB8AC3E}">
@@ -8295,7 +9175,7 @@
 </p:sld>
 </file>
 
-<file path=ppt/slides/slide17.xml><?xml version="1.0" encoding="utf-8"?>
+<file path=ppt/slides/slide19.xml><?xml version="1.0" encoding="utf-8"?>
 <p:sld xmlns:a="http://schemas.openxmlformats.org/drawingml/2006/main" xmlns:r="http://schemas.openxmlformats.org/officeDocument/2006/relationships" xmlns:p="http://schemas.openxmlformats.org/presentationml/2006/main">
   <p:cSld>
     <p:spTree>
@@ -8343,10 +9223,10 @@
       </p:sp>
       <p:pic>
         <p:nvPicPr>
-          <p:cNvPr id="9218" name="Picture 2">
-            <a:extLst>
-              <a:ext uri="{FF2B5EF4-FFF2-40B4-BE49-F238E27FC236}">
-                <a16:creationId xmlns:a16="http://schemas.microsoft.com/office/drawing/2014/main" id="{3C600096-0B6E-B90B-B13E-006E66B44EFF}"/>
+          <p:cNvPr id="1026" name="Picture 2">
+            <a:extLst>
+              <a:ext uri="{FF2B5EF4-FFF2-40B4-BE49-F238E27FC236}">
+                <a16:creationId xmlns:a16="http://schemas.microsoft.com/office/drawing/2014/main" id="{C087092B-68BE-1A8D-7291-C118B8367B07}"/>
               </a:ext>
             </a:extLst>
           </p:cNvPr>
@@ -8370,8 +9250,8 @@
         </p:blipFill>
         <p:spPr bwMode="auto">
           <a:xfrm>
-            <a:off x="1637047" y="2284997"/>
-            <a:ext cx="8663373" cy="3172220"/>
+            <a:off x="2024063" y="1924050"/>
+            <a:ext cx="8143875" cy="3009900"/>
           </a:xfrm>
           <a:prstGeom prst="rect">
             <a:avLst/>
@@ -8401,7 +9281,7 @@
 </p:sld>
 </file>
 
-<file path=ppt/slides/slide18.xml><?xml version="1.0" encoding="utf-8"?>
+<file path=ppt/slides/slide2.xml><?xml version="1.0" encoding="utf-8"?>
 <p:sld xmlns:a="http://schemas.openxmlformats.org/drawingml/2006/main" xmlns:r="http://schemas.openxmlformats.org/officeDocument/2006/relationships" xmlns:p="http://schemas.openxmlformats.org/presentationml/2006/main">
   <p:cSld>
     <p:spTree>
@@ -8423,6 +9303,129 @@
           <p:cNvPr id="2" name="Title 1">
             <a:extLst>
               <a:ext uri="{FF2B5EF4-FFF2-40B4-BE49-F238E27FC236}">
+                <a16:creationId xmlns:a16="http://schemas.microsoft.com/office/drawing/2014/main" id="{10AE0847-5515-98D0-539D-14A67F97DF72}"/>
+              </a:ext>
+            </a:extLst>
+          </p:cNvPr>
+          <p:cNvSpPr>
+            <a:spLocks noGrp="1"/>
+          </p:cNvSpPr>
+          <p:nvPr>
+            <p:ph type="title"/>
+          </p:nvPr>
+        </p:nvSpPr>
+        <p:spPr>
+          <a:xfrm>
+            <a:off x="838200" y="365126"/>
+            <a:ext cx="10515600" cy="791322"/>
+          </a:xfrm>
+        </p:spPr>
+        <p:txBody>
+          <a:bodyPr>
+            <a:normAutofit/>
+          </a:bodyPr>
+          <a:lstStyle/>
+          <a:p>
+            <a:pPr algn="ctr"/>
+            <a:r>
+              <a:rPr lang="en-US" sz="4000" dirty="0"/>
+              <a:t>Outline</a:t>
+            </a:r>
+          </a:p>
+        </p:txBody>
+      </p:sp>
+      <p:sp>
+        <p:nvSpPr>
+          <p:cNvPr id="3" name="Content Placeholder 2">
+            <a:extLst>
+              <a:ext uri="{FF2B5EF4-FFF2-40B4-BE49-F238E27FC236}">
+                <a16:creationId xmlns:a16="http://schemas.microsoft.com/office/drawing/2014/main" id="{4B99E554-52CE-D455-2C53-B1F571AEE2AF}"/>
+              </a:ext>
+            </a:extLst>
+          </p:cNvPr>
+          <p:cNvSpPr>
+            <a:spLocks noGrp="1"/>
+          </p:cNvSpPr>
+          <p:nvPr>
+            <p:ph idx="1"/>
+          </p:nvPr>
+        </p:nvSpPr>
+        <p:spPr>
+          <a:xfrm>
+            <a:off x="838200" y="1825625"/>
+            <a:ext cx="10515600" cy="2998924"/>
+          </a:xfrm>
+        </p:spPr>
+        <p:txBody>
+          <a:bodyPr/>
+          <a:lstStyle/>
+          <a:p>
+            <a:r>
+              <a:rPr lang="en-US" dirty="0"/>
+              <a:t>Introduction</a:t>
+            </a:r>
+          </a:p>
+          <a:p>
+            <a:r>
+              <a:rPr lang="en-US" dirty="0"/>
+              <a:t>Employ composition of amino acids: RF, ANN.</a:t>
+            </a:r>
+          </a:p>
+          <a:p>
+            <a:r>
+              <a:rPr lang="en-US" dirty="0"/>
+              <a:t>Explore protein sequence as contextual: RNN.</a:t>
+            </a:r>
+          </a:p>
+          <a:p>
+            <a:r>
+              <a:rPr lang="en-US" dirty="0"/>
+              <a:t>Optimize predictor: feature selection, and model optimization.</a:t>
+            </a:r>
+          </a:p>
+          <a:p>
+            <a:r>
+              <a:rPr lang="en-US" dirty="0"/>
+              <a:t>Discussion</a:t>
+            </a:r>
+          </a:p>
+        </p:txBody>
+      </p:sp>
+    </p:spTree>
+    <p:extLst>
+      <p:ext uri="{BB962C8B-B14F-4D97-AF65-F5344CB8AC3E}">
+        <p14:creationId xmlns:p14="http://schemas.microsoft.com/office/powerpoint/2010/main" val="1946894357"/>
+      </p:ext>
+    </p:extLst>
+  </p:cSld>
+  <p:clrMapOvr>
+    <a:masterClrMapping/>
+  </p:clrMapOvr>
+</p:sld>
+</file>
+
+<file path=ppt/slides/slide20.xml><?xml version="1.0" encoding="utf-8"?>
+<p:sld xmlns:a="http://schemas.openxmlformats.org/drawingml/2006/main" xmlns:r="http://schemas.openxmlformats.org/officeDocument/2006/relationships" xmlns:p="http://schemas.openxmlformats.org/presentationml/2006/main">
+  <p:cSld>
+    <p:spTree>
+      <p:nvGrpSpPr>
+        <p:cNvPr id="1" name=""/>
+        <p:cNvGrpSpPr/>
+        <p:nvPr/>
+      </p:nvGrpSpPr>
+      <p:grpSpPr>
+        <a:xfrm>
+          <a:off x="0" y="0"/>
+          <a:ext cx="0" cy="0"/>
+          <a:chOff x="0" y="0"/>
+          <a:chExt cx="0" cy="0"/>
+        </a:xfrm>
+      </p:grpSpPr>
+      <p:sp>
+        <p:nvSpPr>
+          <p:cNvPr id="2" name="Title 1">
+            <a:extLst>
+              <a:ext uri="{FF2B5EF4-FFF2-40B4-BE49-F238E27FC236}">
                 <a16:creationId xmlns:a16="http://schemas.microsoft.com/office/drawing/2014/main" id="{ABCF4B19-DC71-A612-861B-066F3CC76D60}"/>
               </a:ext>
             </a:extLst>
@@ -8434,14 +9437,21 @@
             <p:ph type="title"/>
           </p:nvPr>
         </p:nvSpPr>
-        <p:spPr/>
-        <p:txBody>
-          <a:bodyPr/>
+        <p:spPr>
+          <a:xfrm>
+            <a:off x="264267" y="211813"/>
+            <a:ext cx="3724073" cy="1793875"/>
+          </a:xfrm>
+        </p:spPr>
+        <p:txBody>
+          <a:bodyPr>
+            <a:normAutofit/>
+          </a:bodyPr>
           <a:lstStyle/>
           <a:p>
             <a:pPr algn="ctr"/>
             <a:r>
-              <a:rPr lang="en-US" dirty="0"/>
+              <a:rPr lang="en-US" sz="3000" dirty="0"/>
               <a:t>Test the trained model using test data</a:t>
             </a:r>
           </a:p>
@@ -8449,10 +9459,10 @@
       </p:sp>
       <p:pic>
         <p:nvPicPr>
-          <p:cNvPr id="10242" name="Picture 2">
-            <a:extLst>
-              <a:ext uri="{FF2B5EF4-FFF2-40B4-BE49-F238E27FC236}">
-                <a16:creationId xmlns:a16="http://schemas.microsoft.com/office/drawing/2014/main" id="{C48B5202-6F27-5E80-DC70-E69A2435BBB3}"/>
+          <p:cNvPr id="2050" name="Picture 2">
+            <a:extLst>
+              <a:ext uri="{FF2B5EF4-FFF2-40B4-BE49-F238E27FC236}">
+                <a16:creationId xmlns:a16="http://schemas.microsoft.com/office/drawing/2014/main" id="{73A25C5C-7E3D-E3B8-8573-ABD6771BC1FB}"/>
               </a:ext>
             </a:extLst>
           </p:cNvPr>
@@ -8461,7 +9471,7 @@
           </p:cNvPicPr>
           <p:nvPr/>
         </p:nvPicPr>
-        <p:blipFill rotWithShape="1">
+        <p:blipFill>
           <a:blip r:embed="rId2">
             <a:extLst>
               <a:ext uri="{28A0092B-C50C-407E-A947-70E740481C1C}">
@@ -8469,13 +9479,62 @@
               </a:ext>
             </a:extLst>
           </a:blip>
-          <a:srcRect t="12590"/>
-          <a:stretch/>
+          <a:srcRect/>
+          <a:stretch>
+            <a:fillRect/>
+          </a:stretch>
         </p:blipFill>
         <p:spPr bwMode="auto">
           <a:xfrm>
-            <a:off x="838200" y="2297446"/>
-            <a:ext cx="10792007" cy="2978430"/>
+            <a:off x="1876425" y="3683912"/>
+            <a:ext cx="8439150" cy="2962275"/>
+          </a:xfrm>
+          <a:prstGeom prst="rect">
+            <a:avLst/>
+          </a:prstGeom>
+          <a:noFill/>
+          <a:extLst>
+            <a:ext uri="{909E8E84-426E-40DD-AFC4-6F175D3DCCD1}">
+              <a14:hiddenFill xmlns:a14="http://schemas.microsoft.com/office/drawing/2010/main">
+                <a:solidFill>
+                  <a:srgbClr val="FFFFFF"/>
+                </a:solidFill>
+              </a14:hiddenFill>
+            </a:ext>
+          </a:extLst>
+        </p:spPr>
+      </p:pic>
+      <p:pic>
+        <p:nvPicPr>
+          <p:cNvPr id="2054" name="Picture 6">
+            <a:extLst>
+              <a:ext uri="{FF2B5EF4-FFF2-40B4-BE49-F238E27FC236}">
+                <a16:creationId xmlns:a16="http://schemas.microsoft.com/office/drawing/2014/main" id="{DA883D78-2D33-C76E-2A53-0D951A2EA70A}"/>
+              </a:ext>
+            </a:extLst>
+          </p:cNvPr>
+          <p:cNvPicPr>
+            <a:picLocks noChangeAspect="1" noChangeArrowheads="1"/>
+          </p:cNvPicPr>
+          <p:nvPr/>
+        </p:nvPicPr>
+        <p:blipFill>
+          <a:blip r:embed="rId3">
+            <a:extLst>
+              <a:ext uri="{28A0092B-C50C-407E-A947-70E740481C1C}">
+                <a14:useLocalDpi xmlns:a14="http://schemas.microsoft.com/office/drawing/2010/main" val="0"/>
+              </a:ext>
+            </a:extLst>
+          </a:blip>
+          <a:srcRect/>
+          <a:stretch>
+            <a:fillRect/>
+          </a:stretch>
+        </p:blipFill>
+        <p:spPr bwMode="auto">
+          <a:xfrm>
+            <a:off x="6613898" y="226447"/>
+            <a:ext cx="3990874" cy="3202553"/>
           </a:xfrm>
           <a:prstGeom prst="rect">
             <a:avLst/>
@@ -8505,7 +9564,754 @@
 </p:sld>
 </file>
 
-<file path=ppt/slides/slide19.xml><?xml version="1.0" encoding="utf-8"?>
+<file path=ppt/slides/slide21.xml><?xml version="1.0" encoding="utf-8"?>
+<p:sld xmlns:a="http://schemas.openxmlformats.org/drawingml/2006/main" xmlns:r="http://schemas.openxmlformats.org/officeDocument/2006/relationships" xmlns:p="http://schemas.openxmlformats.org/presentationml/2006/main">
+  <p:cSld>
+    <p:spTree>
+      <p:nvGrpSpPr>
+        <p:cNvPr id="1" name="">
+          <a:extLst>
+            <a:ext uri="{FF2B5EF4-FFF2-40B4-BE49-F238E27FC236}">
+              <a16:creationId xmlns:a16="http://schemas.microsoft.com/office/drawing/2014/main" id="{0DFF0707-B082-23AA-C611-C50A00EBA5D6}"/>
+            </a:ext>
+          </a:extLst>
+        </p:cNvPr>
+        <p:cNvGrpSpPr/>
+        <p:nvPr/>
+      </p:nvGrpSpPr>
+      <p:grpSpPr>
+        <a:xfrm>
+          <a:off x="0" y="0"/>
+          <a:ext cx="0" cy="0"/>
+          <a:chOff x="0" y="0"/>
+          <a:chExt cx="0" cy="0"/>
+        </a:xfrm>
+      </p:grpSpPr>
+      <p:sp>
+        <p:nvSpPr>
+          <p:cNvPr id="2" name="Title 1">
+            <a:extLst>
+              <a:ext uri="{FF2B5EF4-FFF2-40B4-BE49-F238E27FC236}">
+                <a16:creationId xmlns:a16="http://schemas.microsoft.com/office/drawing/2014/main" id="{AD1C3473-5EA2-DFC9-821F-6447F86E8C8D}"/>
+              </a:ext>
+            </a:extLst>
+          </p:cNvPr>
+          <p:cNvSpPr>
+            <a:spLocks noGrp="1"/>
+          </p:cNvSpPr>
+          <p:nvPr>
+            <p:ph type="title"/>
+          </p:nvPr>
+        </p:nvSpPr>
+        <p:spPr>
+          <a:xfrm>
+            <a:off x="838201" y="365125"/>
+            <a:ext cx="2267014" cy="821649"/>
+          </a:xfrm>
+        </p:spPr>
+        <p:txBody>
+          <a:bodyPr>
+            <a:normAutofit/>
+          </a:bodyPr>
+          <a:lstStyle/>
+          <a:p>
+            <a:r>
+              <a:rPr lang="en-US" sz="3500" dirty="0"/>
+              <a:t>LSTM+ANN</a:t>
+            </a:r>
+          </a:p>
+        </p:txBody>
+      </p:sp>
+      <p:sp>
+        <p:nvSpPr>
+          <p:cNvPr id="4" name="Rectangle 3">
+            <a:extLst>
+              <a:ext uri="{FF2B5EF4-FFF2-40B4-BE49-F238E27FC236}">
+                <a16:creationId xmlns:a16="http://schemas.microsoft.com/office/drawing/2014/main" id="{7A43D428-787B-8722-63F1-8FABFA2ED829}"/>
+              </a:ext>
+            </a:extLst>
+          </p:cNvPr>
+          <p:cNvSpPr/>
+          <p:nvPr/>
+        </p:nvSpPr>
+        <p:spPr>
+          <a:xfrm>
+            <a:off x="8093413" y="329898"/>
+            <a:ext cx="3043810" cy="625642"/>
+          </a:xfrm>
+          <a:prstGeom prst="rect">
+            <a:avLst/>
+          </a:prstGeom>
+        </p:spPr>
+        <p:style>
+          <a:lnRef idx="2">
+            <a:schemeClr val="accent3">
+              <a:shade val="15000"/>
+            </a:schemeClr>
+          </a:lnRef>
+          <a:fillRef idx="1">
+            <a:schemeClr val="accent3"/>
+          </a:fillRef>
+          <a:effectRef idx="0">
+            <a:schemeClr val="accent3"/>
+          </a:effectRef>
+          <a:fontRef idx="minor">
+            <a:schemeClr val="lt1"/>
+          </a:fontRef>
+        </p:style>
+        <p:txBody>
+          <a:bodyPr rtlCol="0" anchor="ctr"/>
+          <a:lstStyle/>
+          <a:p>
+            <a:pPr algn="ctr"/>
+            <a:r>
+              <a:rPr lang="en-US" dirty="0"/>
+              <a:t>Input: amino acids sequence</a:t>
+            </a:r>
+          </a:p>
+          <a:p>
+            <a:pPr algn="ctr"/>
+            <a:r>
+              <a:rPr lang="en-US" dirty="0"/>
+              <a:t>Text: 32 x p; lengths: 32 x 1</a:t>
+            </a:r>
+          </a:p>
+        </p:txBody>
+      </p:sp>
+      <p:sp>
+        <p:nvSpPr>
+          <p:cNvPr id="5" name="Rectangle 4">
+            <a:extLst>
+              <a:ext uri="{FF2B5EF4-FFF2-40B4-BE49-F238E27FC236}">
+                <a16:creationId xmlns:a16="http://schemas.microsoft.com/office/drawing/2014/main" id="{DCF494E9-DFAB-8289-B48A-E61C502644EF}"/>
+              </a:ext>
+            </a:extLst>
+          </p:cNvPr>
+          <p:cNvSpPr/>
+          <p:nvPr/>
+        </p:nvSpPr>
+        <p:spPr>
+          <a:xfrm>
+            <a:off x="9105088" y="1284035"/>
+            <a:ext cx="2032137" cy="625642"/>
+          </a:xfrm>
+          <a:prstGeom prst="rect">
+            <a:avLst/>
+          </a:prstGeom>
+        </p:spPr>
+        <p:style>
+          <a:lnRef idx="2">
+            <a:schemeClr val="accent3">
+              <a:shade val="15000"/>
+            </a:schemeClr>
+          </a:lnRef>
+          <a:fillRef idx="1">
+            <a:schemeClr val="accent3"/>
+          </a:fillRef>
+          <a:effectRef idx="0">
+            <a:schemeClr val="accent3"/>
+          </a:effectRef>
+          <a:fontRef idx="minor">
+            <a:schemeClr val="lt1"/>
+          </a:fontRef>
+        </p:style>
+        <p:txBody>
+          <a:bodyPr rtlCol="0" anchor="ctr"/>
+          <a:lstStyle/>
+          <a:p>
+            <a:pPr algn="ctr"/>
+            <a:r>
+              <a:rPr lang="en-US" dirty="0"/>
+              <a:t>Embedding layer</a:t>
+            </a:r>
+          </a:p>
+          <a:p>
+            <a:pPr algn="ctr"/>
+            <a:r>
+              <a:rPr lang="en-US" dirty="0"/>
+              <a:t>32 x </a:t>
+            </a:r>
+            <a:r>
+              <a:rPr lang="en-US" dirty="0" err="1"/>
+              <a:t>max_len</a:t>
+            </a:r>
+            <a:r>
+              <a:rPr lang="en-US" dirty="0"/>
+              <a:t> x 48</a:t>
+            </a:r>
+          </a:p>
+        </p:txBody>
+      </p:sp>
+      <p:sp>
+        <p:nvSpPr>
+          <p:cNvPr id="6" name="Rectangle 5">
+            <a:extLst>
+              <a:ext uri="{FF2B5EF4-FFF2-40B4-BE49-F238E27FC236}">
+                <a16:creationId xmlns:a16="http://schemas.microsoft.com/office/drawing/2014/main" id="{F8BF38D3-E0BC-EB8F-1CB5-2BB8F1383D1A}"/>
+              </a:ext>
+            </a:extLst>
+          </p:cNvPr>
+          <p:cNvSpPr/>
+          <p:nvPr/>
+        </p:nvSpPr>
+        <p:spPr>
+          <a:xfrm>
+            <a:off x="9105087" y="3082148"/>
+            <a:ext cx="2032137" cy="625642"/>
+          </a:xfrm>
+          <a:prstGeom prst="rect">
+            <a:avLst/>
+          </a:prstGeom>
+        </p:spPr>
+        <p:style>
+          <a:lnRef idx="2">
+            <a:schemeClr val="accent3">
+              <a:shade val="15000"/>
+            </a:schemeClr>
+          </a:lnRef>
+          <a:fillRef idx="1">
+            <a:schemeClr val="accent3"/>
+          </a:fillRef>
+          <a:effectRef idx="0">
+            <a:schemeClr val="accent3"/>
+          </a:effectRef>
+          <a:fontRef idx="minor">
+            <a:schemeClr val="lt1"/>
+          </a:fontRef>
+        </p:style>
+        <p:txBody>
+          <a:bodyPr rtlCol="0" anchor="ctr"/>
+          <a:lstStyle/>
+          <a:p>
+            <a:pPr algn="ctr"/>
+            <a:r>
+              <a:rPr lang="en-US" dirty="0"/>
+              <a:t>LSTM layer</a:t>
+            </a:r>
+          </a:p>
+          <a:p>
+            <a:pPr algn="ctr"/>
+            <a:r>
+              <a:rPr lang="en-US" dirty="0"/>
+              <a:t>Sum of lengths x 64</a:t>
+            </a:r>
+          </a:p>
+        </p:txBody>
+      </p:sp>
+      <p:sp>
+        <p:nvSpPr>
+          <p:cNvPr id="7" name="Rectangle 6">
+            <a:extLst>
+              <a:ext uri="{FF2B5EF4-FFF2-40B4-BE49-F238E27FC236}">
+                <a16:creationId xmlns:a16="http://schemas.microsoft.com/office/drawing/2014/main" id="{A7AD9116-1C1C-5CCF-8ED4-B8EB0C67D0B9}"/>
+              </a:ext>
+            </a:extLst>
+          </p:cNvPr>
+          <p:cNvSpPr/>
+          <p:nvPr/>
+        </p:nvSpPr>
+        <p:spPr>
+          <a:xfrm>
+            <a:off x="6878045" y="4036285"/>
+            <a:ext cx="4259179" cy="625642"/>
+          </a:xfrm>
+          <a:prstGeom prst="rect">
+            <a:avLst/>
+          </a:prstGeom>
+        </p:spPr>
+        <p:style>
+          <a:lnRef idx="2">
+            <a:schemeClr val="accent3">
+              <a:shade val="15000"/>
+            </a:schemeClr>
+          </a:lnRef>
+          <a:fillRef idx="1">
+            <a:schemeClr val="accent3"/>
+          </a:fillRef>
+          <a:effectRef idx="0">
+            <a:schemeClr val="accent3"/>
+          </a:effectRef>
+          <a:fontRef idx="minor">
+            <a:schemeClr val="lt1"/>
+          </a:fontRef>
+        </p:style>
+        <p:txBody>
+          <a:bodyPr rtlCol="0" anchor="ctr"/>
+          <a:lstStyle/>
+          <a:p>
+            <a:pPr algn="ctr"/>
+            <a:r>
+              <a:rPr lang="en-US" dirty="0"/>
+              <a:t>Fully-connected layer</a:t>
+            </a:r>
+          </a:p>
+          <a:p>
+            <a:pPr algn="ctr"/>
+            <a:r>
+              <a:rPr lang="en-US" dirty="0"/>
+              <a:t>32 x 128</a:t>
+            </a:r>
+          </a:p>
+        </p:txBody>
+      </p:sp>
+      <p:sp>
+        <p:nvSpPr>
+          <p:cNvPr id="8" name="Rectangle 7">
+            <a:extLst>
+              <a:ext uri="{FF2B5EF4-FFF2-40B4-BE49-F238E27FC236}">
+                <a16:creationId xmlns:a16="http://schemas.microsoft.com/office/drawing/2014/main" id="{990FEBE5-F93E-EF5F-02C4-9FED4A72F30A}"/>
+              </a:ext>
+            </a:extLst>
+          </p:cNvPr>
+          <p:cNvSpPr/>
+          <p:nvPr/>
+        </p:nvSpPr>
+        <p:spPr>
+          <a:xfrm>
+            <a:off x="6878048" y="4982200"/>
+            <a:ext cx="4259179" cy="625642"/>
+          </a:xfrm>
+          <a:prstGeom prst="rect">
+            <a:avLst/>
+          </a:prstGeom>
+        </p:spPr>
+        <p:style>
+          <a:lnRef idx="2">
+            <a:schemeClr val="accent3">
+              <a:shade val="15000"/>
+            </a:schemeClr>
+          </a:lnRef>
+          <a:fillRef idx="1">
+            <a:schemeClr val="accent3"/>
+          </a:fillRef>
+          <a:effectRef idx="0">
+            <a:schemeClr val="accent3"/>
+          </a:effectRef>
+          <a:fontRef idx="minor">
+            <a:schemeClr val="lt1"/>
+          </a:fontRef>
+        </p:style>
+        <p:txBody>
+          <a:bodyPr rtlCol="0" anchor="ctr"/>
+          <a:lstStyle/>
+          <a:p>
+            <a:pPr algn="ctr"/>
+            <a:r>
+              <a:rPr lang="en-US" dirty="0"/>
+              <a:t>Fully-connected layer</a:t>
+            </a:r>
+          </a:p>
+          <a:p>
+            <a:pPr algn="ctr"/>
+            <a:r>
+              <a:rPr lang="en-US" dirty="0"/>
+              <a:t>32 x 1</a:t>
+            </a:r>
+          </a:p>
+        </p:txBody>
+      </p:sp>
+      <p:sp>
+        <p:nvSpPr>
+          <p:cNvPr id="10" name="Rectangle 9">
+            <a:extLst>
+              <a:ext uri="{FF2B5EF4-FFF2-40B4-BE49-F238E27FC236}">
+                <a16:creationId xmlns:a16="http://schemas.microsoft.com/office/drawing/2014/main" id="{5E10DCE8-274C-7965-BA31-58BC00B83637}"/>
+              </a:ext>
+            </a:extLst>
+          </p:cNvPr>
+          <p:cNvSpPr/>
+          <p:nvPr/>
+        </p:nvSpPr>
+        <p:spPr>
+          <a:xfrm>
+            <a:off x="5778230" y="6154670"/>
+            <a:ext cx="5358997" cy="625642"/>
+          </a:xfrm>
+          <a:prstGeom prst="rect">
+            <a:avLst/>
+          </a:prstGeom>
+        </p:spPr>
+        <p:style>
+          <a:lnRef idx="2">
+            <a:schemeClr val="accent3">
+              <a:shade val="15000"/>
+            </a:schemeClr>
+          </a:lnRef>
+          <a:fillRef idx="1">
+            <a:schemeClr val="accent3"/>
+          </a:fillRef>
+          <a:effectRef idx="0">
+            <a:schemeClr val="accent3"/>
+          </a:effectRef>
+          <a:fontRef idx="minor">
+            <a:schemeClr val="lt1"/>
+          </a:fontRef>
+        </p:style>
+        <p:txBody>
+          <a:bodyPr rtlCol="0" anchor="ctr"/>
+          <a:lstStyle/>
+          <a:p>
+            <a:pPr algn="ctr"/>
+            <a:r>
+              <a:rPr lang="en-US" dirty="0"/>
+              <a:t>Loss: Binary Cross Entropy</a:t>
+            </a:r>
+          </a:p>
+          <a:p>
+            <a:pPr algn="ctr"/>
+            <a:r>
+              <a:rPr lang="en-US" dirty="0"/>
+              <a:t>Labels: 1 - epitope, 0 – non-epitope , random sequence</a:t>
+            </a:r>
+          </a:p>
+        </p:txBody>
+      </p:sp>
+      <p:sp>
+        <p:nvSpPr>
+          <p:cNvPr id="11" name="Rectangle 10">
+            <a:extLst>
+              <a:ext uri="{FF2B5EF4-FFF2-40B4-BE49-F238E27FC236}">
+                <a16:creationId xmlns:a16="http://schemas.microsoft.com/office/drawing/2014/main" id="{A54D6CFB-1332-D31C-9DE1-6DF8DEBAEBA1}"/>
+              </a:ext>
+            </a:extLst>
+          </p:cNvPr>
+          <p:cNvSpPr/>
+          <p:nvPr/>
+        </p:nvSpPr>
+        <p:spPr>
+          <a:xfrm>
+            <a:off x="9105088" y="2153748"/>
+            <a:ext cx="2032135" cy="625642"/>
+          </a:xfrm>
+          <a:prstGeom prst="rect">
+            <a:avLst/>
+          </a:prstGeom>
+        </p:spPr>
+        <p:style>
+          <a:lnRef idx="2">
+            <a:schemeClr val="accent3">
+              <a:shade val="15000"/>
+            </a:schemeClr>
+          </a:lnRef>
+          <a:fillRef idx="1">
+            <a:schemeClr val="accent3"/>
+          </a:fillRef>
+          <a:effectRef idx="0">
+            <a:schemeClr val="accent3"/>
+          </a:effectRef>
+          <a:fontRef idx="minor">
+            <a:schemeClr val="lt1"/>
+          </a:fontRef>
+        </p:style>
+        <p:txBody>
+          <a:bodyPr rtlCol="0" anchor="ctr"/>
+          <a:lstStyle/>
+          <a:p>
+            <a:pPr algn="ctr"/>
+            <a:r>
+              <a:rPr lang="en-US" dirty="0"/>
+              <a:t>packing</a:t>
+            </a:r>
+          </a:p>
+          <a:p>
+            <a:pPr algn="ctr"/>
+            <a:r>
+              <a:rPr lang="en-US" dirty="0"/>
+              <a:t>Sum of lengths x 48</a:t>
+            </a:r>
+          </a:p>
+        </p:txBody>
+      </p:sp>
+      <p:sp>
+        <p:nvSpPr>
+          <p:cNvPr id="12" name="Arrow: Down 11">
+            <a:extLst>
+              <a:ext uri="{FF2B5EF4-FFF2-40B4-BE49-F238E27FC236}">
+                <a16:creationId xmlns:a16="http://schemas.microsoft.com/office/drawing/2014/main" id="{928F12B5-9382-8C6A-C89D-545527FC6F42}"/>
+              </a:ext>
+            </a:extLst>
+          </p:cNvPr>
+          <p:cNvSpPr/>
+          <p:nvPr/>
+        </p:nvSpPr>
+        <p:spPr>
+          <a:xfrm>
+            <a:off x="11401927" y="365125"/>
+            <a:ext cx="376989" cy="6168567"/>
+          </a:xfrm>
+          <a:prstGeom prst="downArrow">
+            <a:avLst/>
+          </a:prstGeom>
+        </p:spPr>
+        <p:style>
+          <a:lnRef idx="2">
+            <a:schemeClr val="accent1">
+              <a:shade val="15000"/>
+            </a:schemeClr>
+          </a:lnRef>
+          <a:fillRef idx="1">
+            <a:schemeClr val="accent1"/>
+          </a:fillRef>
+          <a:effectRef idx="0">
+            <a:schemeClr val="accent1"/>
+          </a:effectRef>
+          <a:fontRef idx="minor">
+            <a:schemeClr val="lt1"/>
+          </a:fontRef>
+        </p:style>
+        <p:txBody>
+          <a:bodyPr rtlCol="0" anchor="ctr"/>
+          <a:lstStyle/>
+          <a:p>
+            <a:pPr algn="ctr"/>
+            <a:endParaRPr lang="en-US"/>
+          </a:p>
+        </p:txBody>
+      </p:sp>
+      <p:sp>
+        <p:nvSpPr>
+          <p:cNvPr id="17" name="TextBox 16">
+            <a:extLst>
+              <a:ext uri="{FF2B5EF4-FFF2-40B4-BE49-F238E27FC236}">
+                <a16:creationId xmlns:a16="http://schemas.microsoft.com/office/drawing/2014/main" id="{C33E5951-A376-5687-8255-707F7C3E9F50}"/>
+              </a:ext>
+            </a:extLst>
+          </p:cNvPr>
+          <p:cNvSpPr txBox="1"/>
+          <p:nvPr/>
+        </p:nvSpPr>
+        <p:spPr>
+          <a:xfrm>
+            <a:off x="413084" y="4661927"/>
+            <a:ext cx="2692130" cy="1384995"/>
+          </a:xfrm>
+          <a:prstGeom prst="rect">
+            <a:avLst/>
+          </a:prstGeom>
+          <a:noFill/>
+        </p:spPr>
+        <p:txBody>
+          <a:bodyPr wrap="square">
+            <a:spAutoFit/>
+          </a:bodyPr>
+          <a:lstStyle/>
+          <a:p>
+            <a:r>
+              <a:rPr lang="en-US" sz="3000" b="1" dirty="0"/>
+              <a:t>Datasets:</a:t>
+            </a:r>
+          </a:p>
+          <a:p>
+            <a:r>
+              <a:rPr lang="en-US" dirty="0"/>
+              <a:t>Train: ~2.6M</a:t>
+            </a:r>
+            <a:br>
+              <a:rPr lang="en-US" dirty="0"/>
+            </a:br>
+            <a:r>
+              <a:rPr lang="en-US" dirty="0"/>
+              <a:t>Validate: ~0.9M</a:t>
+            </a:r>
+            <a:br>
+              <a:rPr lang="en-US" dirty="0"/>
+            </a:br>
+            <a:r>
+              <a:rPr lang="en-US" dirty="0"/>
+              <a:t>Test: ~0.9M</a:t>
+            </a:r>
+          </a:p>
+        </p:txBody>
+      </p:sp>
+      <p:graphicFrame>
+        <p:nvGraphicFramePr>
+          <p:cNvPr id="18" name="Table 17">
+            <a:extLst>
+              <a:ext uri="{FF2B5EF4-FFF2-40B4-BE49-F238E27FC236}">
+                <a16:creationId xmlns:a16="http://schemas.microsoft.com/office/drawing/2014/main" id="{117CAAE7-15FB-338E-4102-B2344E198EEC}"/>
+              </a:ext>
+            </a:extLst>
+          </p:cNvPr>
+          <p:cNvGraphicFramePr>
+            <a:graphicFrameLocks noGrp="1"/>
+          </p:cNvGraphicFramePr>
+          <p:nvPr>
+            <p:extLst>
+              <p:ext uri="{D42A27DB-BD31-4B8C-83A1-F6EECF244321}">
+                <p14:modId xmlns:p14="http://schemas.microsoft.com/office/powerpoint/2010/main" val="2541945257"/>
+              </p:ext>
+            </p:extLst>
+          </p:nvPr>
+        </p:nvGraphicFramePr>
+        <p:xfrm>
+          <a:off x="284399" y="1869442"/>
+          <a:ext cx="3353746" cy="2202437"/>
+        </p:xfrm>
+        <a:graphic>
+          <a:graphicData uri="http://schemas.openxmlformats.org/drawingml/2006/table">
+            <a:tbl>
+              <a:tblPr firstRow="1" bandRow="1">
+                <a:tableStyleId>{5C22544A-7EE6-4342-B048-85BDC9FD1C3A}</a:tableStyleId>
+              </a:tblPr>
+              <a:tblGrid>
+                <a:gridCol w="1113236">
+                  <a:extLst>
+                    <a:ext uri="{9D8B030D-6E8A-4147-A177-3AD203B41FA5}">
+                      <a16:colId xmlns:a16="http://schemas.microsoft.com/office/drawing/2014/main" val="3210765895"/>
+                    </a:ext>
+                  </a:extLst>
+                </a:gridCol>
+                <a:gridCol w="2240510">
+                  <a:extLst>
+                    <a:ext uri="{9D8B030D-6E8A-4147-A177-3AD203B41FA5}">
+                      <a16:colId xmlns:a16="http://schemas.microsoft.com/office/drawing/2014/main" val="567912042"/>
+                    </a:ext>
+                  </a:extLst>
+                </a:gridCol>
+              </a:tblGrid>
+              <a:tr h="373637">
+                <a:tc>
+                  <a:txBody>
+                    <a:bodyPr/>
+                    <a:lstStyle/>
+                    <a:p>
+                      <a:r>
+                        <a:rPr lang="en-US" dirty="0"/>
+                        <a:t>Label</a:t>
+                      </a:r>
+                    </a:p>
+                  </a:txBody>
+                  <a:tcPr/>
+                </a:tc>
+                <a:tc>
+                  <a:txBody>
+                    <a:bodyPr/>
+                    <a:lstStyle/>
+                    <a:p>
+                      <a:r>
+                        <a:rPr lang="en-US" dirty="0"/>
+                        <a:t>Size</a:t>
+                      </a:r>
+                    </a:p>
+                  </a:txBody>
+                  <a:tcPr/>
+                </a:tc>
+                <a:extLst>
+                  <a:ext uri="{0D108BD9-81ED-4DB2-BD59-A6C34878D82A}">
+                    <a16:rowId xmlns:a16="http://schemas.microsoft.com/office/drawing/2014/main" val="3704484777"/>
+                  </a:ext>
+                </a:extLst>
+              </a:tr>
+              <a:tr h="838584">
+                <a:tc>
+                  <a:txBody>
+                    <a:bodyPr/>
+                    <a:lstStyle/>
+                    <a:p>
+                      <a:r>
+                        <a:rPr lang="en-US" dirty="0"/>
+                        <a:t>Epitopes</a:t>
+                      </a:r>
+                    </a:p>
+                  </a:txBody>
+                  <a:tcPr/>
+                </a:tc>
+                <a:tc>
+                  <a:txBody>
+                    <a:bodyPr/>
+                    <a:lstStyle/>
+                    <a:p>
+                      <a:r>
+                        <a:rPr lang="en-US" dirty="0"/>
+                        <a:t>Filtered epitopes: ~ 1.9M</a:t>
+                      </a:r>
+                    </a:p>
+                    <a:p>
+                      <a:endParaRPr lang="en-US" dirty="0"/>
+                    </a:p>
+                  </a:txBody>
+                  <a:tcPr/>
+                </a:tc>
+                <a:extLst>
+                  <a:ext uri="{0D108BD9-81ED-4DB2-BD59-A6C34878D82A}">
+                    <a16:rowId xmlns:a16="http://schemas.microsoft.com/office/drawing/2014/main" val="1500649421"/>
+                  </a:ext>
+                </a:extLst>
+              </a:tr>
+              <a:tr h="838584">
+                <a:tc>
+                  <a:txBody>
+                    <a:bodyPr/>
+                    <a:lstStyle/>
+                    <a:p>
+                      <a:pPr marL="0" marR="0" lvl="0" indent="0" algn="l" defTabSz="914400" rtl="0" eaLnBrk="1" fontAlgn="auto" latinLnBrk="0" hangingPunct="1">
+                        <a:lnSpc>
+                          <a:spcPct val="100000"/>
+                        </a:lnSpc>
+                        <a:spcBef>
+                          <a:spcPts val="0"/>
+                        </a:spcBef>
+                        <a:spcAft>
+                          <a:spcPts val="0"/>
+                        </a:spcAft>
+                        <a:buClrTx/>
+                        <a:buSzTx/>
+                        <a:buFontTx/>
+                        <a:buNone/>
+                        <a:tabLst/>
+                        <a:defRPr/>
+                      </a:pPr>
+                      <a:r>
+                        <a:rPr lang="en-US" dirty="0"/>
+                        <a:t>Non-epitopes</a:t>
+                      </a:r>
+                    </a:p>
+                  </a:txBody>
+                  <a:tcPr/>
+                </a:tc>
+                <a:tc>
+                  <a:txBody>
+                    <a:bodyPr/>
+                    <a:lstStyle/>
+                    <a:p>
+                      <a:r>
+                        <a:rPr lang="en-US" dirty="0"/>
+                        <a:t>Non-epitopes: ~ 1.6M</a:t>
+                      </a:r>
+                    </a:p>
+                    <a:p>
+                      <a:r>
+                        <a:rPr lang="en-US" dirty="0"/>
+                        <a:t>Random ligands: ~ 0.9M</a:t>
+                      </a:r>
+                    </a:p>
+                  </a:txBody>
+                  <a:tcPr/>
+                </a:tc>
+                <a:extLst>
+                  <a:ext uri="{0D108BD9-81ED-4DB2-BD59-A6C34878D82A}">
+                    <a16:rowId xmlns:a16="http://schemas.microsoft.com/office/drawing/2014/main" val="1548390"/>
+                  </a:ext>
+                </a:extLst>
+              </a:tr>
+            </a:tbl>
+          </a:graphicData>
+        </a:graphic>
+      </p:graphicFrame>
+    </p:spTree>
+    <p:extLst>
+      <p:ext uri="{BB962C8B-B14F-4D97-AF65-F5344CB8AC3E}">
+        <p14:creationId xmlns:p14="http://schemas.microsoft.com/office/powerpoint/2010/main" val="2707392065"/>
+      </p:ext>
+    </p:extLst>
+  </p:cSld>
+  <p:clrMapOvr>
+    <a:masterClrMapping/>
+  </p:clrMapOvr>
+</p:sld>
+</file>
+
+<file path=ppt/slides/slide22.xml><?xml version="1.0" encoding="utf-8"?>
 <p:sld xmlns:a="http://schemas.openxmlformats.org/drawingml/2006/main" xmlns:r="http://schemas.openxmlformats.org/officeDocument/2006/relationships" xmlns:p="http://schemas.openxmlformats.org/presentationml/2006/main">
   <p:cSld>
     <p:spTree>
@@ -8594,7 +10400,7 @@
             </a:br>
             <a:r>
               <a:rPr lang="en-US" dirty="0"/>
-              <a:t>Both accuracy and recall using validation and testing data are &gt; 90%.</a:t>
+              <a:t>Both accuracy and recall using validation and testing data are &gt; 80%.</a:t>
             </a:r>
           </a:p>
           <a:p>
@@ -8614,15 +10420,7 @@
             </a:br>
             <a:r>
               <a:rPr lang="en-US" dirty="0"/>
-              <a:t>Optimization </a:t>
-            </a:r>
-            <a:r>
-              <a:rPr lang="en-US"/>
-              <a:t>for better </a:t>
-            </a:r>
-            <a:r>
-              <a:rPr lang="en-US" dirty="0"/>
-              <a:t>recall (&gt; 95%).</a:t>
+              <a:t>Optimization for better recall (&gt; 90%).</a:t>
             </a:r>
             <a:br>
               <a:rPr lang="en-US" dirty="0"/>
@@ -8654,7 +10452,124 @@
 </p:sld>
 </file>
 
-<file path=ppt/slides/slide2.xml><?xml version="1.0" encoding="utf-8"?>
+<file path=ppt/slides/slide23.xml><?xml version="1.0" encoding="utf-8"?>
+<p:sld xmlns:a="http://schemas.openxmlformats.org/drawingml/2006/main" xmlns:r="http://schemas.openxmlformats.org/officeDocument/2006/relationships" xmlns:p="http://schemas.openxmlformats.org/presentationml/2006/main">
+  <p:cSld>
+    <p:spTree>
+      <p:nvGrpSpPr>
+        <p:cNvPr id="1" name="">
+          <a:extLst>
+            <a:ext uri="{FF2B5EF4-FFF2-40B4-BE49-F238E27FC236}">
+              <a16:creationId xmlns:a16="http://schemas.microsoft.com/office/drawing/2014/main" id="{271AB9F6-74E2-3CE5-6E96-288EB4AC3DA0}"/>
+            </a:ext>
+          </a:extLst>
+        </p:cNvPr>
+        <p:cNvGrpSpPr/>
+        <p:nvPr/>
+      </p:nvGrpSpPr>
+      <p:grpSpPr>
+        <a:xfrm>
+          <a:off x="0" y="0"/>
+          <a:ext cx="0" cy="0"/>
+          <a:chOff x="0" y="0"/>
+          <a:chExt cx="0" cy="0"/>
+        </a:xfrm>
+      </p:grpSpPr>
+      <p:sp>
+        <p:nvSpPr>
+          <p:cNvPr id="2" name="Title 1">
+            <a:extLst>
+              <a:ext uri="{FF2B5EF4-FFF2-40B4-BE49-F238E27FC236}">
+                <a16:creationId xmlns:a16="http://schemas.microsoft.com/office/drawing/2014/main" id="{49C74E14-C782-0B0C-395E-D53FDF0CC412}"/>
+              </a:ext>
+            </a:extLst>
+          </p:cNvPr>
+          <p:cNvSpPr>
+            <a:spLocks noGrp="1"/>
+          </p:cNvSpPr>
+          <p:nvPr>
+            <p:ph type="title"/>
+          </p:nvPr>
+        </p:nvSpPr>
+        <p:spPr>
+          <a:xfrm>
+            <a:off x="740923" y="1425440"/>
+            <a:ext cx="10515600" cy="1325563"/>
+          </a:xfrm>
+        </p:spPr>
+        <p:txBody>
+          <a:bodyPr>
+            <a:normAutofit/>
+          </a:bodyPr>
+          <a:lstStyle/>
+          <a:p>
+            <a:pPr algn="ctr"/>
+            <a:r>
+              <a:rPr lang="en-US" sz="3000" dirty="0"/>
+              <a:t>Optimize Predictor</a:t>
+            </a:r>
+          </a:p>
+        </p:txBody>
+      </p:sp>
+      <p:sp>
+        <p:nvSpPr>
+          <p:cNvPr id="3" name="Content Placeholder 2">
+            <a:extLst>
+              <a:ext uri="{FF2B5EF4-FFF2-40B4-BE49-F238E27FC236}">
+                <a16:creationId xmlns:a16="http://schemas.microsoft.com/office/drawing/2014/main" id="{41381072-2166-C613-3A8C-8F23C993D664}"/>
+              </a:ext>
+            </a:extLst>
+          </p:cNvPr>
+          <p:cNvSpPr>
+            <a:spLocks noGrp="1"/>
+          </p:cNvSpPr>
+          <p:nvPr>
+            <p:ph idx="1"/>
+          </p:nvPr>
+        </p:nvSpPr>
+        <p:spPr>
+          <a:xfrm>
+            <a:off x="838200" y="3161489"/>
+            <a:ext cx="10515600" cy="3015474"/>
+          </a:xfrm>
+        </p:spPr>
+        <p:txBody>
+          <a:bodyPr/>
+          <a:lstStyle/>
+          <a:p>
+            <a:r>
+              <a:rPr lang="en-US" dirty="0"/>
+              <a:t>Include more features and Select features.</a:t>
+            </a:r>
+          </a:p>
+          <a:p>
+            <a:r>
+              <a:rPr lang="en-US" dirty="0"/>
+              <a:t>Specialize predictors on categorized data.</a:t>
+            </a:r>
+          </a:p>
+          <a:p>
+            <a:r>
+              <a:rPr lang="en-US" dirty="0"/>
+              <a:t>Combine ANN and RNN</a:t>
+            </a:r>
+          </a:p>
+        </p:txBody>
+      </p:sp>
+    </p:spTree>
+    <p:extLst>
+      <p:ext uri="{BB962C8B-B14F-4D97-AF65-F5344CB8AC3E}">
+        <p14:creationId xmlns:p14="http://schemas.microsoft.com/office/powerpoint/2010/main" val="3414675960"/>
+      </p:ext>
+    </p:extLst>
+  </p:cSld>
+  <p:clrMapOvr>
+    <a:masterClrMapping/>
+  </p:clrMapOvr>
+</p:sld>
+</file>
+
+<file path=ppt/slides/slide24.xml><?xml version="1.0" encoding="utf-8"?>
 <p:sld xmlns:a="http://schemas.openxmlformats.org/drawingml/2006/main" xmlns:r="http://schemas.openxmlformats.org/officeDocument/2006/relationships" xmlns:p="http://schemas.openxmlformats.org/presentationml/2006/main">
   <p:cSld>
     <p:spTree>
@@ -8676,7 +10591,7 @@
           <p:cNvPr id="2" name="Title 1">
             <a:extLst>
               <a:ext uri="{FF2B5EF4-FFF2-40B4-BE49-F238E27FC236}">
-                <a16:creationId xmlns:a16="http://schemas.microsoft.com/office/drawing/2014/main" id="{10AE0847-5515-98D0-539D-14A67F97DF72}"/>
+                <a16:creationId xmlns:a16="http://schemas.microsoft.com/office/drawing/2014/main" id="{F3165336-9B06-6606-BC4C-24DFCA184EAA}"/>
               </a:ext>
             </a:extLst>
           </p:cNvPr>
@@ -8689,8 +10604,8 @@
         </p:nvSpPr>
         <p:spPr>
           <a:xfrm>
-            <a:off x="838200" y="365126"/>
-            <a:ext cx="10515600" cy="791322"/>
+            <a:off x="497731" y="4484451"/>
+            <a:ext cx="4434192" cy="1991347"/>
           </a:xfrm>
         </p:spPr>
         <p:txBody>
@@ -8701,73 +10616,108 @@
           <a:p>
             <a:pPr algn="ctr"/>
             <a:r>
-              <a:rPr lang="en-US" sz="4000" dirty="0"/>
-              <a:t>Outline</a:t>
-            </a:r>
-          </a:p>
-        </p:txBody>
-      </p:sp>
-      <p:sp>
-        <p:nvSpPr>
-          <p:cNvPr id="3" name="Content Placeholder 2">
-            <a:extLst>
-              <a:ext uri="{FF2B5EF4-FFF2-40B4-BE49-F238E27FC236}">
-                <a16:creationId xmlns:a16="http://schemas.microsoft.com/office/drawing/2014/main" id="{4B99E554-52CE-D455-2C53-B1F571AEE2AF}"/>
-              </a:ext>
-            </a:extLst>
-          </p:cNvPr>
-          <p:cNvSpPr>
-            <a:spLocks noGrp="1"/>
-          </p:cNvSpPr>
-          <p:nvPr>
-            <p:ph idx="1"/>
-          </p:nvPr>
-        </p:nvSpPr>
-        <p:spPr>
+              <a:rPr lang="en-US" sz="3000" dirty="0"/>
+              <a:t>Select Features: Feature importance determined by Random Forest </a:t>
+            </a:r>
+          </a:p>
+        </p:txBody>
+      </p:sp>
+      <p:pic>
+        <p:nvPicPr>
+          <p:cNvPr id="7172" name="Picture 4">
+            <a:extLst>
+              <a:ext uri="{FF2B5EF4-FFF2-40B4-BE49-F238E27FC236}">
+                <a16:creationId xmlns:a16="http://schemas.microsoft.com/office/drawing/2014/main" id="{1AACA551-A78D-29C9-B13C-5DA5EDEB9D57}"/>
+              </a:ext>
+            </a:extLst>
+          </p:cNvPr>
+          <p:cNvPicPr>
+            <a:picLocks noChangeAspect="1" noChangeArrowheads="1"/>
+          </p:cNvPicPr>
+          <p:nvPr/>
+        </p:nvPicPr>
+        <p:blipFill rotWithShape="1">
+          <a:blip r:embed="rId3">
+            <a:extLst>
+              <a:ext uri="{28A0092B-C50C-407E-A947-70E740481C1C}">
+                <a14:useLocalDpi xmlns:a14="http://schemas.microsoft.com/office/drawing/2010/main" val="0"/>
+              </a:ext>
+            </a:extLst>
+          </a:blip>
+          <a:srcRect b="6640"/>
+          <a:stretch/>
+        </p:blipFill>
+        <p:spPr bwMode="auto">
           <a:xfrm>
-            <a:off x="838200" y="1825625"/>
-            <a:ext cx="10515600" cy="2998924"/>
+            <a:off x="412312" y="1"/>
+            <a:ext cx="11172825" cy="3832698"/>
           </a:xfrm>
+          <a:prstGeom prst="rect">
+            <a:avLst/>
+          </a:prstGeom>
+          <a:noFill/>
+          <a:extLst>
+            <a:ext uri="{909E8E84-426E-40DD-AFC4-6F175D3DCCD1}">
+              <a14:hiddenFill xmlns:a14="http://schemas.microsoft.com/office/drawing/2010/main">
+                <a:solidFill>
+                  <a:srgbClr val="FFFFFF"/>
+                </a:solidFill>
+              </a14:hiddenFill>
+            </a:ext>
+          </a:extLst>
         </p:spPr>
-        <p:txBody>
-          <a:bodyPr/>
-          <a:lstStyle/>
-          <a:p>
-            <a:r>
-              <a:rPr lang="en-US" dirty="0"/>
-              <a:t>Introduction</a:t>
-            </a:r>
-          </a:p>
-          <a:p>
-            <a:r>
-              <a:rPr lang="en-US" dirty="0"/>
-              <a:t>Employ composition of amino acids</a:t>
-            </a:r>
-          </a:p>
-          <a:p>
-            <a:r>
-              <a:rPr lang="en-US" dirty="0"/>
-              <a:t>Explore protein sequence as contextual</a:t>
-            </a:r>
-          </a:p>
-          <a:p>
-            <a:r>
-              <a:rPr lang="en-US" dirty="0"/>
-              <a:t>Explore 3D structure data from Antigen-Antibody complex</a:t>
-            </a:r>
-          </a:p>
-          <a:p>
-            <a:r>
-              <a:rPr lang="en-US" dirty="0"/>
-              <a:t>Discussion</a:t>
-            </a:r>
-          </a:p>
-        </p:txBody>
-      </p:sp>
+      </p:pic>
+      <p:pic>
+        <p:nvPicPr>
+          <p:cNvPr id="7170" name="Picture 2">
+            <a:extLst>
+              <a:ext uri="{FF2B5EF4-FFF2-40B4-BE49-F238E27FC236}">
+                <a16:creationId xmlns:a16="http://schemas.microsoft.com/office/drawing/2014/main" id="{555E5B79-0AEF-3F1E-EF4C-25AF279D7A7D}"/>
+              </a:ext>
+            </a:extLst>
+          </p:cNvPr>
+          <p:cNvPicPr>
+            <a:picLocks noChangeAspect="1" noChangeArrowheads="1"/>
+          </p:cNvPicPr>
+          <p:nvPr/>
+        </p:nvPicPr>
+        <p:blipFill>
+          <a:blip r:embed="rId4">
+            <a:extLst>
+              <a:ext uri="{28A0092B-C50C-407E-A947-70E740481C1C}">
+                <a14:useLocalDpi xmlns:a14="http://schemas.microsoft.com/office/drawing/2010/main" val="0"/>
+              </a:ext>
+            </a:extLst>
+          </a:blip>
+          <a:srcRect/>
+          <a:stretch>
+            <a:fillRect/>
+          </a:stretch>
+        </p:blipFill>
+        <p:spPr bwMode="auto">
+          <a:xfrm>
+            <a:off x="8686800" y="3400121"/>
+            <a:ext cx="3404681" cy="3457879"/>
+          </a:xfrm>
+          <a:prstGeom prst="rect">
+            <a:avLst/>
+          </a:prstGeom>
+          <a:noFill/>
+          <a:extLst>
+            <a:ext uri="{909E8E84-426E-40DD-AFC4-6F175D3DCCD1}">
+              <a14:hiddenFill xmlns:a14="http://schemas.microsoft.com/office/drawing/2010/main">
+                <a:solidFill>
+                  <a:srgbClr val="FFFFFF"/>
+                </a:solidFill>
+              </a14:hiddenFill>
+            </a:ext>
+          </a:extLst>
+        </p:spPr>
+      </p:pic>
     </p:spTree>
     <p:extLst>
       <p:ext uri="{BB962C8B-B14F-4D97-AF65-F5344CB8AC3E}">
-        <p14:creationId xmlns:p14="http://schemas.microsoft.com/office/powerpoint/2010/main" val="1946894357"/>
+        <p14:creationId xmlns:p14="http://schemas.microsoft.com/office/powerpoint/2010/main" val="2952680965"/>
       </p:ext>
     </p:extLst>
   </p:cSld>
@@ -8777,7 +10727,1519 @@
 </p:sld>
 </file>
 
-<file path=ppt/slides/slide20.xml><?xml version="1.0" encoding="utf-8"?>
+<file path=ppt/slides/slide25.xml><?xml version="1.0" encoding="utf-8"?>
+<p:sld xmlns:a="http://schemas.openxmlformats.org/drawingml/2006/main" xmlns:r="http://schemas.openxmlformats.org/officeDocument/2006/relationships" xmlns:p="http://schemas.openxmlformats.org/presentationml/2006/main">
+  <p:cSld>
+    <p:spTree>
+      <p:nvGrpSpPr>
+        <p:cNvPr id="1" name=""/>
+        <p:cNvGrpSpPr/>
+        <p:nvPr/>
+      </p:nvGrpSpPr>
+      <p:grpSpPr>
+        <a:xfrm>
+          <a:off x="0" y="0"/>
+          <a:ext cx="0" cy="0"/>
+          <a:chOff x="0" y="0"/>
+          <a:chExt cx="0" cy="0"/>
+        </a:xfrm>
+      </p:grpSpPr>
+      <p:sp>
+        <p:nvSpPr>
+          <p:cNvPr id="2" name="Title 1">
+            <a:extLst>
+              <a:ext uri="{FF2B5EF4-FFF2-40B4-BE49-F238E27FC236}">
+                <a16:creationId xmlns:a16="http://schemas.microsoft.com/office/drawing/2014/main" id="{07D8FCBB-2D3D-BDB6-A99C-A9D787010A4A}"/>
+              </a:ext>
+            </a:extLst>
+          </p:cNvPr>
+          <p:cNvSpPr>
+            <a:spLocks noGrp="1"/>
+          </p:cNvSpPr>
+          <p:nvPr>
+            <p:ph type="title"/>
+          </p:nvPr>
+        </p:nvSpPr>
+        <p:spPr>
+          <a:xfrm>
+            <a:off x="838200" y="365125"/>
+            <a:ext cx="10515600" cy="383905"/>
+          </a:xfrm>
+        </p:spPr>
+        <p:txBody>
+          <a:bodyPr>
+            <a:normAutofit fontScale="90000"/>
+          </a:bodyPr>
+          <a:lstStyle/>
+          <a:p>
+            <a:endParaRPr lang="en-US" dirty="0"/>
+          </a:p>
+        </p:txBody>
+      </p:sp>
+      <p:pic>
+        <p:nvPicPr>
+          <p:cNvPr id="8194" name="Picture 2">
+            <a:extLst>
+              <a:ext uri="{FF2B5EF4-FFF2-40B4-BE49-F238E27FC236}">
+                <a16:creationId xmlns:a16="http://schemas.microsoft.com/office/drawing/2014/main" id="{0955C545-AE7C-9AD9-A771-B93AA2722AE8}"/>
+              </a:ext>
+            </a:extLst>
+          </p:cNvPr>
+          <p:cNvPicPr>
+            <a:picLocks noChangeAspect="1" noChangeArrowheads="1"/>
+          </p:cNvPicPr>
+          <p:nvPr/>
+        </p:nvPicPr>
+        <p:blipFill>
+          <a:blip r:embed="rId3">
+            <a:extLst>
+              <a:ext uri="{28A0092B-C50C-407E-A947-70E740481C1C}">
+                <a14:useLocalDpi xmlns:a14="http://schemas.microsoft.com/office/drawing/2010/main" val="0"/>
+              </a:ext>
+            </a:extLst>
+          </a:blip>
+          <a:srcRect/>
+          <a:stretch>
+            <a:fillRect/>
+          </a:stretch>
+        </p:blipFill>
+        <p:spPr bwMode="auto">
+          <a:xfrm>
+            <a:off x="42863" y="1119188"/>
+            <a:ext cx="12106275" cy="4619625"/>
+          </a:xfrm>
+          <a:prstGeom prst="rect">
+            <a:avLst/>
+          </a:prstGeom>
+          <a:noFill/>
+          <a:extLst>
+            <a:ext uri="{909E8E84-426E-40DD-AFC4-6F175D3DCCD1}">
+              <a14:hiddenFill xmlns:a14="http://schemas.microsoft.com/office/drawing/2010/main">
+                <a:solidFill>
+                  <a:srgbClr val="FFFFFF"/>
+                </a:solidFill>
+              </a14:hiddenFill>
+            </a:ext>
+          </a:extLst>
+        </p:spPr>
+      </p:pic>
+    </p:spTree>
+    <p:extLst>
+      <p:ext uri="{BB962C8B-B14F-4D97-AF65-F5344CB8AC3E}">
+        <p14:creationId xmlns:p14="http://schemas.microsoft.com/office/powerpoint/2010/main" val="1010724713"/>
+      </p:ext>
+    </p:extLst>
+  </p:cSld>
+  <p:clrMapOvr>
+    <a:masterClrMapping/>
+  </p:clrMapOvr>
+</p:sld>
+</file>
+
+<file path=ppt/slides/slide26.xml><?xml version="1.0" encoding="utf-8"?>
+<p:sld xmlns:a="http://schemas.openxmlformats.org/drawingml/2006/main" xmlns:r="http://schemas.openxmlformats.org/officeDocument/2006/relationships" xmlns:p="http://schemas.openxmlformats.org/presentationml/2006/main">
+  <p:cSld>
+    <p:spTree>
+      <p:nvGrpSpPr>
+        <p:cNvPr id="1" name=""/>
+        <p:cNvGrpSpPr/>
+        <p:nvPr/>
+      </p:nvGrpSpPr>
+      <p:grpSpPr>
+        <a:xfrm>
+          <a:off x="0" y="0"/>
+          <a:ext cx="0" cy="0"/>
+          <a:chOff x="0" y="0"/>
+          <a:chExt cx="0" cy="0"/>
+        </a:xfrm>
+      </p:grpSpPr>
+      <p:sp>
+        <p:nvSpPr>
+          <p:cNvPr id="2" name="Title 1">
+            <a:extLst>
+              <a:ext uri="{FF2B5EF4-FFF2-40B4-BE49-F238E27FC236}">
+                <a16:creationId xmlns:a16="http://schemas.microsoft.com/office/drawing/2014/main" id="{01171E95-5955-1197-F951-8D8194DBE085}"/>
+              </a:ext>
+            </a:extLst>
+          </p:cNvPr>
+          <p:cNvSpPr>
+            <a:spLocks noGrp="1"/>
+          </p:cNvSpPr>
+          <p:nvPr>
+            <p:ph type="title"/>
+          </p:nvPr>
+        </p:nvSpPr>
+        <p:spPr>
+          <a:xfrm>
+            <a:off x="5914417" y="491586"/>
+            <a:ext cx="4834647" cy="967564"/>
+          </a:xfrm>
+        </p:spPr>
+        <p:txBody>
+          <a:bodyPr>
+            <a:normAutofit/>
+          </a:bodyPr>
+          <a:lstStyle/>
+          <a:p>
+            <a:pPr algn="ctr"/>
+            <a:r>
+              <a:rPr lang="en-US" sz="3000" dirty="0"/>
+              <a:t>Percentage of AA-specific epitopes among 1.9M</a:t>
+            </a:r>
+          </a:p>
+        </p:txBody>
+      </p:sp>
+      <p:pic>
+        <p:nvPicPr>
+          <p:cNvPr id="9218" name="Picture 2">
+            <a:extLst>
+              <a:ext uri="{FF2B5EF4-FFF2-40B4-BE49-F238E27FC236}">
+                <a16:creationId xmlns:a16="http://schemas.microsoft.com/office/drawing/2014/main" id="{E4246F0B-37C9-B041-E15C-A2F3BB6770EB}"/>
+              </a:ext>
+            </a:extLst>
+          </p:cNvPr>
+          <p:cNvPicPr>
+            <a:picLocks noChangeAspect="1" noChangeArrowheads="1"/>
+          </p:cNvPicPr>
+          <p:nvPr/>
+        </p:nvPicPr>
+        <p:blipFill rotWithShape="1">
+          <a:blip r:embed="rId3">
+            <a:extLst>
+              <a:ext uri="{28A0092B-C50C-407E-A947-70E740481C1C}">
+                <a14:useLocalDpi xmlns:a14="http://schemas.microsoft.com/office/drawing/2010/main" val="0"/>
+              </a:ext>
+            </a:extLst>
+          </a:blip>
+          <a:srcRect l="23003" t="14839" r="20945"/>
+          <a:stretch/>
+        </p:blipFill>
+        <p:spPr bwMode="auto">
+          <a:xfrm>
+            <a:off x="1285671" y="170870"/>
+            <a:ext cx="2862017" cy="2922526"/>
+          </a:xfrm>
+          <a:prstGeom prst="rect">
+            <a:avLst/>
+          </a:prstGeom>
+          <a:noFill/>
+          <a:extLst>
+            <a:ext uri="{909E8E84-426E-40DD-AFC4-6F175D3DCCD1}">
+              <a14:hiddenFill xmlns:a14="http://schemas.microsoft.com/office/drawing/2010/main">
+                <a:solidFill>
+                  <a:srgbClr val="FFFFFF"/>
+                </a:solidFill>
+              </a14:hiddenFill>
+            </a:ext>
+          </a:extLst>
+        </p:spPr>
+      </p:pic>
+      <p:pic>
+        <p:nvPicPr>
+          <p:cNvPr id="9220" name="Picture 4">
+            <a:extLst>
+              <a:ext uri="{FF2B5EF4-FFF2-40B4-BE49-F238E27FC236}">
+                <a16:creationId xmlns:a16="http://schemas.microsoft.com/office/drawing/2014/main" id="{A6E79F58-D5F0-802F-960E-B241AB8D8B3E}"/>
+              </a:ext>
+            </a:extLst>
+          </p:cNvPr>
+          <p:cNvPicPr>
+            <a:picLocks noChangeAspect="1" noChangeArrowheads="1"/>
+          </p:cNvPicPr>
+          <p:nvPr/>
+        </p:nvPicPr>
+        <p:blipFill rotWithShape="1">
+          <a:blip r:embed="rId4">
+            <a:extLst>
+              <a:ext uri="{28A0092B-C50C-407E-A947-70E740481C1C}">
+                <a14:useLocalDpi xmlns:a14="http://schemas.microsoft.com/office/drawing/2010/main" val="0"/>
+              </a:ext>
+            </a:extLst>
+          </a:blip>
+          <a:srcRect l="12316" t="10935" r="13820"/>
+          <a:stretch/>
+        </p:blipFill>
+        <p:spPr bwMode="auto">
+          <a:xfrm>
+            <a:off x="6235430" y="2432900"/>
+            <a:ext cx="4670899" cy="3785294"/>
+          </a:xfrm>
+          <a:prstGeom prst="rect">
+            <a:avLst/>
+          </a:prstGeom>
+          <a:noFill/>
+          <a:extLst>
+            <a:ext uri="{909E8E84-426E-40DD-AFC4-6F175D3DCCD1}">
+              <a14:hiddenFill xmlns:a14="http://schemas.microsoft.com/office/drawing/2010/main">
+                <a:solidFill>
+                  <a:srgbClr val="FFFFFF"/>
+                </a:solidFill>
+              </a14:hiddenFill>
+            </a:ext>
+          </a:extLst>
+        </p:spPr>
+      </p:pic>
+      <p:pic>
+        <p:nvPicPr>
+          <p:cNvPr id="9222" name="Picture 6">
+            <a:extLst>
+              <a:ext uri="{FF2B5EF4-FFF2-40B4-BE49-F238E27FC236}">
+                <a16:creationId xmlns:a16="http://schemas.microsoft.com/office/drawing/2014/main" id="{48D1B82D-B59E-A4E3-F3E5-DD7B2C7DC90F}"/>
+              </a:ext>
+            </a:extLst>
+          </p:cNvPr>
+          <p:cNvPicPr>
+            <a:picLocks noChangeAspect="1" noChangeArrowheads="1"/>
+          </p:cNvPicPr>
+          <p:nvPr/>
+        </p:nvPicPr>
+        <p:blipFill rotWithShape="1">
+          <a:blip r:embed="rId5">
+            <a:extLst>
+              <a:ext uri="{28A0092B-C50C-407E-A947-70E740481C1C}">
+                <a14:useLocalDpi xmlns:a14="http://schemas.microsoft.com/office/drawing/2010/main" val="0"/>
+              </a:ext>
+            </a:extLst>
+          </a:blip>
+          <a:srcRect l="19945" t="15545" r="19490"/>
+          <a:stretch/>
+        </p:blipFill>
+        <p:spPr bwMode="auto">
+          <a:xfrm>
+            <a:off x="1285670" y="3935053"/>
+            <a:ext cx="2862017" cy="2682323"/>
+          </a:xfrm>
+          <a:prstGeom prst="rect">
+            <a:avLst/>
+          </a:prstGeom>
+          <a:noFill/>
+          <a:extLst>
+            <a:ext uri="{909E8E84-426E-40DD-AFC4-6F175D3DCCD1}">
+              <a14:hiddenFill xmlns:a14="http://schemas.microsoft.com/office/drawing/2010/main">
+                <a:solidFill>
+                  <a:srgbClr val="FFFFFF"/>
+                </a:solidFill>
+              </a14:hiddenFill>
+            </a:ext>
+          </a:extLst>
+        </p:spPr>
+      </p:pic>
+    </p:spTree>
+    <p:extLst>
+      <p:ext uri="{BB962C8B-B14F-4D97-AF65-F5344CB8AC3E}">
+        <p14:creationId xmlns:p14="http://schemas.microsoft.com/office/powerpoint/2010/main" val="4007779911"/>
+      </p:ext>
+    </p:extLst>
+  </p:cSld>
+  <p:clrMapOvr>
+    <a:masterClrMapping/>
+  </p:clrMapOvr>
+</p:sld>
+</file>
+
+<file path=ppt/slides/slide27.xml><?xml version="1.0" encoding="utf-8"?>
+<p:sld xmlns:a="http://schemas.openxmlformats.org/drawingml/2006/main" xmlns:r="http://schemas.openxmlformats.org/officeDocument/2006/relationships" xmlns:p="http://schemas.openxmlformats.org/presentationml/2006/main">
+  <p:cSld>
+    <p:spTree>
+      <p:nvGrpSpPr>
+        <p:cNvPr id="1" name=""/>
+        <p:cNvGrpSpPr/>
+        <p:nvPr/>
+      </p:nvGrpSpPr>
+      <p:grpSpPr>
+        <a:xfrm>
+          <a:off x="0" y="0"/>
+          <a:ext cx="0" cy="0"/>
+          <a:chOff x="0" y="0"/>
+          <a:chExt cx="0" cy="0"/>
+        </a:xfrm>
+      </p:grpSpPr>
+      <p:sp>
+        <p:nvSpPr>
+          <p:cNvPr id="2" name="Title 1">
+            <a:extLst>
+              <a:ext uri="{FF2B5EF4-FFF2-40B4-BE49-F238E27FC236}">
+                <a16:creationId xmlns:a16="http://schemas.microsoft.com/office/drawing/2014/main" id="{8493853B-2F5F-6C1D-818C-6FAE0DE72CD0}"/>
+              </a:ext>
+            </a:extLst>
+          </p:cNvPr>
+          <p:cNvSpPr>
+            <a:spLocks noGrp="1"/>
+          </p:cNvSpPr>
+          <p:nvPr>
+            <p:ph type="title"/>
+          </p:nvPr>
+        </p:nvSpPr>
+        <p:spPr>
+          <a:xfrm>
+            <a:off x="3998001" y="315341"/>
+            <a:ext cx="4649888" cy="1002524"/>
+          </a:xfrm>
+        </p:spPr>
+        <p:txBody>
+          <a:bodyPr>
+            <a:normAutofit fontScale="90000"/>
+          </a:bodyPr>
+          <a:lstStyle/>
+          <a:p>
+            <a:r>
+              <a:rPr lang="en-US" sz="4000" b="1" dirty="0"/>
+              <a:t>Optimize ANN and RNN</a:t>
+            </a:r>
+          </a:p>
+        </p:txBody>
+      </p:sp>
+      <p:sp>
+        <p:nvSpPr>
+          <p:cNvPr id="4" name="Rectangle 3">
+            <a:extLst>
+              <a:ext uri="{FF2B5EF4-FFF2-40B4-BE49-F238E27FC236}">
+                <a16:creationId xmlns:a16="http://schemas.microsoft.com/office/drawing/2014/main" id="{193387E5-44B9-01C3-3D37-3FA9BC0598AE}"/>
+              </a:ext>
+            </a:extLst>
+          </p:cNvPr>
+          <p:cNvSpPr/>
+          <p:nvPr/>
+        </p:nvSpPr>
+        <p:spPr>
+          <a:xfrm>
+            <a:off x="4533089" y="1740409"/>
+            <a:ext cx="3043810" cy="625642"/>
+          </a:xfrm>
+          <a:prstGeom prst="rect">
+            <a:avLst/>
+          </a:prstGeom>
+        </p:spPr>
+        <p:style>
+          <a:lnRef idx="2">
+            <a:schemeClr val="accent3">
+              <a:shade val="15000"/>
+            </a:schemeClr>
+          </a:lnRef>
+          <a:fillRef idx="1">
+            <a:schemeClr val="accent3"/>
+          </a:fillRef>
+          <a:effectRef idx="0">
+            <a:schemeClr val="accent3"/>
+          </a:effectRef>
+          <a:fontRef idx="minor">
+            <a:schemeClr val="lt1"/>
+          </a:fontRef>
+        </p:style>
+        <p:txBody>
+          <a:bodyPr rtlCol="0" anchor="ctr"/>
+          <a:lstStyle/>
+          <a:p>
+            <a:pPr algn="ctr"/>
+            <a:r>
+              <a:rPr lang="en-US" dirty="0"/>
+              <a:t>Input Data</a:t>
+            </a:r>
+          </a:p>
+        </p:txBody>
+      </p:sp>
+      <p:sp>
+        <p:nvSpPr>
+          <p:cNvPr id="5" name="Rectangle 4">
+            <a:extLst>
+              <a:ext uri="{FF2B5EF4-FFF2-40B4-BE49-F238E27FC236}">
+                <a16:creationId xmlns:a16="http://schemas.microsoft.com/office/drawing/2014/main" id="{68208F06-B1B6-C575-ABBB-B087E3F1DBED}"/>
+              </a:ext>
+            </a:extLst>
+          </p:cNvPr>
+          <p:cNvSpPr/>
+          <p:nvPr/>
+        </p:nvSpPr>
+        <p:spPr>
+          <a:xfrm>
+            <a:off x="3404681" y="3069856"/>
+            <a:ext cx="2519464" cy="625642"/>
+          </a:xfrm>
+          <a:prstGeom prst="rect">
+            <a:avLst/>
+          </a:prstGeom>
+        </p:spPr>
+        <p:style>
+          <a:lnRef idx="2">
+            <a:schemeClr val="accent3">
+              <a:shade val="15000"/>
+            </a:schemeClr>
+          </a:lnRef>
+          <a:fillRef idx="1">
+            <a:schemeClr val="accent3"/>
+          </a:fillRef>
+          <a:effectRef idx="0">
+            <a:schemeClr val="accent3"/>
+          </a:effectRef>
+          <a:fontRef idx="minor">
+            <a:schemeClr val="lt1"/>
+          </a:fontRef>
+        </p:style>
+        <p:txBody>
+          <a:bodyPr rtlCol="0" anchor="ctr"/>
+          <a:lstStyle/>
+          <a:p>
+            <a:pPr algn="ctr"/>
+            <a:r>
+              <a:rPr lang="en-US" dirty="0"/>
+              <a:t>Epitopes</a:t>
+            </a:r>
+          </a:p>
+          <a:p>
+            <a:pPr algn="ctr"/>
+            <a:r>
+              <a:rPr lang="en-US" dirty="0"/>
+              <a:t>Without </a:t>
+            </a:r>
+            <a:r>
+              <a:rPr lang="en-US" dirty="0" err="1"/>
+              <a:t>Cys</a:t>
+            </a:r>
+            <a:r>
+              <a:rPr lang="en-US" dirty="0"/>
+              <a:t>, having Leu</a:t>
+            </a:r>
+          </a:p>
+        </p:txBody>
+      </p:sp>
+      <p:sp>
+        <p:nvSpPr>
+          <p:cNvPr id="6" name="Rectangle 5">
+            <a:extLst>
+              <a:ext uri="{FF2B5EF4-FFF2-40B4-BE49-F238E27FC236}">
+                <a16:creationId xmlns:a16="http://schemas.microsoft.com/office/drawing/2014/main" id="{98870C0B-CBA2-7332-97DC-928E4E83FEE2}"/>
+              </a:ext>
+            </a:extLst>
+          </p:cNvPr>
+          <p:cNvSpPr/>
+          <p:nvPr/>
+        </p:nvSpPr>
+        <p:spPr>
+          <a:xfrm>
+            <a:off x="6402421" y="3069856"/>
+            <a:ext cx="2519464" cy="625642"/>
+          </a:xfrm>
+          <a:prstGeom prst="rect">
+            <a:avLst/>
+          </a:prstGeom>
+        </p:spPr>
+        <p:style>
+          <a:lnRef idx="2">
+            <a:schemeClr val="accent3">
+              <a:shade val="15000"/>
+            </a:schemeClr>
+          </a:lnRef>
+          <a:fillRef idx="1">
+            <a:schemeClr val="accent3"/>
+          </a:fillRef>
+          <a:effectRef idx="0">
+            <a:schemeClr val="accent3"/>
+          </a:effectRef>
+          <a:fontRef idx="minor">
+            <a:schemeClr val="lt1"/>
+          </a:fontRef>
+        </p:style>
+        <p:txBody>
+          <a:bodyPr rtlCol="0" anchor="ctr"/>
+          <a:lstStyle/>
+          <a:p>
+            <a:pPr algn="ctr"/>
+            <a:r>
+              <a:rPr lang="en-US" dirty="0"/>
+              <a:t>Epitopes</a:t>
+            </a:r>
+          </a:p>
+          <a:p>
+            <a:pPr algn="ctr"/>
+            <a:r>
+              <a:rPr lang="en-US" dirty="0"/>
+              <a:t>Having </a:t>
+            </a:r>
+            <a:r>
+              <a:rPr lang="en-US" dirty="0" err="1"/>
+              <a:t>Cys</a:t>
+            </a:r>
+            <a:r>
+              <a:rPr lang="en-US" dirty="0"/>
+              <a:t>, without Leu</a:t>
+            </a:r>
+          </a:p>
+        </p:txBody>
+      </p:sp>
+      <p:cxnSp>
+        <p:nvCxnSpPr>
+          <p:cNvPr id="10" name="Connector: Elbow 9">
+            <a:extLst>
+              <a:ext uri="{FF2B5EF4-FFF2-40B4-BE49-F238E27FC236}">
+                <a16:creationId xmlns:a16="http://schemas.microsoft.com/office/drawing/2014/main" id="{24A1E76F-D0E6-B0BC-AB20-E435392823B0}"/>
+              </a:ext>
+            </a:extLst>
+          </p:cNvPr>
+          <p:cNvCxnSpPr>
+            <a:stCxn id="4" idx="2"/>
+            <a:endCxn id="5" idx="0"/>
+          </p:cNvCxnSpPr>
+          <p:nvPr/>
+        </p:nvCxnSpPr>
+        <p:spPr>
+          <a:xfrm rot="5400000">
+            <a:off x="5007802" y="2022663"/>
+            <a:ext cx="703805" cy="1390581"/>
+          </a:xfrm>
+          <a:prstGeom prst="bentConnector3">
+            <a:avLst/>
+          </a:prstGeom>
+          <a:ln>
+            <a:tailEnd type="triangle"/>
+          </a:ln>
+        </p:spPr>
+        <p:style>
+          <a:lnRef idx="1">
+            <a:schemeClr val="accent1"/>
+          </a:lnRef>
+          <a:fillRef idx="0">
+            <a:schemeClr val="accent1"/>
+          </a:fillRef>
+          <a:effectRef idx="0">
+            <a:schemeClr val="accent1"/>
+          </a:effectRef>
+          <a:fontRef idx="minor">
+            <a:schemeClr val="tx1"/>
+          </a:fontRef>
+        </p:style>
+      </p:cxnSp>
+      <p:cxnSp>
+        <p:nvCxnSpPr>
+          <p:cNvPr id="12" name="Connector: Elbow 11">
+            <a:extLst>
+              <a:ext uri="{FF2B5EF4-FFF2-40B4-BE49-F238E27FC236}">
+                <a16:creationId xmlns:a16="http://schemas.microsoft.com/office/drawing/2014/main" id="{9F3B0567-E844-27FA-CE2C-7B5233293EE7}"/>
+              </a:ext>
+            </a:extLst>
+          </p:cNvPr>
+          <p:cNvCxnSpPr>
+            <a:cxnSpLocks/>
+            <a:stCxn id="4" idx="2"/>
+            <a:endCxn id="6" idx="0"/>
+          </p:cNvCxnSpPr>
+          <p:nvPr/>
+        </p:nvCxnSpPr>
+        <p:spPr>
+          <a:xfrm rot="16200000" flipH="1">
+            <a:off x="6506671" y="1914373"/>
+            <a:ext cx="703805" cy="1607159"/>
+          </a:xfrm>
+          <a:prstGeom prst="bentConnector3">
+            <a:avLst>
+              <a:gd name="adj1" fmla="val 50000"/>
+            </a:avLst>
+          </a:prstGeom>
+          <a:ln>
+            <a:tailEnd type="triangle"/>
+          </a:ln>
+        </p:spPr>
+        <p:style>
+          <a:lnRef idx="1">
+            <a:schemeClr val="accent1"/>
+          </a:lnRef>
+          <a:fillRef idx="0">
+            <a:schemeClr val="accent1"/>
+          </a:fillRef>
+          <a:effectRef idx="0">
+            <a:schemeClr val="accent1"/>
+          </a:effectRef>
+          <a:fontRef idx="minor">
+            <a:schemeClr val="tx1"/>
+          </a:fontRef>
+        </p:style>
+      </p:cxnSp>
+      <p:sp>
+        <p:nvSpPr>
+          <p:cNvPr id="15" name="Rectangle 14">
+            <a:extLst>
+              <a:ext uri="{FF2B5EF4-FFF2-40B4-BE49-F238E27FC236}">
+                <a16:creationId xmlns:a16="http://schemas.microsoft.com/office/drawing/2014/main" id="{49DD8D3F-C1CB-E3F6-4C60-E239804858CD}"/>
+              </a:ext>
+            </a:extLst>
+          </p:cNvPr>
+          <p:cNvSpPr/>
+          <p:nvPr/>
+        </p:nvSpPr>
+        <p:spPr>
+          <a:xfrm>
+            <a:off x="4681029" y="4535115"/>
+            <a:ext cx="3820945" cy="625642"/>
+          </a:xfrm>
+          <a:prstGeom prst="rect">
+            <a:avLst/>
+          </a:prstGeom>
+        </p:spPr>
+        <p:style>
+          <a:lnRef idx="2">
+            <a:schemeClr val="accent3">
+              <a:shade val="15000"/>
+            </a:schemeClr>
+          </a:lnRef>
+          <a:fillRef idx="1">
+            <a:schemeClr val="accent3"/>
+          </a:fillRef>
+          <a:effectRef idx="0">
+            <a:schemeClr val="accent3"/>
+          </a:effectRef>
+          <a:fontRef idx="minor">
+            <a:schemeClr val="lt1"/>
+          </a:fontRef>
+        </p:style>
+        <p:txBody>
+          <a:bodyPr rtlCol="0" anchor="ctr"/>
+          <a:lstStyle/>
+          <a:p>
+            <a:pPr algn="ctr"/>
+            <a:r>
+              <a:rPr lang="en-US" dirty="0"/>
+              <a:t>ANN model (I or II), RNN model (I or II)</a:t>
+            </a:r>
+          </a:p>
+        </p:txBody>
+      </p:sp>
+      <p:cxnSp>
+        <p:nvCxnSpPr>
+          <p:cNvPr id="20" name="Straight Arrow Connector 19">
+            <a:extLst>
+              <a:ext uri="{FF2B5EF4-FFF2-40B4-BE49-F238E27FC236}">
+                <a16:creationId xmlns:a16="http://schemas.microsoft.com/office/drawing/2014/main" id="{CBC943B7-E6F6-130C-AD27-EF5429F8D055}"/>
+              </a:ext>
+            </a:extLst>
+          </p:cNvPr>
+          <p:cNvCxnSpPr>
+            <a:cxnSpLocks/>
+            <a:stCxn id="15" idx="2"/>
+            <a:endCxn id="23" idx="0"/>
+          </p:cNvCxnSpPr>
+          <p:nvPr/>
+        </p:nvCxnSpPr>
+        <p:spPr>
+          <a:xfrm flipH="1">
+            <a:off x="6591501" y="5160757"/>
+            <a:ext cx="1" cy="503106"/>
+          </a:xfrm>
+          <a:prstGeom prst="straightConnector1">
+            <a:avLst/>
+          </a:prstGeom>
+          <a:ln>
+            <a:tailEnd type="triangle"/>
+          </a:ln>
+        </p:spPr>
+        <p:style>
+          <a:lnRef idx="1">
+            <a:schemeClr val="accent1"/>
+          </a:lnRef>
+          <a:fillRef idx="0">
+            <a:schemeClr val="accent1"/>
+          </a:fillRef>
+          <a:effectRef idx="0">
+            <a:schemeClr val="accent1"/>
+          </a:effectRef>
+          <a:fontRef idx="minor">
+            <a:schemeClr val="tx1"/>
+          </a:fontRef>
+        </p:style>
+      </p:cxnSp>
+      <p:sp>
+        <p:nvSpPr>
+          <p:cNvPr id="22" name="Rectangle 21">
+            <a:extLst>
+              <a:ext uri="{FF2B5EF4-FFF2-40B4-BE49-F238E27FC236}">
+                <a16:creationId xmlns:a16="http://schemas.microsoft.com/office/drawing/2014/main" id="{789C6B5A-A88C-80B4-3EFB-D7CB193509DE}"/>
+              </a:ext>
+            </a:extLst>
+          </p:cNvPr>
+          <p:cNvSpPr/>
+          <p:nvPr/>
+        </p:nvSpPr>
+        <p:spPr>
+          <a:xfrm>
+            <a:off x="1593714" y="2382155"/>
+            <a:ext cx="1314043" cy="536403"/>
+          </a:xfrm>
+          <a:prstGeom prst="rect">
+            <a:avLst/>
+          </a:prstGeom>
+        </p:spPr>
+        <p:style>
+          <a:lnRef idx="2">
+            <a:schemeClr val="accent3">
+              <a:shade val="15000"/>
+            </a:schemeClr>
+          </a:lnRef>
+          <a:fillRef idx="1">
+            <a:schemeClr val="accent3"/>
+          </a:fillRef>
+          <a:effectRef idx="0">
+            <a:schemeClr val="accent3"/>
+          </a:effectRef>
+          <a:fontRef idx="minor">
+            <a:schemeClr val="lt1"/>
+          </a:fontRef>
+        </p:style>
+        <p:txBody>
+          <a:bodyPr rtlCol="0" anchor="ctr"/>
+          <a:lstStyle/>
+          <a:p>
+            <a:pPr algn="ctr"/>
+            <a:r>
+              <a:rPr lang="en-US" dirty="0"/>
+              <a:t>Filter</a:t>
+            </a:r>
+          </a:p>
+        </p:txBody>
+      </p:sp>
+      <p:sp>
+        <p:nvSpPr>
+          <p:cNvPr id="23" name="Rectangle 22">
+            <a:extLst>
+              <a:ext uri="{FF2B5EF4-FFF2-40B4-BE49-F238E27FC236}">
+                <a16:creationId xmlns:a16="http://schemas.microsoft.com/office/drawing/2014/main" id="{C255BC12-786D-4419-08E9-198A4EA4E7DB}"/>
+              </a:ext>
+            </a:extLst>
+          </p:cNvPr>
+          <p:cNvSpPr/>
+          <p:nvPr/>
+        </p:nvSpPr>
+        <p:spPr>
+          <a:xfrm>
+            <a:off x="5934479" y="5663863"/>
+            <a:ext cx="1314043" cy="536403"/>
+          </a:xfrm>
+          <a:prstGeom prst="rect">
+            <a:avLst/>
+          </a:prstGeom>
+        </p:spPr>
+        <p:style>
+          <a:lnRef idx="2">
+            <a:schemeClr val="accent3">
+              <a:shade val="15000"/>
+            </a:schemeClr>
+          </a:lnRef>
+          <a:fillRef idx="1">
+            <a:schemeClr val="accent3"/>
+          </a:fillRef>
+          <a:effectRef idx="0">
+            <a:schemeClr val="accent3"/>
+          </a:effectRef>
+          <a:fontRef idx="minor">
+            <a:schemeClr val="lt1"/>
+          </a:fontRef>
+        </p:style>
+        <p:txBody>
+          <a:bodyPr rtlCol="0" anchor="ctr"/>
+          <a:lstStyle/>
+          <a:p>
+            <a:pPr algn="ctr"/>
+            <a:r>
+              <a:rPr lang="en-US" dirty="0"/>
+              <a:t>Prediction</a:t>
+            </a:r>
+          </a:p>
+        </p:txBody>
+      </p:sp>
+      <p:cxnSp>
+        <p:nvCxnSpPr>
+          <p:cNvPr id="25" name="Connector: Elbow 24">
+            <a:extLst>
+              <a:ext uri="{FF2B5EF4-FFF2-40B4-BE49-F238E27FC236}">
+                <a16:creationId xmlns:a16="http://schemas.microsoft.com/office/drawing/2014/main" id="{5A8763F5-DF88-45A2-9627-559E25EF9425}"/>
+              </a:ext>
+            </a:extLst>
+          </p:cNvPr>
+          <p:cNvCxnSpPr>
+            <a:cxnSpLocks/>
+            <a:stCxn id="6" idx="2"/>
+            <a:endCxn id="15" idx="0"/>
+          </p:cNvCxnSpPr>
+          <p:nvPr/>
+        </p:nvCxnSpPr>
+        <p:spPr>
+          <a:xfrm rot="5400000">
+            <a:off x="6707020" y="3579981"/>
+            <a:ext cx="839617" cy="1070651"/>
+          </a:xfrm>
+          <a:prstGeom prst="bentConnector3">
+            <a:avLst/>
+          </a:prstGeom>
+          <a:ln>
+            <a:tailEnd type="triangle"/>
+          </a:ln>
+        </p:spPr>
+        <p:style>
+          <a:lnRef idx="1">
+            <a:schemeClr val="accent1"/>
+          </a:lnRef>
+          <a:fillRef idx="0">
+            <a:schemeClr val="accent1"/>
+          </a:fillRef>
+          <a:effectRef idx="0">
+            <a:schemeClr val="accent1"/>
+          </a:effectRef>
+          <a:fontRef idx="minor">
+            <a:schemeClr val="tx1"/>
+          </a:fontRef>
+        </p:style>
+      </p:cxnSp>
+      <p:cxnSp>
+        <p:nvCxnSpPr>
+          <p:cNvPr id="29" name="Straight Connector 28">
+            <a:extLst>
+              <a:ext uri="{FF2B5EF4-FFF2-40B4-BE49-F238E27FC236}">
+                <a16:creationId xmlns:a16="http://schemas.microsoft.com/office/drawing/2014/main" id="{E8F69D0B-0062-D5D4-B430-F752AB168B71}"/>
+              </a:ext>
+            </a:extLst>
+          </p:cNvPr>
+          <p:cNvCxnSpPr>
+            <a:stCxn id="22" idx="3"/>
+          </p:cNvCxnSpPr>
+          <p:nvPr/>
+        </p:nvCxnSpPr>
+        <p:spPr>
+          <a:xfrm flipV="1">
+            <a:off x="2907757" y="2650356"/>
+            <a:ext cx="3147237" cy="1"/>
+          </a:xfrm>
+          <a:prstGeom prst="line">
+            <a:avLst/>
+          </a:prstGeom>
+        </p:spPr>
+        <p:style>
+          <a:lnRef idx="1">
+            <a:schemeClr val="accent1"/>
+          </a:lnRef>
+          <a:fillRef idx="0">
+            <a:schemeClr val="accent1"/>
+          </a:fillRef>
+          <a:effectRef idx="0">
+            <a:schemeClr val="accent1"/>
+          </a:effectRef>
+          <a:fontRef idx="minor">
+            <a:schemeClr val="tx1"/>
+          </a:fontRef>
+        </p:style>
+      </p:cxnSp>
+      <p:cxnSp>
+        <p:nvCxnSpPr>
+          <p:cNvPr id="31" name="Connector: Elbow 30">
+            <a:extLst>
+              <a:ext uri="{FF2B5EF4-FFF2-40B4-BE49-F238E27FC236}">
+                <a16:creationId xmlns:a16="http://schemas.microsoft.com/office/drawing/2014/main" id="{9137BB20-5583-BF82-4921-729B91AE6ABD}"/>
+              </a:ext>
+            </a:extLst>
+          </p:cNvPr>
+          <p:cNvCxnSpPr>
+            <a:cxnSpLocks/>
+            <a:stCxn id="22" idx="2"/>
+            <a:endCxn id="15" idx="1"/>
+          </p:cNvCxnSpPr>
+          <p:nvPr/>
+        </p:nvCxnSpPr>
+        <p:spPr>
+          <a:xfrm rot="16200000" flipH="1">
+            <a:off x="2501193" y="2668100"/>
+            <a:ext cx="1929378" cy="2430293"/>
+          </a:xfrm>
+          <a:prstGeom prst="bentConnector2">
+            <a:avLst/>
+          </a:prstGeom>
+        </p:spPr>
+        <p:style>
+          <a:lnRef idx="1">
+            <a:schemeClr val="accent1"/>
+          </a:lnRef>
+          <a:fillRef idx="0">
+            <a:schemeClr val="accent1"/>
+          </a:fillRef>
+          <a:effectRef idx="0">
+            <a:schemeClr val="accent1"/>
+          </a:effectRef>
+          <a:fontRef idx="minor">
+            <a:schemeClr val="tx1"/>
+          </a:fontRef>
+        </p:style>
+      </p:cxnSp>
+      <p:cxnSp>
+        <p:nvCxnSpPr>
+          <p:cNvPr id="48" name="Connector: Elbow 47">
+            <a:extLst>
+              <a:ext uri="{FF2B5EF4-FFF2-40B4-BE49-F238E27FC236}">
+                <a16:creationId xmlns:a16="http://schemas.microsoft.com/office/drawing/2014/main" id="{4B82F2AB-1F3E-E0F4-6C27-F87828DE0145}"/>
+              </a:ext>
+            </a:extLst>
+          </p:cNvPr>
+          <p:cNvCxnSpPr>
+            <a:cxnSpLocks/>
+            <a:stCxn id="5" idx="2"/>
+            <a:endCxn id="15" idx="0"/>
+          </p:cNvCxnSpPr>
+          <p:nvPr/>
+        </p:nvCxnSpPr>
+        <p:spPr>
+          <a:xfrm rot="16200000" flipH="1">
+            <a:off x="5208149" y="3151761"/>
+            <a:ext cx="839617" cy="1927089"/>
+          </a:xfrm>
+          <a:prstGeom prst="bentConnector3">
+            <a:avLst/>
+          </a:prstGeom>
+          <a:ln>
+            <a:tailEnd type="triangle"/>
+          </a:ln>
+        </p:spPr>
+        <p:style>
+          <a:lnRef idx="1">
+            <a:schemeClr val="accent1"/>
+          </a:lnRef>
+          <a:fillRef idx="0">
+            <a:schemeClr val="accent1"/>
+          </a:fillRef>
+          <a:effectRef idx="0">
+            <a:schemeClr val="accent1"/>
+          </a:effectRef>
+          <a:fontRef idx="minor">
+            <a:schemeClr val="tx1"/>
+          </a:fontRef>
+        </p:style>
+      </p:cxnSp>
+      <p:sp>
+        <p:nvSpPr>
+          <p:cNvPr id="50" name="TextBox 49">
+            <a:extLst>
+              <a:ext uri="{FF2B5EF4-FFF2-40B4-BE49-F238E27FC236}">
+                <a16:creationId xmlns:a16="http://schemas.microsoft.com/office/drawing/2014/main" id="{AB8D6FAE-7F5D-2254-30C9-A9572C7A7C61}"/>
+              </a:ext>
+            </a:extLst>
+          </p:cNvPr>
+          <p:cNvSpPr txBox="1"/>
+          <p:nvPr/>
+        </p:nvSpPr>
+        <p:spPr>
+          <a:xfrm>
+            <a:off x="4664412" y="3724686"/>
+            <a:ext cx="3103735" cy="400110"/>
+          </a:xfrm>
+          <a:prstGeom prst="rect">
+            <a:avLst/>
+          </a:prstGeom>
+          <a:noFill/>
+        </p:spPr>
+        <p:txBody>
+          <a:bodyPr wrap="none" rtlCol="0">
+            <a:spAutoFit/>
+          </a:bodyPr>
+          <a:lstStyle/>
+          <a:p>
+            <a:r>
+              <a:rPr lang="en-US" sz="2000" b="1" dirty="0"/>
+              <a:t>I                                              II</a:t>
+            </a:r>
+          </a:p>
+        </p:txBody>
+      </p:sp>
+    </p:spTree>
+    <p:extLst>
+      <p:ext uri="{BB962C8B-B14F-4D97-AF65-F5344CB8AC3E}">
+        <p14:creationId xmlns:p14="http://schemas.microsoft.com/office/powerpoint/2010/main" val="1025740511"/>
+      </p:ext>
+    </p:extLst>
+  </p:cSld>
+  <p:clrMapOvr>
+    <a:masterClrMapping/>
+  </p:clrMapOvr>
+</p:sld>
+</file>
+
+<file path=ppt/slides/slide28.xml><?xml version="1.0" encoding="utf-8"?>
+<p:sld xmlns:a="http://schemas.openxmlformats.org/drawingml/2006/main" xmlns:r="http://schemas.openxmlformats.org/officeDocument/2006/relationships" xmlns:p="http://schemas.openxmlformats.org/presentationml/2006/main">
+  <p:cSld>
+    <p:spTree>
+      <p:nvGrpSpPr>
+        <p:cNvPr id="1" name=""/>
+        <p:cNvGrpSpPr/>
+        <p:nvPr/>
+      </p:nvGrpSpPr>
+      <p:grpSpPr>
+        <a:xfrm>
+          <a:off x="0" y="0"/>
+          <a:ext cx="0" cy="0"/>
+          <a:chOff x="0" y="0"/>
+          <a:chExt cx="0" cy="0"/>
+        </a:xfrm>
+      </p:grpSpPr>
+      <p:pic>
+        <p:nvPicPr>
+          <p:cNvPr id="10242" name="Picture 2">
+            <a:extLst>
+              <a:ext uri="{FF2B5EF4-FFF2-40B4-BE49-F238E27FC236}">
+                <a16:creationId xmlns:a16="http://schemas.microsoft.com/office/drawing/2014/main" id="{5F082616-29EC-FEE4-754F-433ED37DC5B4}"/>
+              </a:ext>
+            </a:extLst>
+          </p:cNvPr>
+          <p:cNvPicPr>
+            <a:picLocks noChangeAspect="1" noChangeArrowheads="1"/>
+          </p:cNvPicPr>
+          <p:nvPr/>
+        </p:nvPicPr>
+        <p:blipFill rotWithShape="1">
+          <a:blip r:embed="rId3">
+            <a:extLst>
+              <a:ext uri="{28A0092B-C50C-407E-A947-70E740481C1C}">
+                <a14:useLocalDpi xmlns:a14="http://schemas.microsoft.com/office/drawing/2010/main" val="0"/>
+              </a:ext>
+            </a:extLst>
+          </a:blip>
+          <a:srcRect b="14627"/>
+          <a:stretch/>
+        </p:blipFill>
+        <p:spPr bwMode="auto">
+          <a:xfrm>
+            <a:off x="633917" y="1039886"/>
+            <a:ext cx="7027829" cy="2291834"/>
+          </a:xfrm>
+          <a:prstGeom prst="rect">
+            <a:avLst/>
+          </a:prstGeom>
+          <a:noFill/>
+          <a:extLst>
+            <a:ext uri="{909E8E84-426E-40DD-AFC4-6F175D3DCCD1}">
+              <a14:hiddenFill xmlns:a14="http://schemas.microsoft.com/office/drawing/2010/main">
+                <a:solidFill>
+                  <a:srgbClr val="FFFFFF"/>
+                </a:solidFill>
+              </a14:hiddenFill>
+            </a:ext>
+          </a:extLst>
+        </p:spPr>
+      </p:pic>
+      <p:pic>
+        <p:nvPicPr>
+          <p:cNvPr id="10246" name="Picture 6">
+            <a:extLst>
+              <a:ext uri="{FF2B5EF4-FFF2-40B4-BE49-F238E27FC236}">
+                <a16:creationId xmlns:a16="http://schemas.microsoft.com/office/drawing/2014/main" id="{CC960E49-F06A-A44E-1566-70D30146D3A1}"/>
+              </a:ext>
+            </a:extLst>
+          </p:cNvPr>
+          <p:cNvPicPr>
+            <a:picLocks noChangeAspect="1" noChangeArrowheads="1"/>
+          </p:cNvPicPr>
+          <p:nvPr/>
+        </p:nvPicPr>
+        <p:blipFill>
+          <a:blip r:embed="rId4">
+            <a:extLst>
+              <a:ext uri="{28A0092B-C50C-407E-A947-70E740481C1C}">
+                <a14:useLocalDpi xmlns:a14="http://schemas.microsoft.com/office/drawing/2010/main" val="0"/>
+              </a:ext>
+            </a:extLst>
+          </a:blip>
+          <a:srcRect/>
+          <a:stretch>
+            <a:fillRect/>
+          </a:stretch>
+        </p:blipFill>
+        <p:spPr bwMode="auto">
+          <a:xfrm>
+            <a:off x="8581115" y="965642"/>
+            <a:ext cx="3082350" cy="2556490"/>
+          </a:xfrm>
+          <a:prstGeom prst="rect">
+            <a:avLst/>
+          </a:prstGeom>
+          <a:noFill/>
+          <a:extLst>
+            <a:ext uri="{909E8E84-426E-40DD-AFC4-6F175D3DCCD1}">
+              <a14:hiddenFill xmlns:a14="http://schemas.microsoft.com/office/drawing/2010/main">
+                <a:solidFill>
+                  <a:srgbClr val="FFFFFF"/>
+                </a:solidFill>
+              </a14:hiddenFill>
+            </a:ext>
+          </a:extLst>
+        </p:spPr>
+      </p:pic>
+      <p:sp>
+        <p:nvSpPr>
+          <p:cNvPr id="4" name="TextBox 3">
+            <a:extLst>
+              <a:ext uri="{FF2B5EF4-FFF2-40B4-BE49-F238E27FC236}">
+                <a16:creationId xmlns:a16="http://schemas.microsoft.com/office/drawing/2014/main" id="{37762DE3-13BC-3991-5622-2309D096AAAF}"/>
+              </a:ext>
+            </a:extLst>
+          </p:cNvPr>
+          <p:cNvSpPr txBox="1"/>
+          <p:nvPr/>
+        </p:nvSpPr>
+        <p:spPr>
+          <a:xfrm>
+            <a:off x="389105" y="452982"/>
+            <a:ext cx="4655698" cy="400110"/>
+          </a:xfrm>
+          <a:prstGeom prst="rect">
+            <a:avLst/>
+          </a:prstGeom>
+          <a:noFill/>
+        </p:spPr>
+        <p:txBody>
+          <a:bodyPr wrap="none" rtlCol="0">
+            <a:spAutoFit/>
+          </a:bodyPr>
+          <a:lstStyle/>
+          <a:p>
+            <a:r>
+              <a:rPr lang="en-US" sz="2000" b="1" dirty="0"/>
+              <a:t>ANN, Epitopes without </a:t>
+            </a:r>
+            <a:r>
+              <a:rPr lang="en-US" sz="2000" b="1" dirty="0" err="1"/>
+              <a:t>Cys</a:t>
+            </a:r>
+            <a:r>
+              <a:rPr lang="en-US" sz="2000" b="1" dirty="0"/>
+              <a:t> but having Leu</a:t>
+            </a:r>
+          </a:p>
+        </p:txBody>
+      </p:sp>
+      <p:pic>
+        <p:nvPicPr>
+          <p:cNvPr id="10248" name="Picture 8">
+            <a:extLst>
+              <a:ext uri="{FF2B5EF4-FFF2-40B4-BE49-F238E27FC236}">
+                <a16:creationId xmlns:a16="http://schemas.microsoft.com/office/drawing/2014/main" id="{B02F780C-8603-DB72-E1B1-FC5E5785A6D3}"/>
+              </a:ext>
+            </a:extLst>
+          </p:cNvPr>
+          <p:cNvPicPr>
+            <a:picLocks noChangeAspect="1" noChangeArrowheads="1"/>
+          </p:cNvPicPr>
+          <p:nvPr/>
+        </p:nvPicPr>
+        <p:blipFill>
+          <a:blip r:embed="rId5">
+            <a:extLst>
+              <a:ext uri="{28A0092B-C50C-407E-A947-70E740481C1C}">
+                <a14:useLocalDpi xmlns:a14="http://schemas.microsoft.com/office/drawing/2010/main" val="0"/>
+              </a:ext>
+            </a:extLst>
+          </a:blip>
+          <a:srcRect/>
+          <a:stretch>
+            <a:fillRect/>
+          </a:stretch>
+        </p:blipFill>
+        <p:spPr bwMode="auto">
+          <a:xfrm>
+            <a:off x="633917" y="4105418"/>
+            <a:ext cx="7027829" cy="2684488"/>
+          </a:xfrm>
+          <a:prstGeom prst="rect">
+            <a:avLst/>
+          </a:prstGeom>
+          <a:noFill/>
+          <a:extLst>
+            <a:ext uri="{909E8E84-426E-40DD-AFC4-6F175D3DCCD1}">
+              <a14:hiddenFill xmlns:a14="http://schemas.microsoft.com/office/drawing/2010/main">
+                <a:solidFill>
+                  <a:srgbClr val="FFFFFF"/>
+                </a:solidFill>
+              </a14:hiddenFill>
+            </a:ext>
+          </a:extLst>
+        </p:spPr>
+      </p:pic>
+      <p:pic>
+        <p:nvPicPr>
+          <p:cNvPr id="10250" name="Picture 10">
+            <a:extLst>
+              <a:ext uri="{FF2B5EF4-FFF2-40B4-BE49-F238E27FC236}">
+                <a16:creationId xmlns:a16="http://schemas.microsoft.com/office/drawing/2014/main" id="{1C9A01E5-EFD2-D9D9-35FC-D88FD1D03A55}"/>
+              </a:ext>
+            </a:extLst>
+          </p:cNvPr>
+          <p:cNvPicPr>
+            <a:picLocks noChangeAspect="1" noChangeArrowheads="1"/>
+          </p:cNvPicPr>
+          <p:nvPr/>
+        </p:nvPicPr>
+        <p:blipFill>
+          <a:blip r:embed="rId6">
+            <a:extLst>
+              <a:ext uri="{28A0092B-C50C-407E-A947-70E740481C1C}">
+                <a14:useLocalDpi xmlns:a14="http://schemas.microsoft.com/office/drawing/2010/main" val="0"/>
+              </a:ext>
+            </a:extLst>
+          </a:blip>
+          <a:srcRect/>
+          <a:stretch>
+            <a:fillRect/>
+          </a:stretch>
+        </p:blipFill>
+        <p:spPr bwMode="auto">
+          <a:xfrm>
+            <a:off x="8802102" y="4173512"/>
+            <a:ext cx="2861363" cy="2373204"/>
+          </a:xfrm>
+          <a:prstGeom prst="rect">
+            <a:avLst/>
+          </a:prstGeom>
+          <a:noFill/>
+          <a:extLst>
+            <a:ext uri="{909E8E84-426E-40DD-AFC4-6F175D3DCCD1}">
+              <a14:hiddenFill xmlns:a14="http://schemas.microsoft.com/office/drawing/2010/main">
+                <a:solidFill>
+                  <a:srgbClr val="FFFFFF"/>
+                </a:solidFill>
+              </a14:hiddenFill>
+            </a:ext>
+          </a:extLst>
+        </p:spPr>
+      </p:pic>
+      <p:sp>
+        <p:nvSpPr>
+          <p:cNvPr id="5" name="TextBox 4">
+            <a:extLst>
+              <a:ext uri="{FF2B5EF4-FFF2-40B4-BE49-F238E27FC236}">
+                <a16:creationId xmlns:a16="http://schemas.microsoft.com/office/drawing/2014/main" id="{544487FC-6BBC-2989-1AD5-0548868C8C23}"/>
+              </a:ext>
+            </a:extLst>
+          </p:cNvPr>
+          <p:cNvSpPr txBox="1"/>
+          <p:nvPr/>
+        </p:nvSpPr>
+        <p:spPr>
+          <a:xfrm>
+            <a:off x="389105" y="3678729"/>
+            <a:ext cx="4644477" cy="400110"/>
+          </a:xfrm>
+          <a:prstGeom prst="rect">
+            <a:avLst/>
+          </a:prstGeom>
+          <a:noFill/>
+        </p:spPr>
+        <p:txBody>
+          <a:bodyPr wrap="none" rtlCol="0">
+            <a:spAutoFit/>
+          </a:bodyPr>
+          <a:lstStyle/>
+          <a:p>
+            <a:r>
+              <a:rPr lang="en-US" sz="2000" b="1" dirty="0"/>
+              <a:t>RNN, Epitopes without Leu but having </a:t>
+            </a:r>
+            <a:r>
+              <a:rPr lang="en-US" sz="2000" b="1" dirty="0" err="1"/>
+              <a:t>Cys</a:t>
+            </a:r>
+            <a:endParaRPr lang="en-US" sz="2000" b="1" dirty="0"/>
+          </a:p>
+        </p:txBody>
+      </p:sp>
+    </p:spTree>
+    <p:extLst>
+      <p:ext uri="{BB962C8B-B14F-4D97-AF65-F5344CB8AC3E}">
+        <p14:creationId xmlns:p14="http://schemas.microsoft.com/office/powerpoint/2010/main" val="2032708070"/>
+      </p:ext>
+    </p:extLst>
+  </p:cSld>
+  <p:clrMapOvr>
+    <a:masterClrMapping/>
+  </p:clrMapOvr>
+</p:sld>
+</file>
+
+<file path=ppt/slides/slide29.xml><?xml version="1.0" encoding="utf-8"?>
+<p:sld xmlns:a="http://schemas.openxmlformats.org/drawingml/2006/main" xmlns:r="http://schemas.openxmlformats.org/officeDocument/2006/relationships" xmlns:p="http://schemas.openxmlformats.org/presentationml/2006/main">
+  <p:cSld>
+    <p:spTree>
+      <p:nvGrpSpPr>
+        <p:cNvPr id="1" name="">
+          <a:extLst>
+            <a:ext uri="{FF2B5EF4-FFF2-40B4-BE49-F238E27FC236}">
+              <a16:creationId xmlns:a16="http://schemas.microsoft.com/office/drawing/2014/main" id="{F2842508-EC2C-D9C0-649E-EDE1EBE1F4D4}"/>
+            </a:ext>
+          </a:extLst>
+        </p:cNvPr>
+        <p:cNvGrpSpPr/>
+        <p:nvPr/>
+      </p:nvGrpSpPr>
+      <p:grpSpPr>
+        <a:xfrm>
+          <a:off x="0" y="0"/>
+          <a:ext cx="0" cy="0"/>
+          <a:chOff x="0" y="0"/>
+          <a:chExt cx="0" cy="0"/>
+        </a:xfrm>
+      </p:grpSpPr>
+      <p:sp>
+        <p:nvSpPr>
+          <p:cNvPr id="2" name="Title 1">
+            <a:extLst>
+              <a:ext uri="{FF2B5EF4-FFF2-40B4-BE49-F238E27FC236}">
+                <a16:creationId xmlns:a16="http://schemas.microsoft.com/office/drawing/2014/main" id="{C21CE58C-A7E7-09E1-6C3C-EF304504F87C}"/>
+              </a:ext>
+            </a:extLst>
+          </p:cNvPr>
+          <p:cNvSpPr>
+            <a:spLocks noGrp="1"/>
+          </p:cNvSpPr>
+          <p:nvPr>
+            <p:ph type="title"/>
+          </p:nvPr>
+        </p:nvSpPr>
+        <p:spPr>
+          <a:xfrm>
+            <a:off x="838200" y="2766218"/>
+            <a:ext cx="10515600" cy="1325563"/>
+          </a:xfrm>
+        </p:spPr>
+        <p:txBody>
+          <a:bodyPr>
+            <a:normAutofit/>
+          </a:bodyPr>
+          <a:lstStyle/>
+          <a:p>
+            <a:pPr algn="ctr"/>
+            <a:r>
+              <a:rPr lang="en-US" sz="4500" b="1" dirty="0"/>
+              <a:t>Case Study</a:t>
+            </a:r>
+          </a:p>
+        </p:txBody>
+      </p:sp>
+    </p:spTree>
+    <p:extLst>
+      <p:ext uri="{BB962C8B-B14F-4D97-AF65-F5344CB8AC3E}">
+        <p14:creationId xmlns:p14="http://schemas.microsoft.com/office/powerpoint/2010/main" val="303777971"/>
+      </p:ext>
+    </p:extLst>
+  </p:cSld>
+  <p:clrMapOvr>
+    <a:masterClrMapping/>
+  </p:clrMapOvr>
+</p:sld>
+</file>
+
+<file path=ppt/slides/slide3.xml><?xml version="1.0" encoding="utf-8"?>
+<p:sld xmlns:a="http://schemas.openxmlformats.org/drawingml/2006/main" xmlns:r="http://schemas.openxmlformats.org/officeDocument/2006/relationships" xmlns:p="http://schemas.openxmlformats.org/presentationml/2006/main">
+  <p:cSld>
+    <p:spTree>
+      <p:nvGrpSpPr>
+        <p:cNvPr id="1" name=""/>
+        <p:cNvGrpSpPr/>
+        <p:nvPr/>
+      </p:nvGrpSpPr>
+      <p:grpSpPr>
+        <a:xfrm>
+          <a:off x="0" y="0"/>
+          <a:ext cx="0" cy="0"/>
+          <a:chOff x="0" y="0"/>
+          <a:chExt cx="0" cy="0"/>
+        </a:xfrm>
+      </p:grpSpPr>
+      <p:sp>
+        <p:nvSpPr>
+          <p:cNvPr id="2" name="Title 1">
+            <a:extLst>
+              <a:ext uri="{FF2B5EF4-FFF2-40B4-BE49-F238E27FC236}">
+                <a16:creationId xmlns:a16="http://schemas.microsoft.com/office/drawing/2014/main" id="{90D09958-6DBB-0B59-8C8E-D0A44D53609E}"/>
+              </a:ext>
+            </a:extLst>
+          </p:cNvPr>
+          <p:cNvSpPr>
+            <a:spLocks noGrp="1"/>
+          </p:cNvSpPr>
+          <p:nvPr>
+            <p:ph type="title"/>
+          </p:nvPr>
+        </p:nvSpPr>
+        <p:spPr/>
+        <p:txBody>
+          <a:bodyPr>
+            <a:normAutofit/>
+          </a:bodyPr>
+          <a:lstStyle/>
+          <a:p>
+            <a:pPr algn="ctr"/>
+            <a:r>
+              <a:rPr lang="en-US" sz="4000" dirty="0"/>
+              <a:t>Do we need epitope prediction?</a:t>
+            </a:r>
+          </a:p>
+        </p:txBody>
+      </p:sp>
+      <p:sp>
+        <p:nvSpPr>
+          <p:cNvPr id="3" name="Content Placeholder 2">
+            <a:extLst>
+              <a:ext uri="{FF2B5EF4-FFF2-40B4-BE49-F238E27FC236}">
+                <a16:creationId xmlns:a16="http://schemas.microsoft.com/office/drawing/2014/main" id="{06B3E6FA-C35D-1C60-DF1A-099E01DE4037}"/>
+              </a:ext>
+            </a:extLst>
+          </p:cNvPr>
+          <p:cNvSpPr>
+            <a:spLocks noGrp="1"/>
+          </p:cNvSpPr>
+          <p:nvPr>
+            <p:ph idx="1"/>
+          </p:nvPr>
+        </p:nvSpPr>
+        <p:spPr/>
+        <p:txBody>
+          <a:bodyPr/>
+          <a:lstStyle/>
+          <a:p>
+            <a:r>
+              <a:rPr lang="en-US" dirty="0"/>
+              <a:t>Discover antibody clone for therapeutic intent.</a:t>
+            </a:r>
+          </a:p>
+          <a:p>
+            <a:r>
+              <a:rPr lang="en-US" dirty="0"/>
+              <a:t>Discover potential mutation site for overcoming drug resistance.</a:t>
+            </a:r>
+          </a:p>
+          <a:p>
+            <a:r>
+              <a:rPr lang="en-US" dirty="0"/>
+              <a:t>Design mutation sites for assessing antibodies.</a:t>
+            </a:r>
+          </a:p>
+          <a:p>
+            <a:r>
+              <a:rPr lang="en-US" dirty="0"/>
+              <a:t>Produce antibodies.</a:t>
+            </a:r>
+          </a:p>
+          <a:p>
+            <a:r>
+              <a:rPr lang="en-US" dirty="0"/>
+              <a:t>Optimize antibody discovery system.</a:t>
+            </a:r>
+          </a:p>
+        </p:txBody>
+      </p:sp>
+    </p:spTree>
+    <p:extLst>
+      <p:ext uri="{BB962C8B-B14F-4D97-AF65-F5344CB8AC3E}">
+        <p14:creationId xmlns:p14="http://schemas.microsoft.com/office/powerpoint/2010/main" val="3691249187"/>
+      </p:ext>
+    </p:extLst>
+  </p:cSld>
+  <p:clrMapOvr>
+    <a:masterClrMapping/>
+  </p:clrMapOvr>
+</p:sld>
+</file>
+
+<file path=ppt/slides/slide30.xml><?xml version="1.0" encoding="utf-8"?>
 <p:sld xmlns:a="http://schemas.openxmlformats.org/drawingml/2006/main" xmlns:r="http://schemas.openxmlformats.org/officeDocument/2006/relationships" xmlns:p="http://schemas.openxmlformats.org/presentationml/2006/main">
   <p:cSld>
     <p:spTree>
@@ -9384,7 +12846,7 @@
 </p:sld>
 </file>
 
-<file path=ppt/slides/slide21.xml><?xml version="1.0" encoding="utf-8"?>
+<file path=ppt/slides/slide31.xml><?xml version="1.0" encoding="utf-8"?>
 <p:sld xmlns:a="http://schemas.openxmlformats.org/drawingml/2006/main" xmlns:r="http://schemas.openxmlformats.org/officeDocument/2006/relationships" xmlns:p="http://schemas.openxmlformats.org/presentationml/2006/main">
   <p:cSld>
     <p:spTree>
@@ -9538,7 +13000,7 @@
 </p:sld>
 </file>
 
-<file path=ppt/slides/slide22.xml><?xml version="1.0" encoding="utf-8"?>
+<file path=ppt/slides/slide32.xml><?xml version="1.0" encoding="utf-8"?>
 <p:sld xmlns:a="http://schemas.openxmlformats.org/drawingml/2006/main" xmlns:r="http://schemas.openxmlformats.org/officeDocument/2006/relationships" xmlns:p="http://schemas.openxmlformats.org/presentationml/2006/main">
   <p:cSld>
     <p:spTree>
@@ -9696,7 +13158,7 @@
 </p:sld>
 </file>
 
-<file path=ppt/slides/slide23.xml><?xml version="1.0" encoding="utf-8"?>
+<file path=ppt/slides/slide33.xml><?xml version="1.0" encoding="utf-8"?>
 <p:sld xmlns:a="http://schemas.openxmlformats.org/drawingml/2006/main" xmlns:r="http://schemas.openxmlformats.org/officeDocument/2006/relationships" xmlns:p="http://schemas.openxmlformats.org/presentationml/2006/main">
   <p:cSld>
     <p:spTree>
@@ -9845,7 +13307,7 @@
 </p:sld>
 </file>
 
-<file path=ppt/slides/slide24.xml><?xml version="1.0" encoding="utf-8"?>
+<file path=ppt/slides/slide34.xml><?xml version="1.0" encoding="utf-8"?>
 <p:sld xmlns:a="http://schemas.openxmlformats.org/drawingml/2006/main" xmlns:r="http://schemas.openxmlformats.org/officeDocument/2006/relationships" xmlns:p="http://schemas.openxmlformats.org/presentationml/2006/main">
   <p:cSld>
     <p:spTree>
@@ -9942,7 +13404,7 @@
 </p:sld>
 </file>
 
-<file path=ppt/slides/slide25.xml><?xml version="1.0" encoding="utf-8"?>
+<file path=ppt/slides/slide35.xml><?xml version="1.0" encoding="utf-8"?>
 <p:sld xmlns:a="http://schemas.openxmlformats.org/drawingml/2006/main" xmlns:r="http://schemas.openxmlformats.org/officeDocument/2006/relationships" xmlns:p="http://schemas.openxmlformats.org/presentationml/2006/main">
   <p:cSld>
     <p:spTree>
@@ -10084,7 +13546,7 @@
 </p:sld>
 </file>
 
-<file path=ppt/slides/slide26.xml><?xml version="1.0" encoding="utf-8"?>
+<file path=ppt/slides/slide36.xml><?xml version="1.0" encoding="utf-8"?>
 <p:sld xmlns:a="http://schemas.openxmlformats.org/drawingml/2006/main" xmlns:r="http://schemas.openxmlformats.org/officeDocument/2006/relationships" xmlns:p="http://schemas.openxmlformats.org/presentationml/2006/main">
   <p:cSld>
     <p:spTree>
@@ -10163,119 +13625,6 @@
     <p:extLst>
       <p:ext uri="{BB962C8B-B14F-4D97-AF65-F5344CB8AC3E}">
         <p14:creationId xmlns:p14="http://schemas.microsoft.com/office/powerpoint/2010/main" val="4280171745"/>
-      </p:ext>
-    </p:extLst>
-  </p:cSld>
-  <p:clrMapOvr>
-    <a:masterClrMapping/>
-  </p:clrMapOvr>
-</p:sld>
-</file>
-
-<file path=ppt/slides/slide3.xml><?xml version="1.0" encoding="utf-8"?>
-<p:sld xmlns:a="http://schemas.openxmlformats.org/drawingml/2006/main" xmlns:r="http://schemas.openxmlformats.org/officeDocument/2006/relationships" xmlns:p="http://schemas.openxmlformats.org/presentationml/2006/main">
-  <p:cSld>
-    <p:spTree>
-      <p:nvGrpSpPr>
-        <p:cNvPr id="1" name=""/>
-        <p:cNvGrpSpPr/>
-        <p:nvPr/>
-      </p:nvGrpSpPr>
-      <p:grpSpPr>
-        <a:xfrm>
-          <a:off x="0" y="0"/>
-          <a:ext cx="0" cy="0"/>
-          <a:chOff x="0" y="0"/>
-          <a:chExt cx="0" cy="0"/>
-        </a:xfrm>
-      </p:grpSpPr>
-      <p:sp>
-        <p:nvSpPr>
-          <p:cNvPr id="2" name="Title 1">
-            <a:extLst>
-              <a:ext uri="{FF2B5EF4-FFF2-40B4-BE49-F238E27FC236}">
-                <a16:creationId xmlns:a16="http://schemas.microsoft.com/office/drawing/2014/main" id="{90D09958-6DBB-0B59-8C8E-D0A44D53609E}"/>
-              </a:ext>
-            </a:extLst>
-          </p:cNvPr>
-          <p:cNvSpPr>
-            <a:spLocks noGrp="1"/>
-          </p:cNvSpPr>
-          <p:nvPr>
-            <p:ph type="title"/>
-          </p:nvPr>
-        </p:nvSpPr>
-        <p:spPr/>
-        <p:txBody>
-          <a:bodyPr>
-            <a:normAutofit/>
-          </a:bodyPr>
-          <a:lstStyle/>
-          <a:p>
-            <a:pPr algn="ctr"/>
-            <a:r>
-              <a:rPr lang="en-US" sz="4000" dirty="0"/>
-              <a:t>Do we need epitope prediction?</a:t>
-            </a:r>
-          </a:p>
-        </p:txBody>
-      </p:sp>
-      <p:sp>
-        <p:nvSpPr>
-          <p:cNvPr id="3" name="Content Placeholder 2">
-            <a:extLst>
-              <a:ext uri="{FF2B5EF4-FFF2-40B4-BE49-F238E27FC236}">
-                <a16:creationId xmlns:a16="http://schemas.microsoft.com/office/drawing/2014/main" id="{06B3E6FA-C35D-1C60-DF1A-099E01DE4037}"/>
-              </a:ext>
-            </a:extLst>
-          </p:cNvPr>
-          <p:cNvSpPr>
-            <a:spLocks noGrp="1"/>
-          </p:cNvSpPr>
-          <p:nvPr>
-            <p:ph idx="1"/>
-          </p:nvPr>
-        </p:nvSpPr>
-        <p:spPr/>
-        <p:txBody>
-          <a:bodyPr/>
-          <a:lstStyle/>
-          <a:p>
-            <a:r>
-              <a:rPr lang="en-US" dirty="0"/>
-              <a:t>Discover antibody clone for therapeutic intent.</a:t>
-            </a:r>
-          </a:p>
-          <a:p>
-            <a:r>
-              <a:rPr lang="en-US" dirty="0"/>
-              <a:t>Discover potential mutation site for overcoming drug resistance.</a:t>
-            </a:r>
-          </a:p>
-          <a:p>
-            <a:r>
-              <a:rPr lang="en-US" dirty="0"/>
-              <a:t>Design mutation sites for assessing antibodies.</a:t>
-            </a:r>
-          </a:p>
-          <a:p>
-            <a:r>
-              <a:rPr lang="en-US" dirty="0"/>
-              <a:t>Produce antibodies.</a:t>
-            </a:r>
-          </a:p>
-          <a:p>
-            <a:r>
-              <a:rPr lang="en-US" dirty="0"/>
-              <a:t>Optimize antibody discovery system.</a:t>
-            </a:r>
-          </a:p>
-        </p:txBody>
-      </p:sp>
-    </p:spTree>
-    <p:extLst>
-      <p:ext uri="{BB962C8B-B14F-4D97-AF65-F5344CB8AC3E}">
-        <p14:creationId xmlns:p14="http://schemas.microsoft.com/office/powerpoint/2010/main" val="3691249187"/>
       </p:ext>
     </p:extLst>
   </p:cSld>
@@ -10939,6 +14288,109 @@
           <p:cNvPr id="2" name="Title 1">
             <a:extLst>
               <a:ext uri="{FF2B5EF4-FFF2-40B4-BE49-F238E27FC236}">
+                <a16:creationId xmlns:a16="http://schemas.microsoft.com/office/drawing/2014/main" id="{B94159C6-BFE4-1BB5-D8B2-B6632A847BAD}"/>
+              </a:ext>
+            </a:extLst>
+          </p:cNvPr>
+          <p:cNvSpPr>
+            <a:spLocks noGrp="1"/>
+          </p:cNvSpPr>
+          <p:nvPr>
+            <p:ph type="title"/>
+          </p:nvPr>
+        </p:nvSpPr>
+        <p:spPr>
+          <a:xfrm>
+            <a:off x="740923" y="1425440"/>
+            <a:ext cx="10515600" cy="1325563"/>
+          </a:xfrm>
+        </p:spPr>
+        <p:txBody>
+          <a:bodyPr>
+            <a:normAutofit/>
+          </a:bodyPr>
+          <a:lstStyle/>
+          <a:p>
+            <a:pPr algn="ctr"/>
+            <a:r>
+              <a:rPr lang="en-US" sz="3000" dirty="0"/>
+              <a:t>ANN Predictor: Physical-chemical Properties and</a:t>
+            </a:r>
+            <a:br>
+              <a:rPr lang="en-US" sz="3000" dirty="0"/>
+            </a:br>
+            <a:r>
+              <a:rPr lang="en-US" sz="3000" dirty="0"/>
+              <a:t>Frequencies of Amino Acids</a:t>
+            </a:r>
+          </a:p>
+        </p:txBody>
+      </p:sp>
+      <p:sp>
+        <p:nvSpPr>
+          <p:cNvPr id="3" name="Content Placeholder 2">
+            <a:extLst>
+              <a:ext uri="{FF2B5EF4-FFF2-40B4-BE49-F238E27FC236}">
+                <a16:creationId xmlns:a16="http://schemas.microsoft.com/office/drawing/2014/main" id="{10C51E55-44B5-4AE7-F372-FCD8D13DA3C8}"/>
+              </a:ext>
+            </a:extLst>
+          </p:cNvPr>
+          <p:cNvSpPr>
+            <a:spLocks noGrp="1"/>
+          </p:cNvSpPr>
+          <p:nvPr>
+            <p:ph idx="1"/>
+          </p:nvPr>
+        </p:nvSpPr>
+        <p:spPr>
+          <a:xfrm>
+            <a:off x="838200" y="4474723"/>
+            <a:ext cx="10515600" cy="1702240"/>
+          </a:xfrm>
+        </p:spPr>
+        <p:txBody>
+          <a:bodyPr/>
+          <a:lstStyle/>
+          <a:p>
+            <a:endParaRPr lang="en-US" dirty="0"/>
+          </a:p>
+        </p:txBody>
+      </p:sp>
+    </p:spTree>
+    <p:extLst>
+      <p:ext uri="{BB962C8B-B14F-4D97-AF65-F5344CB8AC3E}">
+        <p14:creationId xmlns:p14="http://schemas.microsoft.com/office/powerpoint/2010/main" val="1805380525"/>
+      </p:ext>
+    </p:extLst>
+  </p:cSld>
+  <p:clrMapOvr>
+    <a:masterClrMapping/>
+  </p:clrMapOvr>
+</p:sld>
+</file>
+
+<file path=ppt/slides/slide8.xml><?xml version="1.0" encoding="utf-8"?>
+<p:sld xmlns:a="http://schemas.openxmlformats.org/drawingml/2006/main" xmlns:r="http://schemas.openxmlformats.org/officeDocument/2006/relationships" xmlns:p="http://schemas.openxmlformats.org/presentationml/2006/main">
+  <p:cSld>
+    <p:spTree>
+      <p:nvGrpSpPr>
+        <p:cNvPr id="1" name=""/>
+        <p:cNvGrpSpPr/>
+        <p:nvPr/>
+      </p:nvGrpSpPr>
+      <p:grpSpPr>
+        <a:xfrm>
+          <a:off x="0" y="0"/>
+          <a:ext cx="0" cy="0"/>
+          <a:chOff x="0" y="0"/>
+          <a:chExt cx="0" cy="0"/>
+        </a:xfrm>
+      </p:grpSpPr>
+      <p:sp>
+        <p:nvSpPr>
+          <p:cNvPr id="2" name="Title 1">
+            <a:extLst>
+              <a:ext uri="{FF2B5EF4-FFF2-40B4-BE49-F238E27FC236}">
                 <a16:creationId xmlns:a16="http://schemas.microsoft.com/office/drawing/2014/main" id="{F0DD989C-E531-0241-6E69-BC0B34C2A60A}"/>
               </a:ext>
             </a:extLst>
@@ -11170,7 +14622,7 @@
 </p:sld>
 </file>
 
-<file path=ppt/slides/slide8.xml><?xml version="1.0" encoding="utf-8"?>
+<file path=ppt/slides/slide9.xml><?xml version="1.0" encoding="utf-8"?>
 <p:sld xmlns:a="http://schemas.openxmlformats.org/drawingml/2006/main" xmlns:r="http://schemas.openxmlformats.org/officeDocument/2006/relationships" xmlns:p="http://schemas.openxmlformats.org/presentationml/2006/main">
   <p:cSld>
     <p:spTree>
@@ -11584,124 +15036,6 @@
     <p:extLst>
       <p:ext uri="{BB962C8B-B14F-4D97-AF65-F5344CB8AC3E}">
         <p14:creationId xmlns:p14="http://schemas.microsoft.com/office/powerpoint/2010/main" val="484748715"/>
-      </p:ext>
-    </p:extLst>
-  </p:cSld>
-  <p:clrMapOvr>
-    <a:masterClrMapping/>
-  </p:clrMapOvr>
-</p:sld>
-</file>
-
-<file path=ppt/slides/slide9.xml><?xml version="1.0" encoding="utf-8"?>
-<p:sld xmlns:a="http://schemas.openxmlformats.org/drawingml/2006/main" xmlns:r="http://schemas.openxmlformats.org/officeDocument/2006/relationships" xmlns:p="http://schemas.openxmlformats.org/presentationml/2006/main">
-  <p:cSld>
-    <p:spTree>
-      <p:nvGrpSpPr>
-        <p:cNvPr id="1" name=""/>
-        <p:cNvGrpSpPr/>
-        <p:nvPr/>
-      </p:nvGrpSpPr>
-      <p:grpSpPr>
-        <a:xfrm>
-          <a:off x="0" y="0"/>
-          <a:ext cx="0" cy="0"/>
-          <a:chOff x="0" y="0"/>
-          <a:chExt cx="0" cy="0"/>
-        </a:xfrm>
-      </p:grpSpPr>
-      <p:sp>
-        <p:nvSpPr>
-          <p:cNvPr id="2" name="Title 1">
-            <a:extLst>
-              <a:ext uri="{FF2B5EF4-FFF2-40B4-BE49-F238E27FC236}">
-                <a16:creationId xmlns:a16="http://schemas.microsoft.com/office/drawing/2014/main" id="{9E3BA452-9F30-C3EC-6329-FC8FEFB91A66}"/>
-              </a:ext>
-            </a:extLst>
-          </p:cNvPr>
-          <p:cNvSpPr>
-            <a:spLocks noGrp="1"/>
-          </p:cNvSpPr>
-          <p:nvPr>
-            <p:ph type="title"/>
-          </p:nvPr>
-        </p:nvSpPr>
-        <p:spPr>
-          <a:xfrm>
-            <a:off x="731196" y="254479"/>
-            <a:ext cx="10515600" cy="743828"/>
-          </a:xfrm>
-        </p:spPr>
-        <p:txBody>
-          <a:bodyPr>
-            <a:normAutofit fontScale="90000"/>
-          </a:bodyPr>
-          <a:lstStyle/>
-          <a:p>
-            <a:pPr algn="ctr"/>
-            <a:r>
-              <a:rPr lang="en-US" sz="3500" dirty="0"/>
-              <a:t>Composition Preferences of Neighboring Amino Acids</a:t>
-            </a:r>
-            <a:br>
-              <a:rPr lang="en-US" sz="3500" dirty="0"/>
-            </a:br>
-            <a:r>
-              <a:rPr lang="en-US" sz="3500" dirty="0"/>
-              <a:t>in epitopes against non-epitopes.</a:t>
-            </a:r>
-          </a:p>
-        </p:txBody>
-      </p:sp>
-      <p:pic>
-        <p:nvPicPr>
-          <p:cNvPr id="5122" name="Picture 2">
-            <a:extLst>
-              <a:ext uri="{FF2B5EF4-FFF2-40B4-BE49-F238E27FC236}">
-                <a16:creationId xmlns:a16="http://schemas.microsoft.com/office/drawing/2014/main" id="{A7903B7B-6A96-A282-8F3C-0FD2E16441EA}"/>
-              </a:ext>
-            </a:extLst>
-          </p:cNvPr>
-          <p:cNvPicPr>
-            <a:picLocks noChangeAspect="1" noChangeArrowheads="1"/>
-          </p:cNvPicPr>
-          <p:nvPr/>
-        </p:nvPicPr>
-        <p:blipFill rotWithShape="1">
-          <a:blip r:embed="rId3">
-            <a:extLst>
-              <a:ext uri="{28A0092B-C50C-407E-A947-70E740481C1C}">
-                <a14:useLocalDpi xmlns:a14="http://schemas.microsoft.com/office/drawing/2010/main" val="0"/>
-              </a:ext>
-            </a:extLst>
-          </a:blip>
-          <a:srcRect t="7650"/>
-          <a:stretch/>
-        </p:blipFill>
-        <p:spPr bwMode="auto">
-          <a:xfrm>
-            <a:off x="1272591" y="1780162"/>
-            <a:ext cx="9382125" cy="4451445"/>
-          </a:xfrm>
-          <a:prstGeom prst="rect">
-            <a:avLst/>
-          </a:prstGeom>
-          <a:noFill/>
-          <a:extLst>
-            <a:ext uri="{909E8E84-426E-40DD-AFC4-6F175D3DCCD1}">
-              <a14:hiddenFill xmlns:a14="http://schemas.microsoft.com/office/drawing/2010/main">
-                <a:solidFill>
-                  <a:srgbClr val="FFFFFF"/>
-                </a:solidFill>
-              </a14:hiddenFill>
-            </a:ext>
-          </a:extLst>
-        </p:spPr>
-      </p:pic>
-    </p:spTree>
-    <p:extLst>
-      <p:ext uri="{BB962C8B-B14F-4D97-AF65-F5344CB8AC3E}">
-        <p14:creationId xmlns:p14="http://schemas.microsoft.com/office/powerpoint/2010/main" val="3163899199"/>
       </p:ext>
     </p:extLst>
   </p:cSld>
